--- a/Verify the Theory of Natural Selection/Figures/edit.pptx
+++ b/Verify the Theory of Natural Selection/Figures/edit.pptx
@@ -4,6 +4,9 @@
   <p:sldMasterIdLst>
     <p:sldMasterId id="2147483648" r:id="rId1"/>
   </p:sldMasterIdLst>
+  <p:notesMasterIdLst>
+    <p:notesMasterId r:id="rId10"/>
+  </p:notesMasterIdLst>
   <p:sldIdLst>
     <p:sldId id="256" r:id="rId2"/>
     <p:sldId id="257" r:id="rId3"/>
@@ -11,6 +14,8 @@
     <p:sldId id="260" r:id="rId5"/>
     <p:sldId id="261" r:id="rId6"/>
     <p:sldId id="258" r:id="rId7"/>
+    <p:sldId id="262" r:id="rId8"/>
+    <p:sldId id="263" r:id="rId9"/>
   </p:sldIdLst>
   <p:sldSz cx="12192000" cy="6858000"/>
   <p:notesSz cx="6858000" cy="9144000"/>
@@ -117,6 +122,440 @@
 </p:presentation>
 </file>
 
+<file path=ppt/notesMasters/notesMaster1.xml><?xml version="1.0" encoding="utf-8"?>
+<p:notesMaster xmlns:a="http://schemas.openxmlformats.org/drawingml/2006/main" xmlns:r="http://schemas.openxmlformats.org/officeDocument/2006/relationships" xmlns:p="http://schemas.openxmlformats.org/presentationml/2006/main">
+  <p:cSld>
+    <p:bg>
+      <p:bgRef idx="1001">
+        <a:schemeClr val="bg1"/>
+      </p:bgRef>
+    </p:bg>
+    <p:spTree>
+      <p:nvGrpSpPr>
+        <p:cNvPr id="1" name=""/>
+        <p:cNvGrpSpPr/>
+        <p:nvPr/>
+      </p:nvGrpSpPr>
+      <p:grpSpPr>
+        <a:xfrm>
+          <a:off x="0" y="0"/>
+          <a:ext cx="0" cy="0"/>
+          <a:chOff x="0" y="0"/>
+          <a:chExt cx="0" cy="0"/>
+        </a:xfrm>
+      </p:grpSpPr>
+      <p:sp>
+        <p:nvSpPr>
+          <p:cNvPr id="2" name="页眉占位符 1"/>
+          <p:cNvSpPr>
+            <a:spLocks noGrp="1"/>
+          </p:cNvSpPr>
+          <p:nvPr>
+            <p:ph type="hdr" sz="quarter"/>
+          </p:nvPr>
+        </p:nvSpPr>
+        <p:spPr>
+          <a:xfrm>
+            <a:off x="0" y="0"/>
+            <a:ext cx="2971800" cy="458788"/>
+          </a:xfrm>
+          <a:prstGeom prst="rect">
+            <a:avLst/>
+          </a:prstGeom>
+        </p:spPr>
+        <p:txBody>
+          <a:bodyPr vert="horz" lIns="91440" tIns="45720" rIns="91440" bIns="45720" rtlCol="0"/>
+          <a:lstStyle>
+            <a:lvl1pPr algn="l">
+              <a:defRPr sz="1200"/>
+            </a:lvl1pPr>
+          </a:lstStyle>
+          <a:p>
+            <a:endParaRPr lang="zh-CN" altLang="en-US"/>
+          </a:p>
+        </p:txBody>
+      </p:sp>
+      <p:sp>
+        <p:nvSpPr>
+          <p:cNvPr id="3" name="日期占位符 2"/>
+          <p:cNvSpPr>
+            <a:spLocks noGrp="1"/>
+          </p:cNvSpPr>
+          <p:nvPr>
+            <p:ph type="dt" idx="1"/>
+          </p:nvPr>
+        </p:nvSpPr>
+        <p:spPr>
+          <a:xfrm>
+            <a:off x="3884613" y="0"/>
+            <a:ext cx="2971800" cy="458788"/>
+          </a:xfrm>
+          <a:prstGeom prst="rect">
+            <a:avLst/>
+          </a:prstGeom>
+        </p:spPr>
+        <p:txBody>
+          <a:bodyPr vert="horz" lIns="91440" tIns="45720" rIns="91440" bIns="45720" rtlCol="0"/>
+          <a:lstStyle>
+            <a:lvl1pPr algn="r">
+              <a:defRPr sz="1200"/>
+            </a:lvl1pPr>
+          </a:lstStyle>
+          <a:p>
+            <a:fld id="{BC253BAB-0993-453B-9886-892C2DDF2FDC}" type="datetimeFigureOut">
+              <a:rPr lang="zh-CN" altLang="en-US" smtClean="0"/>
+              <a:t>2025/1/5</a:t>
+            </a:fld>
+            <a:endParaRPr lang="zh-CN" altLang="en-US"/>
+          </a:p>
+        </p:txBody>
+      </p:sp>
+      <p:sp>
+        <p:nvSpPr>
+          <p:cNvPr id="4" name="幻灯片图像占位符 3"/>
+          <p:cNvSpPr>
+            <a:spLocks noGrp="1" noRot="1" noChangeAspect="1"/>
+          </p:cNvSpPr>
+          <p:nvPr>
+            <p:ph type="sldImg" idx="2"/>
+          </p:nvPr>
+        </p:nvSpPr>
+        <p:spPr>
+          <a:xfrm>
+            <a:off x="685800" y="1143000"/>
+            <a:ext cx="5486400" cy="3086100"/>
+          </a:xfrm>
+          <a:prstGeom prst="rect">
+            <a:avLst/>
+          </a:prstGeom>
+          <a:noFill/>
+          <a:ln w="12700">
+            <a:solidFill>
+              <a:prstClr val="black"/>
+            </a:solidFill>
+          </a:ln>
+        </p:spPr>
+        <p:txBody>
+          <a:bodyPr vert="horz" lIns="91440" tIns="45720" rIns="91440" bIns="45720" rtlCol="0" anchor="ctr"/>
+          <a:lstStyle/>
+          <a:p>
+            <a:endParaRPr lang="zh-CN" altLang="en-US"/>
+          </a:p>
+        </p:txBody>
+      </p:sp>
+      <p:sp>
+        <p:nvSpPr>
+          <p:cNvPr id="5" name="备注占位符 4"/>
+          <p:cNvSpPr>
+            <a:spLocks noGrp="1"/>
+          </p:cNvSpPr>
+          <p:nvPr>
+            <p:ph type="body" sz="quarter" idx="3"/>
+          </p:nvPr>
+        </p:nvSpPr>
+        <p:spPr>
+          <a:xfrm>
+            <a:off x="685800" y="4400550"/>
+            <a:ext cx="5486400" cy="3600450"/>
+          </a:xfrm>
+          <a:prstGeom prst="rect">
+            <a:avLst/>
+          </a:prstGeom>
+        </p:spPr>
+        <p:txBody>
+          <a:bodyPr vert="horz" lIns="91440" tIns="45720" rIns="91440" bIns="45720" rtlCol="0"/>
+          <a:lstStyle/>
+          <a:p>
+            <a:pPr lvl="0"/>
+            <a:r>
+              <a:rPr lang="zh-CN" altLang="en-US" smtClean="0"/>
+              <a:t>编辑母版文本样式</a:t>
+            </a:r>
+          </a:p>
+          <a:p>
+            <a:pPr lvl="1"/>
+            <a:r>
+              <a:rPr lang="zh-CN" altLang="en-US" smtClean="0"/>
+              <a:t>第二级</a:t>
+            </a:r>
+          </a:p>
+          <a:p>
+            <a:pPr lvl="2"/>
+            <a:r>
+              <a:rPr lang="zh-CN" altLang="en-US" smtClean="0"/>
+              <a:t>第三级</a:t>
+            </a:r>
+          </a:p>
+          <a:p>
+            <a:pPr lvl="3"/>
+            <a:r>
+              <a:rPr lang="zh-CN" altLang="en-US" smtClean="0"/>
+              <a:t>第四级</a:t>
+            </a:r>
+          </a:p>
+          <a:p>
+            <a:pPr lvl="4"/>
+            <a:r>
+              <a:rPr lang="zh-CN" altLang="en-US" smtClean="0"/>
+              <a:t>第五级</a:t>
+            </a:r>
+            <a:endParaRPr lang="zh-CN" altLang="en-US"/>
+          </a:p>
+        </p:txBody>
+      </p:sp>
+      <p:sp>
+        <p:nvSpPr>
+          <p:cNvPr id="6" name="页脚占位符 5"/>
+          <p:cNvSpPr>
+            <a:spLocks noGrp="1"/>
+          </p:cNvSpPr>
+          <p:nvPr>
+            <p:ph type="ftr" sz="quarter" idx="4"/>
+          </p:nvPr>
+        </p:nvSpPr>
+        <p:spPr>
+          <a:xfrm>
+            <a:off x="0" y="8685213"/>
+            <a:ext cx="2971800" cy="458787"/>
+          </a:xfrm>
+          <a:prstGeom prst="rect">
+            <a:avLst/>
+          </a:prstGeom>
+        </p:spPr>
+        <p:txBody>
+          <a:bodyPr vert="horz" lIns="91440" tIns="45720" rIns="91440" bIns="45720" rtlCol="0" anchor="b"/>
+          <a:lstStyle>
+            <a:lvl1pPr algn="l">
+              <a:defRPr sz="1200"/>
+            </a:lvl1pPr>
+          </a:lstStyle>
+          <a:p>
+            <a:endParaRPr lang="zh-CN" altLang="en-US"/>
+          </a:p>
+        </p:txBody>
+      </p:sp>
+      <p:sp>
+        <p:nvSpPr>
+          <p:cNvPr id="7" name="灯片编号占位符 6"/>
+          <p:cNvSpPr>
+            <a:spLocks noGrp="1"/>
+          </p:cNvSpPr>
+          <p:nvPr>
+            <p:ph type="sldNum" sz="quarter" idx="5"/>
+          </p:nvPr>
+        </p:nvSpPr>
+        <p:spPr>
+          <a:xfrm>
+            <a:off x="3884613" y="8685213"/>
+            <a:ext cx="2971800" cy="458787"/>
+          </a:xfrm>
+          <a:prstGeom prst="rect">
+            <a:avLst/>
+          </a:prstGeom>
+        </p:spPr>
+        <p:txBody>
+          <a:bodyPr vert="horz" lIns="91440" tIns="45720" rIns="91440" bIns="45720" rtlCol="0" anchor="b"/>
+          <a:lstStyle>
+            <a:lvl1pPr algn="r">
+              <a:defRPr sz="1200"/>
+            </a:lvl1pPr>
+          </a:lstStyle>
+          <a:p>
+            <a:fld id="{D6571FFB-70D9-4757-9B01-19B31F5BF207}" type="slidenum">
+              <a:rPr lang="zh-CN" altLang="en-US" smtClean="0"/>
+              <a:t>‹#›</a:t>
+            </a:fld>
+            <a:endParaRPr lang="zh-CN" altLang="en-US"/>
+          </a:p>
+        </p:txBody>
+      </p:sp>
+    </p:spTree>
+    <p:extLst>
+      <p:ext uri="{BB962C8B-B14F-4D97-AF65-F5344CB8AC3E}">
+        <p14:creationId xmlns:p14="http://schemas.microsoft.com/office/powerpoint/2010/main" val="3076046746"/>
+      </p:ext>
+    </p:extLst>
+  </p:cSld>
+  <p:clrMap bg1="lt1" tx1="dk1" bg2="lt2" tx2="dk2" accent1="accent1" accent2="accent2" accent3="accent3" accent4="accent4" accent5="accent5" accent6="accent6" hlink="hlink" folHlink="folHlink"/>
+  <p:notesStyle>
+    <a:lvl1pPr marL="0" algn="l" defTabSz="914400" rtl="0" eaLnBrk="1" latinLnBrk="0" hangingPunct="1">
+      <a:defRPr sz="1200" kern="1200">
+        <a:solidFill>
+          <a:schemeClr val="tx1"/>
+        </a:solidFill>
+        <a:latin typeface="+mn-lt"/>
+        <a:ea typeface="+mn-ea"/>
+        <a:cs typeface="+mn-cs"/>
+      </a:defRPr>
+    </a:lvl1pPr>
+    <a:lvl2pPr marL="457200" algn="l" defTabSz="914400" rtl="0" eaLnBrk="1" latinLnBrk="0" hangingPunct="1">
+      <a:defRPr sz="1200" kern="1200">
+        <a:solidFill>
+          <a:schemeClr val="tx1"/>
+        </a:solidFill>
+        <a:latin typeface="+mn-lt"/>
+        <a:ea typeface="+mn-ea"/>
+        <a:cs typeface="+mn-cs"/>
+      </a:defRPr>
+    </a:lvl2pPr>
+    <a:lvl3pPr marL="914400" algn="l" defTabSz="914400" rtl="0" eaLnBrk="1" latinLnBrk="0" hangingPunct="1">
+      <a:defRPr sz="1200" kern="1200">
+        <a:solidFill>
+          <a:schemeClr val="tx1"/>
+        </a:solidFill>
+        <a:latin typeface="+mn-lt"/>
+        <a:ea typeface="+mn-ea"/>
+        <a:cs typeface="+mn-cs"/>
+      </a:defRPr>
+    </a:lvl3pPr>
+    <a:lvl4pPr marL="1371600" algn="l" defTabSz="914400" rtl="0" eaLnBrk="1" latinLnBrk="0" hangingPunct="1">
+      <a:defRPr sz="1200" kern="1200">
+        <a:solidFill>
+          <a:schemeClr val="tx1"/>
+        </a:solidFill>
+        <a:latin typeface="+mn-lt"/>
+        <a:ea typeface="+mn-ea"/>
+        <a:cs typeface="+mn-cs"/>
+      </a:defRPr>
+    </a:lvl4pPr>
+    <a:lvl5pPr marL="1828800" algn="l" defTabSz="914400" rtl="0" eaLnBrk="1" latinLnBrk="0" hangingPunct="1">
+      <a:defRPr sz="1200" kern="1200">
+        <a:solidFill>
+          <a:schemeClr val="tx1"/>
+        </a:solidFill>
+        <a:latin typeface="+mn-lt"/>
+        <a:ea typeface="+mn-ea"/>
+        <a:cs typeface="+mn-cs"/>
+      </a:defRPr>
+    </a:lvl5pPr>
+    <a:lvl6pPr marL="2286000" algn="l" defTabSz="914400" rtl="0" eaLnBrk="1" latinLnBrk="0" hangingPunct="1">
+      <a:defRPr sz="1200" kern="1200">
+        <a:solidFill>
+          <a:schemeClr val="tx1"/>
+        </a:solidFill>
+        <a:latin typeface="+mn-lt"/>
+        <a:ea typeface="+mn-ea"/>
+        <a:cs typeface="+mn-cs"/>
+      </a:defRPr>
+    </a:lvl6pPr>
+    <a:lvl7pPr marL="2743200" algn="l" defTabSz="914400" rtl="0" eaLnBrk="1" latinLnBrk="0" hangingPunct="1">
+      <a:defRPr sz="1200" kern="1200">
+        <a:solidFill>
+          <a:schemeClr val="tx1"/>
+        </a:solidFill>
+        <a:latin typeface="+mn-lt"/>
+        <a:ea typeface="+mn-ea"/>
+        <a:cs typeface="+mn-cs"/>
+      </a:defRPr>
+    </a:lvl7pPr>
+    <a:lvl8pPr marL="3200400" algn="l" defTabSz="914400" rtl="0" eaLnBrk="1" latinLnBrk="0" hangingPunct="1">
+      <a:defRPr sz="1200" kern="1200">
+        <a:solidFill>
+          <a:schemeClr val="tx1"/>
+        </a:solidFill>
+        <a:latin typeface="+mn-lt"/>
+        <a:ea typeface="+mn-ea"/>
+        <a:cs typeface="+mn-cs"/>
+      </a:defRPr>
+    </a:lvl8pPr>
+    <a:lvl9pPr marL="3657600" algn="l" defTabSz="914400" rtl="0" eaLnBrk="1" latinLnBrk="0" hangingPunct="1">
+      <a:defRPr sz="1200" kern="1200">
+        <a:solidFill>
+          <a:schemeClr val="tx1"/>
+        </a:solidFill>
+        <a:latin typeface="+mn-lt"/>
+        <a:ea typeface="+mn-ea"/>
+        <a:cs typeface="+mn-cs"/>
+      </a:defRPr>
+    </a:lvl9pPr>
+  </p:notesStyle>
+</p:notesMaster>
+</file>
+
+<file path=ppt/notesSlides/notesSlide1.xml><?xml version="1.0" encoding="utf-8"?>
+<p:notes xmlns:a="http://schemas.openxmlformats.org/drawingml/2006/main" xmlns:r="http://schemas.openxmlformats.org/officeDocument/2006/relationships" xmlns:p="http://schemas.openxmlformats.org/presentationml/2006/main">
+  <p:cSld>
+    <p:spTree>
+      <p:nvGrpSpPr>
+        <p:cNvPr id="1" name=""/>
+        <p:cNvGrpSpPr/>
+        <p:nvPr/>
+      </p:nvGrpSpPr>
+      <p:grpSpPr>
+        <a:xfrm>
+          <a:off x="0" y="0"/>
+          <a:ext cx="0" cy="0"/>
+          <a:chOff x="0" y="0"/>
+          <a:chExt cx="0" cy="0"/>
+        </a:xfrm>
+      </p:grpSpPr>
+      <p:sp>
+        <p:nvSpPr>
+          <p:cNvPr id="2" name="幻灯片图像占位符 1"/>
+          <p:cNvSpPr>
+            <a:spLocks noGrp="1" noRot="1" noChangeAspect="1"/>
+          </p:cNvSpPr>
+          <p:nvPr>
+            <p:ph type="sldImg"/>
+          </p:nvPr>
+        </p:nvSpPr>
+        <p:spPr/>
+      </p:sp>
+      <p:sp>
+        <p:nvSpPr>
+          <p:cNvPr id="3" name="备注占位符 2"/>
+          <p:cNvSpPr>
+            <a:spLocks noGrp="1"/>
+          </p:cNvSpPr>
+          <p:nvPr>
+            <p:ph type="body" idx="1"/>
+          </p:nvPr>
+        </p:nvSpPr>
+        <p:spPr/>
+        <p:txBody>
+          <a:bodyPr/>
+          <a:lstStyle/>
+          <a:p>
+            <a:endParaRPr lang="zh-CN" altLang="en-US" dirty="0"/>
+          </a:p>
+        </p:txBody>
+      </p:sp>
+      <p:sp>
+        <p:nvSpPr>
+          <p:cNvPr id="4" name="灯片编号占位符 3"/>
+          <p:cNvSpPr>
+            <a:spLocks noGrp="1"/>
+          </p:cNvSpPr>
+          <p:nvPr>
+            <p:ph type="sldNum" sz="quarter" idx="10"/>
+          </p:nvPr>
+        </p:nvSpPr>
+        <p:spPr/>
+        <p:txBody>
+          <a:bodyPr/>
+          <a:lstStyle/>
+          <a:p>
+            <a:fld id="{D6571FFB-70D9-4757-9B01-19B31F5BF207}" type="slidenum">
+              <a:rPr lang="zh-CN" altLang="en-US" smtClean="0"/>
+              <a:t>7</a:t>
+            </a:fld>
+            <a:endParaRPr lang="zh-CN" altLang="en-US"/>
+          </a:p>
+        </p:txBody>
+      </p:sp>
+    </p:spTree>
+    <p:extLst>
+      <p:ext uri="{BB962C8B-B14F-4D97-AF65-F5344CB8AC3E}">
+        <p14:creationId xmlns:p14="http://schemas.microsoft.com/office/powerpoint/2010/main" val="1053439168"/>
+      </p:ext>
+    </p:extLst>
+  </p:cSld>
+  <p:clrMapOvr>
+    <a:masterClrMapping/>
+  </p:clrMapOvr>
+</p:notes>
+</file>
+
 <file path=ppt/slideLayouts/slideLayout1.xml><?xml version="1.0" encoding="utf-8"?>
 <p:sldLayout xmlns:a="http://schemas.openxmlformats.org/drawingml/2006/main" xmlns:r="http://schemas.openxmlformats.org/officeDocument/2006/relationships" xmlns:p="http://schemas.openxmlformats.org/presentationml/2006/main" type="title" preserve="1">
   <p:cSld name="标题幻灯片">
@@ -248,7 +687,7 @@
           <a:p>
             <a:fld id="{E5593E26-C134-4B03-99FC-EB2F70C4A7E3}" type="datetimeFigureOut">
               <a:rPr lang="zh-CN" altLang="en-US" smtClean="0"/>
-              <a:t>2024/12/3</a:t>
+              <a:t>2025/1/5</a:t>
             </a:fld>
             <a:endParaRPr lang="zh-CN" altLang="en-US"/>
           </a:p>
@@ -418,7 +857,7 @@
           <a:p>
             <a:fld id="{E5593E26-C134-4B03-99FC-EB2F70C4A7E3}" type="datetimeFigureOut">
               <a:rPr lang="zh-CN" altLang="en-US" smtClean="0"/>
-              <a:t>2024/12/3</a:t>
+              <a:t>2025/1/5</a:t>
             </a:fld>
             <a:endParaRPr lang="zh-CN" altLang="en-US"/>
           </a:p>
@@ -598,7 +1037,7 @@
           <a:p>
             <a:fld id="{E5593E26-C134-4B03-99FC-EB2F70C4A7E3}" type="datetimeFigureOut">
               <a:rPr lang="zh-CN" altLang="en-US" smtClean="0"/>
-              <a:t>2024/12/3</a:t>
+              <a:t>2025/1/5</a:t>
             </a:fld>
             <a:endParaRPr lang="zh-CN" altLang="en-US"/>
           </a:p>
@@ -768,7 +1207,7 @@
           <a:p>
             <a:fld id="{E5593E26-C134-4B03-99FC-EB2F70C4A7E3}" type="datetimeFigureOut">
               <a:rPr lang="zh-CN" altLang="en-US" smtClean="0"/>
-              <a:t>2024/12/3</a:t>
+              <a:t>2025/1/5</a:t>
             </a:fld>
             <a:endParaRPr lang="zh-CN" altLang="en-US"/>
           </a:p>
@@ -1014,7 +1453,7 @@
           <a:p>
             <a:fld id="{E5593E26-C134-4B03-99FC-EB2F70C4A7E3}" type="datetimeFigureOut">
               <a:rPr lang="zh-CN" altLang="en-US" smtClean="0"/>
-              <a:t>2024/12/3</a:t>
+              <a:t>2025/1/5</a:t>
             </a:fld>
             <a:endParaRPr lang="zh-CN" altLang="en-US"/>
           </a:p>
@@ -1246,7 +1685,7 @@
           <a:p>
             <a:fld id="{E5593E26-C134-4B03-99FC-EB2F70C4A7E3}" type="datetimeFigureOut">
               <a:rPr lang="zh-CN" altLang="en-US" smtClean="0"/>
-              <a:t>2024/12/3</a:t>
+              <a:t>2025/1/5</a:t>
             </a:fld>
             <a:endParaRPr lang="zh-CN" altLang="en-US"/>
           </a:p>
@@ -1613,7 +2052,7 @@
           <a:p>
             <a:fld id="{E5593E26-C134-4B03-99FC-EB2F70C4A7E3}" type="datetimeFigureOut">
               <a:rPr lang="zh-CN" altLang="en-US" smtClean="0"/>
-              <a:t>2024/12/3</a:t>
+              <a:t>2025/1/5</a:t>
             </a:fld>
             <a:endParaRPr lang="zh-CN" altLang="en-US"/>
           </a:p>
@@ -1731,7 +2170,7 @@
           <a:p>
             <a:fld id="{E5593E26-C134-4B03-99FC-EB2F70C4A7E3}" type="datetimeFigureOut">
               <a:rPr lang="zh-CN" altLang="en-US" smtClean="0"/>
-              <a:t>2024/12/3</a:t>
+              <a:t>2025/1/5</a:t>
             </a:fld>
             <a:endParaRPr lang="zh-CN" altLang="en-US"/>
           </a:p>
@@ -1826,7 +2265,7 @@
           <a:p>
             <a:fld id="{E5593E26-C134-4B03-99FC-EB2F70C4A7E3}" type="datetimeFigureOut">
               <a:rPr lang="zh-CN" altLang="en-US" smtClean="0"/>
-              <a:t>2024/12/3</a:t>
+              <a:t>2025/1/5</a:t>
             </a:fld>
             <a:endParaRPr lang="zh-CN" altLang="en-US"/>
           </a:p>
@@ -2103,7 +2542,7 @@
           <a:p>
             <a:fld id="{E5593E26-C134-4B03-99FC-EB2F70C4A7E3}" type="datetimeFigureOut">
               <a:rPr lang="zh-CN" altLang="en-US" smtClean="0"/>
-              <a:t>2024/12/3</a:t>
+              <a:t>2025/1/5</a:t>
             </a:fld>
             <a:endParaRPr lang="zh-CN" altLang="en-US"/>
           </a:p>
@@ -2356,7 +2795,7 @@
           <a:p>
             <a:fld id="{E5593E26-C134-4B03-99FC-EB2F70C4A7E3}" type="datetimeFigureOut">
               <a:rPr lang="zh-CN" altLang="en-US" smtClean="0"/>
-              <a:t>2024/12/3</a:t>
+              <a:t>2025/1/5</a:t>
             </a:fld>
             <a:endParaRPr lang="zh-CN" altLang="en-US"/>
           </a:p>
@@ -2569,7 +3008,7 @@
           <a:p>
             <a:fld id="{E5593E26-C134-4B03-99FC-EB2F70C4A7E3}" type="datetimeFigureOut">
               <a:rPr lang="zh-CN" altLang="en-US" smtClean="0"/>
-              <a:t>2024/12/3</a:t>
+              <a:t>2025/1/5</a:t>
             </a:fld>
             <a:endParaRPr lang="zh-CN" altLang="en-US"/>
           </a:p>
@@ -7082,6 +7521,80 @@
       </p:grpSpPr>
       <p:sp>
         <p:nvSpPr>
+          <p:cNvPr id="11" name="椭圆 10"/>
+          <p:cNvSpPr/>
+          <p:nvPr/>
+        </p:nvSpPr>
+        <p:spPr>
+          <a:xfrm>
+            <a:off x="5403273" y="3994266"/>
+            <a:ext cx="2660073" cy="2673928"/>
+          </a:xfrm>
+          <a:prstGeom prst="ellipse">
+            <a:avLst/>
+          </a:prstGeom>
+          <a:gradFill flip="none" rotWithShape="1">
+            <a:gsLst>
+              <a:gs pos="0">
+                <a:schemeClr val="accent1">
+                  <a:tint val="66000"/>
+                  <a:satMod val="160000"/>
+                </a:schemeClr>
+              </a:gs>
+              <a:gs pos="50000">
+                <a:schemeClr val="accent1">
+                  <a:tint val="44500"/>
+                  <a:satMod val="160000"/>
+                </a:schemeClr>
+              </a:gs>
+              <a:gs pos="100000">
+                <a:schemeClr val="accent1">
+                  <a:tint val="23500"/>
+                  <a:satMod val="160000"/>
+                </a:schemeClr>
+              </a:gs>
+            </a:gsLst>
+            <a:path path="circle">
+              <a:fillToRect l="50000" t="50000" r="50000" b="50000"/>
+            </a:path>
+            <a:tileRect/>
+          </a:gradFill>
+          <a:ln>
+            <a:solidFill>
+              <a:schemeClr val="accent5">
+                <a:lumMod val="60000"/>
+                <a:lumOff val="40000"/>
+              </a:schemeClr>
+            </a:solidFill>
+          </a:ln>
+        </p:spPr>
+        <p:style>
+          <a:lnRef idx="2">
+            <a:schemeClr val="accent1">
+              <a:shade val="50000"/>
+            </a:schemeClr>
+          </a:lnRef>
+          <a:fillRef idx="1">
+            <a:schemeClr val="accent1"/>
+          </a:fillRef>
+          <a:effectRef idx="0">
+            <a:schemeClr val="accent1"/>
+          </a:effectRef>
+          <a:fontRef idx="minor">
+            <a:schemeClr val="lt1"/>
+          </a:fontRef>
+        </p:style>
+        <p:txBody>
+          <a:bodyPr rtlCol="0" anchor="ctr"/>
+          <a:lstStyle/>
+          <a:p>
+            <a:pPr algn="ctr"/>
+            <a:endParaRPr lang="zh-CN" altLang="en-US"/>
+          </a:p>
+        </p:txBody>
+      </p:sp>
+      <p:sp>
+        <p:nvSpPr>
           <p:cNvPr id="4" name="椭圆 3"/>
           <p:cNvSpPr/>
           <p:nvPr/>
@@ -7369,6 +7882,150 @@
           </a:p>
         </p:txBody>
       </p:sp>
+      <p:sp>
+        <p:nvSpPr>
+          <p:cNvPr id="12" name="椭圆 11"/>
+          <p:cNvSpPr/>
+          <p:nvPr/>
+        </p:nvSpPr>
+        <p:spPr>
+          <a:xfrm>
+            <a:off x="9743551" y="4909071"/>
+            <a:ext cx="734291" cy="765464"/>
+          </a:xfrm>
+          <a:prstGeom prst="ellipse">
+            <a:avLst/>
+          </a:prstGeom>
+          <a:gradFill flip="none" rotWithShape="1">
+            <a:gsLst>
+              <a:gs pos="0">
+                <a:schemeClr val="accent2">
+                  <a:lumMod val="60000"/>
+                  <a:lumOff val="40000"/>
+                  <a:shade val="30000"/>
+                  <a:satMod val="115000"/>
+                </a:schemeClr>
+              </a:gs>
+              <a:gs pos="50000">
+                <a:schemeClr val="accent2">
+                  <a:lumMod val="60000"/>
+                  <a:lumOff val="40000"/>
+                  <a:shade val="67500"/>
+                  <a:satMod val="115000"/>
+                </a:schemeClr>
+              </a:gs>
+              <a:gs pos="100000">
+                <a:schemeClr val="accent2">
+                  <a:lumMod val="60000"/>
+                  <a:lumOff val="40000"/>
+                  <a:shade val="100000"/>
+                  <a:satMod val="115000"/>
+                </a:schemeClr>
+              </a:gs>
+            </a:gsLst>
+            <a:path path="circle">
+              <a:fillToRect l="50000" t="50000" r="50000" b="50000"/>
+            </a:path>
+            <a:tileRect/>
+          </a:gradFill>
+          <a:ln>
+            <a:solidFill>
+              <a:schemeClr val="accent5">
+                <a:lumMod val="60000"/>
+                <a:lumOff val="40000"/>
+              </a:schemeClr>
+            </a:solidFill>
+          </a:ln>
+        </p:spPr>
+        <p:style>
+          <a:lnRef idx="2">
+            <a:schemeClr val="accent1">
+              <a:shade val="50000"/>
+            </a:schemeClr>
+          </a:lnRef>
+          <a:fillRef idx="1">
+            <a:schemeClr val="accent1"/>
+          </a:fillRef>
+          <a:effectRef idx="0">
+            <a:schemeClr val="accent1"/>
+          </a:effectRef>
+          <a:fontRef idx="minor">
+            <a:schemeClr val="lt1"/>
+          </a:fontRef>
+        </p:style>
+        <p:txBody>
+          <a:bodyPr rtlCol="0" anchor="ctr"/>
+          <a:lstStyle/>
+          <a:p>
+            <a:pPr algn="ctr"/>
+            <a:endParaRPr lang="zh-CN" altLang="en-US"/>
+          </a:p>
+        </p:txBody>
+      </p:sp>
+      <p:sp>
+        <p:nvSpPr>
+          <p:cNvPr id="15" name="文本框 14"/>
+          <p:cNvSpPr txBox="1"/>
+          <p:nvPr/>
+        </p:nvSpPr>
+        <p:spPr>
+          <a:xfrm flipH="1">
+            <a:off x="9130833" y="5674535"/>
+            <a:ext cx="1959726" cy="584775"/>
+          </a:xfrm>
+          <a:prstGeom prst="rect">
+            <a:avLst/>
+          </a:prstGeom>
+          <a:noFill/>
+        </p:spPr>
+        <p:txBody>
+          <a:bodyPr wrap="square" rtlCol="0">
+            <a:spAutoFit/>
+          </a:bodyPr>
+          <a:lstStyle/>
+          <a:p>
+            <a:pPr algn="ctr"/>
+            <a:r>
+              <a:rPr lang="en-US" altLang="zh-CN" sz="3200" b="1" dirty="0" smtClean="0"/>
+              <a:t>sample</a:t>
+            </a:r>
+            <a:endParaRPr lang="zh-CN" altLang="en-US" sz="3200" b="1" dirty="0"/>
+          </a:p>
+        </p:txBody>
+      </p:sp>
+      <p:cxnSp>
+        <p:nvCxnSpPr>
+          <p:cNvPr id="16" name="直接箭头连接符 15"/>
+          <p:cNvCxnSpPr/>
+          <p:nvPr/>
+        </p:nvCxnSpPr>
+        <p:spPr>
+          <a:xfrm flipV="1">
+            <a:off x="8063346" y="5291803"/>
+            <a:ext cx="1680205" cy="1"/>
+          </a:xfrm>
+          <a:prstGeom prst="straightConnector1">
+            <a:avLst/>
+          </a:prstGeom>
+          <a:ln>
+            <a:tailEnd type="triangle"/>
+          </a:ln>
+        </p:spPr>
+        <p:style>
+          <a:lnRef idx="1">
+            <a:schemeClr val="accent1"/>
+          </a:lnRef>
+          <a:fillRef idx="0">
+            <a:schemeClr val="accent1"/>
+          </a:fillRef>
+          <a:effectRef idx="0">
+            <a:schemeClr val="accent1"/>
+          </a:effectRef>
+          <a:fontRef idx="minor">
+            <a:schemeClr val="tx1"/>
+          </a:fontRef>
+        </p:style>
+      </p:cxnSp>
     </p:spTree>
     <p:extLst>
       <p:ext uri="{BB962C8B-B14F-4D97-AF65-F5344CB8AC3E}">
@@ -7649,6 +8306,4610 @@
     <p:extLst>
       <p:ext uri="{BB962C8B-B14F-4D97-AF65-F5344CB8AC3E}">
         <p14:creationId xmlns:p14="http://schemas.microsoft.com/office/powerpoint/2010/main" val="950682364"/>
+      </p:ext>
+    </p:extLst>
+  </p:cSld>
+  <p:clrMapOvr>
+    <a:masterClrMapping/>
+  </p:clrMapOvr>
+</p:sld>
+</file>
+
+<file path=ppt/slides/slide7.xml><?xml version="1.0" encoding="utf-8"?>
+<p:sld xmlns:a="http://schemas.openxmlformats.org/drawingml/2006/main" xmlns:r="http://schemas.openxmlformats.org/officeDocument/2006/relationships" xmlns:p="http://schemas.openxmlformats.org/presentationml/2006/main">
+  <p:cSld>
+    <p:spTree>
+      <p:nvGrpSpPr>
+        <p:cNvPr id="1" name=""/>
+        <p:cNvGrpSpPr/>
+        <p:nvPr/>
+      </p:nvGrpSpPr>
+      <p:grpSpPr>
+        <a:xfrm>
+          <a:off x="0" y="0"/>
+          <a:ext cx="0" cy="0"/>
+          <a:chOff x="0" y="0"/>
+          <a:chExt cx="0" cy="0"/>
+        </a:xfrm>
+      </p:grpSpPr>
+      <p:pic>
+        <p:nvPicPr>
+          <p:cNvPr id="4" name="内容占位符 3"/>
+          <p:cNvPicPr>
+            <a:picLocks noGrp="1" noChangeAspect="1"/>
+          </p:cNvPicPr>
+          <p:nvPr>
+            <p:ph idx="1"/>
+          </p:nvPr>
+        </p:nvPicPr>
+        <p:blipFill>
+          <a:blip r:embed="rId3" cstate="print">
+            <a:extLst>
+              <a:ext uri="{28A0092B-C50C-407E-A947-70E740481C1C}">
+                <a14:useLocalDpi xmlns:a14="http://schemas.microsoft.com/office/drawing/2010/main" val="0"/>
+              </a:ext>
+            </a:extLst>
+          </a:blip>
+          <a:stretch>
+            <a:fillRect/>
+          </a:stretch>
+        </p:blipFill>
+        <p:spPr>
+          <a:xfrm rot="5400000">
+            <a:off x="-652782" y="966788"/>
+            <a:ext cx="6685282" cy="5013960"/>
+          </a:xfrm>
+        </p:spPr>
+      </p:pic>
+      <p:sp>
+        <p:nvSpPr>
+          <p:cNvPr id="5" name="文本框 4"/>
+          <p:cNvSpPr txBox="1"/>
+          <p:nvPr/>
+        </p:nvSpPr>
+        <p:spPr>
+          <a:xfrm>
+            <a:off x="1409700" y="1033780"/>
+            <a:ext cx="241300" cy="261610"/>
+          </a:xfrm>
+          <a:prstGeom prst="rect">
+            <a:avLst/>
+          </a:prstGeom>
+          <a:noFill/>
+        </p:spPr>
+        <p:txBody>
+          <a:bodyPr wrap="square" rtlCol="0">
+            <a:spAutoFit/>
+          </a:bodyPr>
+          <a:lstStyle/>
+          <a:p>
+            <a:r>
+              <a:rPr lang="en-US" altLang="zh-CN" sz="1100" b="1" dirty="0" smtClean="0"/>
+              <a:t>0</a:t>
+            </a:r>
+            <a:endParaRPr lang="zh-CN" altLang="en-US" sz="1100" b="1" dirty="0"/>
+          </a:p>
+        </p:txBody>
+      </p:sp>
+      <p:sp>
+        <p:nvSpPr>
+          <p:cNvPr id="6" name="文本框 5"/>
+          <p:cNvSpPr txBox="1"/>
+          <p:nvPr/>
+        </p:nvSpPr>
+        <p:spPr>
+          <a:xfrm>
+            <a:off x="1833880" y="1033780"/>
+            <a:ext cx="241300" cy="261610"/>
+          </a:xfrm>
+          <a:prstGeom prst="rect">
+            <a:avLst/>
+          </a:prstGeom>
+          <a:noFill/>
+        </p:spPr>
+        <p:txBody>
+          <a:bodyPr wrap="square" rtlCol="0">
+            <a:spAutoFit/>
+          </a:bodyPr>
+          <a:lstStyle/>
+          <a:p>
+            <a:r>
+              <a:rPr lang="en-US" altLang="zh-CN" sz="1100" b="1" dirty="0"/>
+              <a:t>1</a:t>
+            </a:r>
+            <a:endParaRPr lang="zh-CN" altLang="en-US" sz="1100" b="1" dirty="0"/>
+          </a:p>
+        </p:txBody>
+      </p:sp>
+      <p:sp>
+        <p:nvSpPr>
+          <p:cNvPr id="7" name="文本框 6"/>
+          <p:cNvSpPr txBox="1"/>
+          <p:nvPr/>
+        </p:nvSpPr>
+        <p:spPr>
+          <a:xfrm>
+            <a:off x="2258060" y="1033780"/>
+            <a:ext cx="241300" cy="261610"/>
+          </a:xfrm>
+          <a:prstGeom prst="rect">
+            <a:avLst/>
+          </a:prstGeom>
+          <a:noFill/>
+        </p:spPr>
+        <p:txBody>
+          <a:bodyPr wrap="square" rtlCol="0">
+            <a:spAutoFit/>
+          </a:bodyPr>
+          <a:lstStyle/>
+          <a:p>
+            <a:r>
+              <a:rPr lang="en-US" altLang="zh-CN" sz="1100" b="1" dirty="0" smtClean="0"/>
+              <a:t>2</a:t>
+            </a:r>
+            <a:endParaRPr lang="zh-CN" altLang="en-US" sz="1100" b="1" dirty="0"/>
+          </a:p>
+        </p:txBody>
+      </p:sp>
+      <p:sp>
+        <p:nvSpPr>
+          <p:cNvPr id="8" name="文本框 7"/>
+          <p:cNvSpPr txBox="1"/>
+          <p:nvPr/>
+        </p:nvSpPr>
+        <p:spPr>
+          <a:xfrm>
+            <a:off x="2682240" y="1033780"/>
+            <a:ext cx="241300" cy="261610"/>
+          </a:xfrm>
+          <a:prstGeom prst="rect">
+            <a:avLst/>
+          </a:prstGeom>
+          <a:noFill/>
+        </p:spPr>
+        <p:txBody>
+          <a:bodyPr wrap="square" rtlCol="0">
+            <a:spAutoFit/>
+          </a:bodyPr>
+          <a:lstStyle/>
+          <a:p>
+            <a:r>
+              <a:rPr lang="en-US" altLang="zh-CN" sz="1100" b="1" dirty="0"/>
+              <a:t>3</a:t>
+            </a:r>
+            <a:endParaRPr lang="zh-CN" altLang="en-US" sz="1100" b="1" dirty="0"/>
+          </a:p>
+        </p:txBody>
+      </p:sp>
+      <p:sp>
+        <p:nvSpPr>
+          <p:cNvPr id="9" name="文本框 8"/>
+          <p:cNvSpPr txBox="1"/>
+          <p:nvPr/>
+        </p:nvSpPr>
+        <p:spPr>
+          <a:xfrm>
+            <a:off x="3106420" y="1033780"/>
+            <a:ext cx="241300" cy="261610"/>
+          </a:xfrm>
+          <a:prstGeom prst="rect">
+            <a:avLst/>
+          </a:prstGeom>
+          <a:noFill/>
+        </p:spPr>
+        <p:txBody>
+          <a:bodyPr wrap="square" rtlCol="0">
+            <a:spAutoFit/>
+          </a:bodyPr>
+          <a:lstStyle/>
+          <a:p>
+            <a:r>
+              <a:rPr lang="en-US" altLang="zh-CN" sz="1100" b="1" dirty="0" smtClean="0"/>
+              <a:t>3</a:t>
+            </a:r>
+            <a:endParaRPr lang="zh-CN" altLang="en-US" sz="1100" b="1" dirty="0"/>
+          </a:p>
+        </p:txBody>
+      </p:sp>
+      <p:sp>
+        <p:nvSpPr>
+          <p:cNvPr id="10" name="文本框 9"/>
+          <p:cNvSpPr txBox="1"/>
+          <p:nvPr/>
+        </p:nvSpPr>
+        <p:spPr>
+          <a:xfrm>
+            <a:off x="3530600" y="1033780"/>
+            <a:ext cx="241300" cy="261610"/>
+          </a:xfrm>
+          <a:prstGeom prst="rect">
+            <a:avLst/>
+          </a:prstGeom>
+          <a:noFill/>
+        </p:spPr>
+        <p:txBody>
+          <a:bodyPr wrap="square" rtlCol="0">
+            <a:spAutoFit/>
+          </a:bodyPr>
+          <a:lstStyle/>
+          <a:p>
+            <a:r>
+              <a:rPr lang="en-US" altLang="zh-CN" sz="1100" b="1" dirty="0"/>
+              <a:t>0</a:t>
+            </a:r>
+            <a:endParaRPr lang="zh-CN" altLang="en-US" sz="1100" b="1" dirty="0"/>
+          </a:p>
+        </p:txBody>
+      </p:sp>
+      <p:sp>
+        <p:nvSpPr>
+          <p:cNvPr id="11" name="文本框 10"/>
+          <p:cNvSpPr txBox="1"/>
+          <p:nvPr/>
+        </p:nvSpPr>
+        <p:spPr>
+          <a:xfrm>
+            <a:off x="3954780" y="1033780"/>
+            <a:ext cx="241300" cy="261610"/>
+          </a:xfrm>
+          <a:prstGeom prst="rect">
+            <a:avLst/>
+          </a:prstGeom>
+          <a:noFill/>
+        </p:spPr>
+        <p:txBody>
+          <a:bodyPr wrap="square" rtlCol="0">
+            <a:spAutoFit/>
+          </a:bodyPr>
+          <a:lstStyle/>
+          <a:p>
+            <a:r>
+              <a:rPr lang="en-US" altLang="zh-CN" sz="1100" b="1" dirty="0" smtClean="0"/>
+              <a:t>1</a:t>
+            </a:r>
+            <a:endParaRPr lang="zh-CN" altLang="en-US" sz="1100" b="1" dirty="0"/>
+          </a:p>
+        </p:txBody>
+      </p:sp>
+      <p:sp>
+        <p:nvSpPr>
+          <p:cNvPr id="12" name="文本框 11"/>
+          <p:cNvSpPr txBox="1"/>
+          <p:nvPr/>
+        </p:nvSpPr>
+        <p:spPr>
+          <a:xfrm>
+            <a:off x="4378960" y="1033780"/>
+            <a:ext cx="241300" cy="261610"/>
+          </a:xfrm>
+          <a:prstGeom prst="rect">
+            <a:avLst/>
+          </a:prstGeom>
+          <a:noFill/>
+        </p:spPr>
+        <p:txBody>
+          <a:bodyPr wrap="square" rtlCol="0">
+            <a:spAutoFit/>
+          </a:bodyPr>
+          <a:lstStyle/>
+          <a:p>
+            <a:r>
+              <a:rPr lang="en-US" altLang="zh-CN" sz="1100" b="1" dirty="0"/>
+              <a:t>2</a:t>
+            </a:r>
+            <a:endParaRPr lang="zh-CN" altLang="en-US" sz="1100" b="1" dirty="0"/>
+          </a:p>
+        </p:txBody>
+      </p:sp>
+      <p:sp>
+        <p:nvSpPr>
+          <p:cNvPr id="14" name="文本框 13"/>
+          <p:cNvSpPr txBox="1"/>
+          <p:nvPr/>
+        </p:nvSpPr>
+        <p:spPr>
+          <a:xfrm>
+            <a:off x="1412240" y="1567180"/>
+            <a:ext cx="241300" cy="261610"/>
+          </a:xfrm>
+          <a:prstGeom prst="rect">
+            <a:avLst/>
+          </a:prstGeom>
+          <a:noFill/>
+        </p:spPr>
+        <p:txBody>
+          <a:bodyPr wrap="square" rtlCol="0">
+            <a:spAutoFit/>
+          </a:bodyPr>
+          <a:lstStyle/>
+          <a:p>
+            <a:r>
+              <a:rPr lang="en-US" altLang="zh-CN" sz="1100" b="1" dirty="0"/>
+              <a:t>2</a:t>
+            </a:r>
+            <a:endParaRPr lang="zh-CN" altLang="en-US" sz="1100" b="1" dirty="0"/>
+          </a:p>
+        </p:txBody>
+      </p:sp>
+      <p:sp>
+        <p:nvSpPr>
+          <p:cNvPr id="15" name="文本框 14"/>
+          <p:cNvSpPr txBox="1"/>
+          <p:nvPr/>
+        </p:nvSpPr>
+        <p:spPr>
+          <a:xfrm>
+            <a:off x="1833880" y="1567180"/>
+            <a:ext cx="241300" cy="261610"/>
+          </a:xfrm>
+          <a:prstGeom prst="rect">
+            <a:avLst/>
+          </a:prstGeom>
+          <a:noFill/>
+        </p:spPr>
+        <p:txBody>
+          <a:bodyPr wrap="square" rtlCol="0">
+            <a:spAutoFit/>
+          </a:bodyPr>
+          <a:lstStyle/>
+          <a:p>
+            <a:r>
+              <a:rPr lang="en-US" altLang="zh-CN" sz="1100" b="1" dirty="0" smtClean="0"/>
+              <a:t>3</a:t>
+            </a:r>
+            <a:endParaRPr lang="zh-CN" altLang="en-US" sz="1100" b="1" dirty="0"/>
+          </a:p>
+        </p:txBody>
+      </p:sp>
+      <p:sp>
+        <p:nvSpPr>
+          <p:cNvPr id="16" name="文本框 15"/>
+          <p:cNvSpPr txBox="1"/>
+          <p:nvPr/>
+        </p:nvSpPr>
+        <p:spPr>
+          <a:xfrm>
+            <a:off x="2258060" y="1567180"/>
+            <a:ext cx="241300" cy="261610"/>
+          </a:xfrm>
+          <a:prstGeom prst="rect">
+            <a:avLst/>
+          </a:prstGeom>
+          <a:noFill/>
+        </p:spPr>
+        <p:txBody>
+          <a:bodyPr wrap="square" rtlCol="0">
+            <a:spAutoFit/>
+          </a:bodyPr>
+          <a:lstStyle/>
+          <a:p>
+            <a:r>
+              <a:rPr lang="en-US" altLang="zh-CN" sz="1100" b="1" dirty="0" smtClean="0"/>
+              <a:t>2</a:t>
+            </a:r>
+            <a:endParaRPr lang="zh-CN" altLang="en-US" sz="1100" b="1" dirty="0"/>
+          </a:p>
+        </p:txBody>
+      </p:sp>
+      <p:sp>
+        <p:nvSpPr>
+          <p:cNvPr id="17" name="文本框 16"/>
+          <p:cNvSpPr txBox="1"/>
+          <p:nvPr/>
+        </p:nvSpPr>
+        <p:spPr>
+          <a:xfrm>
+            <a:off x="2682240" y="1567180"/>
+            <a:ext cx="241300" cy="261610"/>
+          </a:xfrm>
+          <a:prstGeom prst="rect">
+            <a:avLst/>
+          </a:prstGeom>
+          <a:noFill/>
+        </p:spPr>
+        <p:txBody>
+          <a:bodyPr wrap="square" rtlCol="0">
+            <a:spAutoFit/>
+          </a:bodyPr>
+          <a:lstStyle/>
+          <a:p>
+            <a:r>
+              <a:rPr lang="en-US" altLang="zh-CN" sz="1100" b="1" dirty="0" smtClean="0"/>
+              <a:t>2</a:t>
+            </a:r>
+            <a:endParaRPr lang="zh-CN" altLang="en-US" sz="1100" b="1" dirty="0"/>
+          </a:p>
+        </p:txBody>
+      </p:sp>
+      <p:sp>
+        <p:nvSpPr>
+          <p:cNvPr id="18" name="文本框 17"/>
+          <p:cNvSpPr txBox="1"/>
+          <p:nvPr/>
+        </p:nvSpPr>
+        <p:spPr>
+          <a:xfrm>
+            <a:off x="3106420" y="1567180"/>
+            <a:ext cx="241300" cy="261610"/>
+          </a:xfrm>
+          <a:prstGeom prst="rect">
+            <a:avLst/>
+          </a:prstGeom>
+          <a:noFill/>
+        </p:spPr>
+        <p:txBody>
+          <a:bodyPr wrap="square" rtlCol="0">
+            <a:spAutoFit/>
+          </a:bodyPr>
+          <a:lstStyle/>
+          <a:p>
+            <a:r>
+              <a:rPr lang="en-US" altLang="zh-CN" sz="1100" b="1" dirty="0" smtClean="0"/>
+              <a:t>2</a:t>
+            </a:r>
+            <a:endParaRPr lang="zh-CN" altLang="en-US" sz="1100" b="1" dirty="0"/>
+          </a:p>
+        </p:txBody>
+      </p:sp>
+      <p:sp>
+        <p:nvSpPr>
+          <p:cNvPr id="19" name="文本框 18"/>
+          <p:cNvSpPr txBox="1"/>
+          <p:nvPr/>
+        </p:nvSpPr>
+        <p:spPr>
+          <a:xfrm>
+            <a:off x="3530600" y="1567180"/>
+            <a:ext cx="241300" cy="261610"/>
+          </a:xfrm>
+          <a:prstGeom prst="rect">
+            <a:avLst/>
+          </a:prstGeom>
+          <a:noFill/>
+        </p:spPr>
+        <p:txBody>
+          <a:bodyPr wrap="square" rtlCol="0">
+            <a:spAutoFit/>
+          </a:bodyPr>
+          <a:lstStyle/>
+          <a:p>
+            <a:r>
+              <a:rPr lang="en-US" altLang="zh-CN" sz="1100" b="1" dirty="0"/>
+              <a:t>3</a:t>
+            </a:r>
+            <a:endParaRPr lang="zh-CN" altLang="en-US" sz="1100" b="1" dirty="0"/>
+          </a:p>
+        </p:txBody>
+      </p:sp>
+      <p:sp>
+        <p:nvSpPr>
+          <p:cNvPr id="20" name="文本框 19"/>
+          <p:cNvSpPr txBox="1"/>
+          <p:nvPr/>
+        </p:nvSpPr>
+        <p:spPr>
+          <a:xfrm>
+            <a:off x="3954780" y="1567180"/>
+            <a:ext cx="241300" cy="261610"/>
+          </a:xfrm>
+          <a:prstGeom prst="rect">
+            <a:avLst/>
+          </a:prstGeom>
+          <a:noFill/>
+        </p:spPr>
+        <p:txBody>
+          <a:bodyPr wrap="square" rtlCol="0">
+            <a:spAutoFit/>
+          </a:bodyPr>
+          <a:lstStyle/>
+          <a:p>
+            <a:r>
+              <a:rPr lang="en-US" altLang="zh-CN" sz="1100" b="1" dirty="0" smtClean="0"/>
+              <a:t>2</a:t>
+            </a:r>
+            <a:endParaRPr lang="zh-CN" altLang="en-US" sz="1100" b="1" dirty="0"/>
+          </a:p>
+        </p:txBody>
+      </p:sp>
+      <p:sp>
+        <p:nvSpPr>
+          <p:cNvPr id="21" name="文本框 20"/>
+          <p:cNvSpPr txBox="1"/>
+          <p:nvPr/>
+        </p:nvSpPr>
+        <p:spPr>
+          <a:xfrm>
+            <a:off x="4378960" y="1567180"/>
+            <a:ext cx="241300" cy="261610"/>
+          </a:xfrm>
+          <a:prstGeom prst="rect">
+            <a:avLst/>
+          </a:prstGeom>
+          <a:noFill/>
+        </p:spPr>
+        <p:txBody>
+          <a:bodyPr wrap="square" rtlCol="0">
+            <a:spAutoFit/>
+          </a:bodyPr>
+          <a:lstStyle/>
+          <a:p>
+            <a:r>
+              <a:rPr lang="en-US" altLang="zh-CN" sz="1100" b="1" dirty="0"/>
+              <a:t>1</a:t>
+            </a:r>
+            <a:endParaRPr lang="zh-CN" altLang="en-US" sz="1100" b="1" dirty="0"/>
+          </a:p>
+        </p:txBody>
+      </p:sp>
+      <p:sp>
+        <p:nvSpPr>
+          <p:cNvPr id="22" name="文本框 21"/>
+          <p:cNvSpPr txBox="1"/>
+          <p:nvPr/>
+        </p:nvSpPr>
+        <p:spPr>
+          <a:xfrm>
+            <a:off x="1409700" y="1969775"/>
+            <a:ext cx="241300" cy="261610"/>
+          </a:xfrm>
+          <a:prstGeom prst="rect">
+            <a:avLst/>
+          </a:prstGeom>
+          <a:noFill/>
+        </p:spPr>
+        <p:txBody>
+          <a:bodyPr wrap="square" rtlCol="0">
+            <a:spAutoFit/>
+          </a:bodyPr>
+          <a:lstStyle/>
+          <a:p>
+            <a:r>
+              <a:rPr lang="en-US" altLang="zh-CN" sz="1100" b="1" dirty="0" smtClean="0"/>
+              <a:t>1</a:t>
+            </a:r>
+            <a:endParaRPr lang="zh-CN" altLang="en-US" sz="1100" b="1" dirty="0"/>
+          </a:p>
+        </p:txBody>
+      </p:sp>
+      <p:sp>
+        <p:nvSpPr>
+          <p:cNvPr id="23" name="文本框 22"/>
+          <p:cNvSpPr txBox="1"/>
+          <p:nvPr/>
+        </p:nvSpPr>
+        <p:spPr>
+          <a:xfrm>
+            <a:off x="1833880" y="1969775"/>
+            <a:ext cx="241300" cy="261610"/>
+          </a:xfrm>
+          <a:prstGeom prst="rect">
+            <a:avLst/>
+          </a:prstGeom>
+          <a:noFill/>
+        </p:spPr>
+        <p:txBody>
+          <a:bodyPr wrap="square" rtlCol="0">
+            <a:spAutoFit/>
+          </a:bodyPr>
+          <a:lstStyle/>
+          <a:p>
+            <a:r>
+              <a:rPr lang="en-US" altLang="zh-CN" sz="1100" b="1" dirty="0"/>
+              <a:t>1</a:t>
+            </a:r>
+            <a:endParaRPr lang="zh-CN" altLang="en-US" sz="1100" b="1" dirty="0"/>
+          </a:p>
+        </p:txBody>
+      </p:sp>
+      <p:sp>
+        <p:nvSpPr>
+          <p:cNvPr id="24" name="文本框 23"/>
+          <p:cNvSpPr txBox="1"/>
+          <p:nvPr/>
+        </p:nvSpPr>
+        <p:spPr>
+          <a:xfrm>
+            <a:off x="2258060" y="1969775"/>
+            <a:ext cx="241300" cy="261610"/>
+          </a:xfrm>
+          <a:prstGeom prst="rect">
+            <a:avLst/>
+          </a:prstGeom>
+          <a:noFill/>
+        </p:spPr>
+        <p:txBody>
+          <a:bodyPr wrap="square" rtlCol="0">
+            <a:spAutoFit/>
+          </a:bodyPr>
+          <a:lstStyle/>
+          <a:p>
+            <a:r>
+              <a:rPr lang="en-US" altLang="zh-CN" sz="1100" b="1" dirty="0"/>
+              <a:t>1</a:t>
+            </a:r>
+            <a:endParaRPr lang="zh-CN" altLang="en-US" sz="1100" b="1" dirty="0"/>
+          </a:p>
+        </p:txBody>
+      </p:sp>
+      <p:sp>
+        <p:nvSpPr>
+          <p:cNvPr id="25" name="文本框 24"/>
+          <p:cNvSpPr txBox="1"/>
+          <p:nvPr/>
+        </p:nvSpPr>
+        <p:spPr>
+          <a:xfrm>
+            <a:off x="2682240" y="1969775"/>
+            <a:ext cx="241300" cy="261610"/>
+          </a:xfrm>
+          <a:prstGeom prst="rect">
+            <a:avLst/>
+          </a:prstGeom>
+          <a:noFill/>
+        </p:spPr>
+        <p:txBody>
+          <a:bodyPr wrap="square" rtlCol="0">
+            <a:spAutoFit/>
+          </a:bodyPr>
+          <a:lstStyle/>
+          <a:p>
+            <a:r>
+              <a:rPr lang="en-US" altLang="zh-CN" sz="1100" b="1" dirty="0"/>
+              <a:t>1</a:t>
+            </a:r>
+            <a:endParaRPr lang="zh-CN" altLang="en-US" sz="1100" b="1" dirty="0"/>
+          </a:p>
+        </p:txBody>
+      </p:sp>
+      <p:sp>
+        <p:nvSpPr>
+          <p:cNvPr id="26" name="文本框 25"/>
+          <p:cNvSpPr txBox="1"/>
+          <p:nvPr/>
+        </p:nvSpPr>
+        <p:spPr>
+          <a:xfrm>
+            <a:off x="3106420" y="1969775"/>
+            <a:ext cx="241300" cy="261610"/>
+          </a:xfrm>
+          <a:prstGeom prst="rect">
+            <a:avLst/>
+          </a:prstGeom>
+          <a:noFill/>
+        </p:spPr>
+        <p:txBody>
+          <a:bodyPr wrap="square" rtlCol="0">
+            <a:spAutoFit/>
+          </a:bodyPr>
+          <a:lstStyle/>
+          <a:p>
+            <a:r>
+              <a:rPr lang="en-US" altLang="zh-CN" sz="1100" b="1" dirty="0"/>
+              <a:t>1</a:t>
+            </a:r>
+            <a:endParaRPr lang="zh-CN" altLang="en-US" sz="1100" b="1" dirty="0"/>
+          </a:p>
+        </p:txBody>
+      </p:sp>
+      <p:sp>
+        <p:nvSpPr>
+          <p:cNvPr id="27" name="文本框 26"/>
+          <p:cNvSpPr txBox="1"/>
+          <p:nvPr/>
+        </p:nvSpPr>
+        <p:spPr>
+          <a:xfrm>
+            <a:off x="3530600" y="1969775"/>
+            <a:ext cx="241300" cy="261610"/>
+          </a:xfrm>
+          <a:prstGeom prst="rect">
+            <a:avLst/>
+          </a:prstGeom>
+          <a:noFill/>
+        </p:spPr>
+        <p:txBody>
+          <a:bodyPr wrap="square" rtlCol="0">
+            <a:spAutoFit/>
+          </a:bodyPr>
+          <a:lstStyle/>
+          <a:p>
+            <a:r>
+              <a:rPr lang="en-US" altLang="zh-CN" sz="1100" b="1" dirty="0" smtClean="0"/>
+              <a:t>2</a:t>
+            </a:r>
+            <a:endParaRPr lang="zh-CN" altLang="en-US" sz="1100" b="1" dirty="0"/>
+          </a:p>
+        </p:txBody>
+      </p:sp>
+      <p:sp>
+        <p:nvSpPr>
+          <p:cNvPr id="28" name="文本框 27"/>
+          <p:cNvSpPr txBox="1"/>
+          <p:nvPr/>
+        </p:nvSpPr>
+        <p:spPr>
+          <a:xfrm>
+            <a:off x="3954780" y="1969775"/>
+            <a:ext cx="241300" cy="261610"/>
+          </a:xfrm>
+          <a:prstGeom prst="rect">
+            <a:avLst/>
+          </a:prstGeom>
+          <a:noFill/>
+        </p:spPr>
+        <p:txBody>
+          <a:bodyPr wrap="square" rtlCol="0">
+            <a:spAutoFit/>
+          </a:bodyPr>
+          <a:lstStyle/>
+          <a:p>
+            <a:r>
+              <a:rPr lang="en-US" altLang="zh-CN" sz="1100" b="1" dirty="0"/>
+              <a:t>0</a:t>
+            </a:r>
+            <a:endParaRPr lang="zh-CN" altLang="en-US" sz="1100" b="1" dirty="0"/>
+          </a:p>
+        </p:txBody>
+      </p:sp>
+      <p:sp>
+        <p:nvSpPr>
+          <p:cNvPr id="29" name="文本框 28"/>
+          <p:cNvSpPr txBox="1"/>
+          <p:nvPr/>
+        </p:nvSpPr>
+        <p:spPr>
+          <a:xfrm>
+            <a:off x="4378960" y="1969775"/>
+            <a:ext cx="241300" cy="261610"/>
+          </a:xfrm>
+          <a:prstGeom prst="rect">
+            <a:avLst/>
+          </a:prstGeom>
+          <a:noFill/>
+        </p:spPr>
+        <p:txBody>
+          <a:bodyPr wrap="square" rtlCol="0">
+            <a:spAutoFit/>
+          </a:bodyPr>
+          <a:lstStyle/>
+          <a:p>
+            <a:r>
+              <a:rPr lang="en-US" altLang="zh-CN" sz="1100" b="1" dirty="0" smtClean="0"/>
+              <a:t>2</a:t>
+            </a:r>
+            <a:endParaRPr lang="zh-CN" altLang="en-US" sz="1100" b="1" dirty="0"/>
+          </a:p>
+        </p:txBody>
+      </p:sp>
+      <p:sp>
+        <p:nvSpPr>
+          <p:cNvPr id="31" name="文本框 30"/>
+          <p:cNvSpPr txBox="1"/>
+          <p:nvPr/>
+        </p:nvSpPr>
+        <p:spPr>
+          <a:xfrm>
+            <a:off x="1409700" y="2372370"/>
+            <a:ext cx="241300" cy="261610"/>
+          </a:xfrm>
+          <a:prstGeom prst="rect">
+            <a:avLst/>
+          </a:prstGeom>
+          <a:noFill/>
+        </p:spPr>
+        <p:txBody>
+          <a:bodyPr wrap="square" rtlCol="0">
+            <a:spAutoFit/>
+          </a:bodyPr>
+          <a:lstStyle/>
+          <a:p>
+            <a:r>
+              <a:rPr lang="en-US" altLang="zh-CN" sz="1100" b="1" dirty="0"/>
+              <a:t>0</a:t>
+            </a:r>
+            <a:endParaRPr lang="zh-CN" altLang="en-US" sz="1100" b="1" dirty="0"/>
+          </a:p>
+        </p:txBody>
+      </p:sp>
+      <p:sp>
+        <p:nvSpPr>
+          <p:cNvPr id="32" name="文本框 31"/>
+          <p:cNvSpPr txBox="1"/>
+          <p:nvPr/>
+        </p:nvSpPr>
+        <p:spPr>
+          <a:xfrm>
+            <a:off x="1833880" y="2372370"/>
+            <a:ext cx="241300" cy="261610"/>
+          </a:xfrm>
+          <a:prstGeom prst="rect">
+            <a:avLst/>
+          </a:prstGeom>
+          <a:noFill/>
+        </p:spPr>
+        <p:txBody>
+          <a:bodyPr wrap="square" rtlCol="0">
+            <a:spAutoFit/>
+          </a:bodyPr>
+          <a:lstStyle/>
+          <a:p>
+            <a:r>
+              <a:rPr lang="en-US" altLang="zh-CN" sz="1100" b="1" dirty="0" smtClean="0"/>
+              <a:t>2</a:t>
+            </a:r>
+            <a:endParaRPr lang="zh-CN" altLang="en-US" sz="1100" b="1" dirty="0"/>
+          </a:p>
+        </p:txBody>
+      </p:sp>
+      <p:sp>
+        <p:nvSpPr>
+          <p:cNvPr id="33" name="文本框 32"/>
+          <p:cNvSpPr txBox="1"/>
+          <p:nvPr/>
+        </p:nvSpPr>
+        <p:spPr>
+          <a:xfrm>
+            <a:off x="2258060" y="2372370"/>
+            <a:ext cx="241300" cy="261610"/>
+          </a:xfrm>
+          <a:prstGeom prst="rect">
+            <a:avLst/>
+          </a:prstGeom>
+          <a:noFill/>
+        </p:spPr>
+        <p:txBody>
+          <a:bodyPr wrap="square" rtlCol="0">
+            <a:spAutoFit/>
+          </a:bodyPr>
+          <a:lstStyle/>
+          <a:p>
+            <a:r>
+              <a:rPr lang="en-US" altLang="zh-CN" sz="1100" b="1" dirty="0"/>
+              <a:t>2</a:t>
+            </a:r>
+            <a:endParaRPr lang="zh-CN" altLang="en-US" sz="1100" b="1" dirty="0"/>
+          </a:p>
+        </p:txBody>
+      </p:sp>
+      <p:sp>
+        <p:nvSpPr>
+          <p:cNvPr id="34" name="文本框 33"/>
+          <p:cNvSpPr txBox="1"/>
+          <p:nvPr/>
+        </p:nvSpPr>
+        <p:spPr>
+          <a:xfrm>
+            <a:off x="2682240" y="2372370"/>
+            <a:ext cx="241300" cy="261610"/>
+          </a:xfrm>
+          <a:prstGeom prst="rect">
+            <a:avLst/>
+          </a:prstGeom>
+          <a:noFill/>
+        </p:spPr>
+        <p:txBody>
+          <a:bodyPr wrap="square" rtlCol="0">
+            <a:spAutoFit/>
+          </a:bodyPr>
+          <a:lstStyle/>
+          <a:p>
+            <a:r>
+              <a:rPr lang="en-US" altLang="zh-CN" sz="1100" b="1" dirty="0" smtClean="0"/>
+              <a:t>0</a:t>
+            </a:r>
+            <a:endParaRPr lang="zh-CN" altLang="en-US" sz="1100" b="1" dirty="0"/>
+          </a:p>
+        </p:txBody>
+      </p:sp>
+      <p:sp>
+        <p:nvSpPr>
+          <p:cNvPr id="35" name="文本框 34"/>
+          <p:cNvSpPr txBox="1"/>
+          <p:nvPr/>
+        </p:nvSpPr>
+        <p:spPr>
+          <a:xfrm>
+            <a:off x="3106420" y="2372370"/>
+            <a:ext cx="241300" cy="261610"/>
+          </a:xfrm>
+          <a:prstGeom prst="rect">
+            <a:avLst/>
+          </a:prstGeom>
+          <a:noFill/>
+        </p:spPr>
+        <p:txBody>
+          <a:bodyPr wrap="square" rtlCol="0">
+            <a:spAutoFit/>
+          </a:bodyPr>
+          <a:lstStyle/>
+          <a:p>
+            <a:r>
+              <a:rPr lang="en-US" altLang="zh-CN" sz="1100" b="1" dirty="0"/>
+              <a:t>2</a:t>
+            </a:r>
+            <a:endParaRPr lang="zh-CN" altLang="en-US" sz="1100" b="1" dirty="0"/>
+          </a:p>
+        </p:txBody>
+      </p:sp>
+      <p:sp>
+        <p:nvSpPr>
+          <p:cNvPr id="36" name="文本框 35"/>
+          <p:cNvSpPr txBox="1"/>
+          <p:nvPr/>
+        </p:nvSpPr>
+        <p:spPr>
+          <a:xfrm>
+            <a:off x="3530600" y="2372370"/>
+            <a:ext cx="241300" cy="261610"/>
+          </a:xfrm>
+          <a:prstGeom prst="rect">
+            <a:avLst/>
+          </a:prstGeom>
+          <a:noFill/>
+        </p:spPr>
+        <p:txBody>
+          <a:bodyPr wrap="square" rtlCol="0">
+            <a:spAutoFit/>
+          </a:bodyPr>
+          <a:lstStyle/>
+          <a:p>
+            <a:r>
+              <a:rPr lang="en-US" altLang="zh-CN" sz="1100" b="1" dirty="0" smtClean="0"/>
+              <a:t>1</a:t>
+            </a:r>
+            <a:endParaRPr lang="zh-CN" altLang="en-US" sz="1100" b="1" dirty="0"/>
+          </a:p>
+        </p:txBody>
+      </p:sp>
+      <p:sp>
+        <p:nvSpPr>
+          <p:cNvPr id="37" name="文本框 36"/>
+          <p:cNvSpPr txBox="1"/>
+          <p:nvPr/>
+        </p:nvSpPr>
+        <p:spPr>
+          <a:xfrm>
+            <a:off x="3954780" y="2372370"/>
+            <a:ext cx="241300" cy="261610"/>
+          </a:xfrm>
+          <a:prstGeom prst="rect">
+            <a:avLst/>
+          </a:prstGeom>
+          <a:noFill/>
+        </p:spPr>
+        <p:txBody>
+          <a:bodyPr wrap="square" rtlCol="0">
+            <a:spAutoFit/>
+          </a:bodyPr>
+          <a:lstStyle/>
+          <a:p>
+            <a:r>
+              <a:rPr lang="en-US" altLang="zh-CN" sz="1100" b="1" dirty="0" smtClean="0"/>
+              <a:t>1</a:t>
+            </a:r>
+            <a:endParaRPr lang="zh-CN" altLang="en-US" sz="1100" b="1" dirty="0"/>
+          </a:p>
+        </p:txBody>
+      </p:sp>
+      <p:sp>
+        <p:nvSpPr>
+          <p:cNvPr id="38" name="文本框 37"/>
+          <p:cNvSpPr txBox="1"/>
+          <p:nvPr/>
+        </p:nvSpPr>
+        <p:spPr>
+          <a:xfrm>
+            <a:off x="4378960" y="2372370"/>
+            <a:ext cx="241300" cy="261610"/>
+          </a:xfrm>
+          <a:prstGeom prst="rect">
+            <a:avLst/>
+          </a:prstGeom>
+          <a:noFill/>
+        </p:spPr>
+        <p:txBody>
+          <a:bodyPr wrap="square" rtlCol="0">
+            <a:spAutoFit/>
+          </a:bodyPr>
+          <a:lstStyle/>
+          <a:p>
+            <a:r>
+              <a:rPr lang="en-US" altLang="zh-CN" sz="1100" b="1" dirty="0"/>
+              <a:t>0</a:t>
+            </a:r>
+            <a:endParaRPr lang="zh-CN" altLang="en-US" sz="1100" b="1" dirty="0"/>
+          </a:p>
+        </p:txBody>
+      </p:sp>
+      <p:sp>
+        <p:nvSpPr>
+          <p:cNvPr id="39" name="文本框 38"/>
+          <p:cNvSpPr txBox="1"/>
+          <p:nvPr/>
+        </p:nvSpPr>
+        <p:spPr>
+          <a:xfrm>
+            <a:off x="1409700" y="2717488"/>
+            <a:ext cx="241300" cy="261610"/>
+          </a:xfrm>
+          <a:prstGeom prst="rect">
+            <a:avLst/>
+          </a:prstGeom>
+          <a:noFill/>
+        </p:spPr>
+        <p:txBody>
+          <a:bodyPr wrap="square" rtlCol="0">
+            <a:spAutoFit/>
+          </a:bodyPr>
+          <a:lstStyle/>
+          <a:p>
+            <a:r>
+              <a:rPr lang="en-US" altLang="zh-CN" sz="1100" b="1" dirty="0" smtClean="0"/>
+              <a:t>1</a:t>
+            </a:r>
+            <a:endParaRPr lang="zh-CN" altLang="en-US" sz="1100" b="1" dirty="0"/>
+          </a:p>
+        </p:txBody>
+      </p:sp>
+      <p:sp>
+        <p:nvSpPr>
+          <p:cNvPr id="40" name="文本框 39"/>
+          <p:cNvSpPr txBox="1"/>
+          <p:nvPr/>
+        </p:nvSpPr>
+        <p:spPr>
+          <a:xfrm>
+            <a:off x="1833880" y="2717488"/>
+            <a:ext cx="241300" cy="261610"/>
+          </a:xfrm>
+          <a:prstGeom prst="rect">
+            <a:avLst/>
+          </a:prstGeom>
+          <a:noFill/>
+        </p:spPr>
+        <p:txBody>
+          <a:bodyPr wrap="square" rtlCol="0">
+            <a:spAutoFit/>
+          </a:bodyPr>
+          <a:lstStyle/>
+          <a:p>
+            <a:r>
+              <a:rPr lang="en-US" altLang="zh-CN" sz="1100" b="1" dirty="0"/>
+              <a:t>0</a:t>
+            </a:r>
+            <a:endParaRPr lang="zh-CN" altLang="en-US" sz="1100" b="1" dirty="0"/>
+          </a:p>
+        </p:txBody>
+      </p:sp>
+      <p:sp>
+        <p:nvSpPr>
+          <p:cNvPr id="41" name="文本框 40"/>
+          <p:cNvSpPr txBox="1"/>
+          <p:nvPr/>
+        </p:nvSpPr>
+        <p:spPr>
+          <a:xfrm>
+            <a:off x="2258060" y="2717488"/>
+            <a:ext cx="241300" cy="261610"/>
+          </a:xfrm>
+          <a:prstGeom prst="rect">
+            <a:avLst/>
+          </a:prstGeom>
+          <a:noFill/>
+        </p:spPr>
+        <p:txBody>
+          <a:bodyPr wrap="square" rtlCol="0">
+            <a:spAutoFit/>
+          </a:bodyPr>
+          <a:lstStyle/>
+          <a:p>
+            <a:r>
+              <a:rPr lang="en-US" altLang="zh-CN" sz="1100" b="1" dirty="0"/>
+              <a:t>2</a:t>
+            </a:r>
+            <a:endParaRPr lang="zh-CN" altLang="en-US" sz="1100" b="1" dirty="0"/>
+          </a:p>
+        </p:txBody>
+      </p:sp>
+      <p:sp>
+        <p:nvSpPr>
+          <p:cNvPr id="42" name="文本框 41"/>
+          <p:cNvSpPr txBox="1"/>
+          <p:nvPr/>
+        </p:nvSpPr>
+        <p:spPr>
+          <a:xfrm>
+            <a:off x="2682240" y="2717488"/>
+            <a:ext cx="241300" cy="261610"/>
+          </a:xfrm>
+          <a:prstGeom prst="rect">
+            <a:avLst/>
+          </a:prstGeom>
+          <a:noFill/>
+        </p:spPr>
+        <p:txBody>
+          <a:bodyPr wrap="square" rtlCol="0">
+            <a:spAutoFit/>
+          </a:bodyPr>
+          <a:lstStyle/>
+          <a:p>
+            <a:r>
+              <a:rPr lang="en-US" altLang="zh-CN" sz="1100" b="1" dirty="0"/>
+              <a:t>2</a:t>
+            </a:r>
+            <a:endParaRPr lang="zh-CN" altLang="en-US" sz="1100" b="1" dirty="0"/>
+          </a:p>
+        </p:txBody>
+      </p:sp>
+      <p:sp>
+        <p:nvSpPr>
+          <p:cNvPr id="43" name="文本框 42"/>
+          <p:cNvSpPr txBox="1"/>
+          <p:nvPr/>
+        </p:nvSpPr>
+        <p:spPr>
+          <a:xfrm>
+            <a:off x="3106420" y="2717488"/>
+            <a:ext cx="241300" cy="261610"/>
+          </a:xfrm>
+          <a:prstGeom prst="rect">
+            <a:avLst/>
+          </a:prstGeom>
+          <a:noFill/>
+        </p:spPr>
+        <p:txBody>
+          <a:bodyPr wrap="square" rtlCol="0">
+            <a:spAutoFit/>
+          </a:bodyPr>
+          <a:lstStyle/>
+          <a:p>
+            <a:r>
+              <a:rPr lang="en-US" altLang="zh-CN" sz="1100" b="1" dirty="0" smtClean="0"/>
+              <a:t>1</a:t>
+            </a:r>
+            <a:endParaRPr lang="zh-CN" altLang="en-US" sz="1100" b="1" dirty="0"/>
+          </a:p>
+        </p:txBody>
+      </p:sp>
+      <p:sp>
+        <p:nvSpPr>
+          <p:cNvPr id="44" name="文本框 43"/>
+          <p:cNvSpPr txBox="1"/>
+          <p:nvPr/>
+        </p:nvSpPr>
+        <p:spPr>
+          <a:xfrm>
+            <a:off x="3530600" y="2717488"/>
+            <a:ext cx="241300" cy="261610"/>
+          </a:xfrm>
+          <a:prstGeom prst="rect">
+            <a:avLst/>
+          </a:prstGeom>
+          <a:noFill/>
+        </p:spPr>
+        <p:txBody>
+          <a:bodyPr wrap="square" rtlCol="0">
+            <a:spAutoFit/>
+          </a:bodyPr>
+          <a:lstStyle/>
+          <a:p>
+            <a:r>
+              <a:rPr lang="en-US" altLang="zh-CN" sz="1100" b="1" dirty="0" smtClean="0"/>
+              <a:t>2</a:t>
+            </a:r>
+            <a:endParaRPr lang="zh-CN" altLang="en-US" sz="1100" b="1" dirty="0"/>
+          </a:p>
+        </p:txBody>
+      </p:sp>
+      <p:sp>
+        <p:nvSpPr>
+          <p:cNvPr id="45" name="文本框 44"/>
+          <p:cNvSpPr txBox="1"/>
+          <p:nvPr/>
+        </p:nvSpPr>
+        <p:spPr>
+          <a:xfrm>
+            <a:off x="3954780" y="2717488"/>
+            <a:ext cx="241300" cy="261610"/>
+          </a:xfrm>
+          <a:prstGeom prst="rect">
+            <a:avLst/>
+          </a:prstGeom>
+          <a:noFill/>
+        </p:spPr>
+        <p:txBody>
+          <a:bodyPr wrap="square" rtlCol="0">
+            <a:spAutoFit/>
+          </a:bodyPr>
+          <a:lstStyle/>
+          <a:p>
+            <a:r>
+              <a:rPr lang="en-US" altLang="zh-CN" sz="1100" b="1" dirty="0" smtClean="0"/>
+              <a:t>1</a:t>
+            </a:r>
+            <a:endParaRPr lang="zh-CN" altLang="en-US" sz="1100" b="1" dirty="0"/>
+          </a:p>
+        </p:txBody>
+      </p:sp>
+      <p:sp>
+        <p:nvSpPr>
+          <p:cNvPr id="46" name="文本框 45"/>
+          <p:cNvSpPr txBox="1"/>
+          <p:nvPr/>
+        </p:nvSpPr>
+        <p:spPr>
+          <a:xfrm>
+            <a:off x="4378960" y="2717488"/>
+            <a:ext cx="241300" cy="261610"/>
+          </a:xfrm>
+          <a:prstGeom prst="rect">
+            <a:avLst/>
+          </a:prstGeom>
+          <a:noFill/>
+        </p:spPr>
+        <p:txBody>
+          <a:bodyPr wrap="square" rtlCol="0">
+            <a:spAutoFit/>
+          </a:bodyPr>
+          <a:lstStyle/>
+          <a:p>
+            <a:r>
+              <a:rPr lang="en-US" altLang="zh-CN" sz="1100" b="1" dirty="0" smtClean="0"/>
+              <a:t>0</a:t>
+            </a:r>
+            <a:endParaRPr lang="zh-CN" altLang="en-US" sz="1100" b="1" dirty="0"/>
+          </a:p>
+        </p:txBody>
+      </p:sp>
+      <p:sp>
+        <p:nvSpPr>
+          <p:cNvPr id="47" name="文本框 46"/>
+          <p:cNvSpPr txBox="1"/>
+          <p:nvPr/>
+        </p:nvSpPr>
+        <p:spPr>
+          <a:xfrm>
+            <a:off x="1409700" y="3119443"/>
+            <a:ext cx="241300" cy="261610"/>
+          </a:xfrm>
+          <a:prstGeom prst="rect">
+            <a:avLst/>
+          </a:prstGeom>
+          <a:noFill/>
+        </p:spPr>
+        <p:txBody>
+          <a:bodyPr wrap="square" rtlCol="0">
+            <a:spAutoFit/>
+          </a:bodyPr>
+          <a:lstStyle/>
+          <a:p>
+            <a:r>
+              <a:rPr lang="en-US" altLang="zh-CN" sz="1100" b="1" dirty="0"/>
+              <a:t>0</a:t>
+            </a:r>
+            <a:endParaRPr lang="zh-CN" altLang="en-US" sz="1100" b="1" dirty="0"/>
+          </a:p>
+        </p:txBody>
+      </p:sp>
+      <p:sp>
+        <p:nvSpPr>
+          <p:cNvPr id="48" name="文本框 47"/>
+          <p:cNvSpPr txBox="1"/>
+          <p:nvPr/>
+        </p:nvSpPr>
+        <p:spPr>
+          <a:xfrm>
+            <a:off x="1833880" y="3119443"/>
+            <a:ext cx="241300" cy="261610"/>
+          </a:xfrm>
+          <a:prstGeom prst="rect">
+            <a:avLst/>
+          </a:prstGeom>
+          <a:noFill/>
+        </p:spPr>
+        <p:txBody>
+          <a:bodyPr wrap="square" rtlCol="0">
+            <a:spAutoFit/>
+          </a:bodyPr>
+          <a:lstStyle/>
+          <a:p>
+            <a:r>
+              <a:rPr lang="en-US" altLang="zh-CN" sz="1100" b="1" dirty="0" smtClean="0"/>
+              <a:t>2</a:t>
+            </a:r>
+            <a:endParaRPr lang="zh-CN" altLang="en-US" sz="1100" b="1" dirty="0"/>
+          </a:p>
+        </p:txBody>
+      </p:sp>
+      <p:sp>
+        <p:nvSpPr>
+          <p:cNvPr id="49" name="文本框 48"/>
+          <p:cNvSpPr txBox="1"/>
+          <p:nvPr/>
+        </p:nvSpPr>
+        <p:spPr>
+          <a:xfrm>
+            <a:off x="2258060" y="3119443"/>
+            <a:ext cx="241300" cy="261610"/>
+          </a:xfrm>
+          <a:prstGeom prst="rect">
+            <a:avLst/>
+          </a:prstGeom>
+          <a:noFill/>
+        </p:spPr>
+        <p:txBody>
+          <a:bodyPr wrap="square" rtlCol="0">
+            <a:spAutoFit/>
+          </a:bodyPr>
+          <a:lstStyle/>
+          <a:p>
+            <a:r>
+              <a:rPr lang="en-US" altLang="zh-CN" sz="1100" b="1" dirty="0"/>
+              <a:t>3</a:t>
+            </a:r>
+            <a:endParaRPr lang="zh-CN" altLang="en-US" sz="1100" b="1" dirty="0"/>
+          </a:p>
+        </p:txBody>
+      </p:sp>
+      <p:sp>
+        <p:nvSpPr>
+          <p:cNvPr id="50" name="文本框 49"/>
+          <p:cNvSpPr txBox="1"/>
+          <p:nvPr/>
+        </p:nvSpPr>
+        <p:spPr>
+          <a:xfrm>
+            <a:off x="2682240" y="3119443"/>
+            <a:ext cx="241300" cy="261610"/>
+          </a:xfrm>
+          <a:prstGeom prst="rect">
+            <a:avLst/>
+          </a:prstGeom>
+          <a:noFill/>
+        </p:spPr>
+        <p:txBody>
+          <a:bodyPr wrap="square" rtlCol="0">
+            <a:spAutoFit/>
+          </a:bodyPr>
+          <a:lstStyle/>
+          <a:p>
+            <a:r>
+              <a:rPr lang="en-US" altLang="zh-CN" sz="1100" b="1" dirty="0"/>
+              <a:t>0</a:t>
+            </a:r>
+            <a:endParaRPr lang="zh-CN" altLang="en-US" sz="1100" b="1" dirty="0"/>
+          </a:p>
+        </p:txBody>
+      </p:sp>
+      <p:sp>
+        <p:nvSpPr>
+          <p:cNvPr id="51" name="文本框 50"/>
+          <p:cNvSpPr txBox="1"/>
+          <p:nvPr/>
+        </p:nvSpPr>
+        <p:spPr>
+          <a:xfrm>
+            <a:off x="3106420" y="3119443"/>
+            <a:ext cx="241300" cy="261610"/>
+          </a:xfrm>
+          <a:prstGeom prst="rect">
+            <a:avLst/>
+          </a:prstGeom>
+          <a:noFill/>
+        </p:spPr>
+        <p:txBody>
+          <a:bodyPr wrap="square" rtlCol="0">
+            <a:spAutoFit/>
+          </a:bodyPr>
+          <a:lstStyle/>
+          <a:p>
+            <a:r>
+              <a:rPr lang="en-US" altLang="zh-CN" sz="1100" b="1" dirty="0"/>
+              <a:t>1</a:t>
+            </a:r>
+            <a:endParaRPr lang="zh-CN" altLang="en-US" sz="1100" b="1" dirty="0"/>
+          </a:p>
+        </p:txBody>
+      </p:sp>
+      <p:sp>
+        <p:nvSpPr>
+          <p:cNvPr id="52" name="文本框 51"/>
+          <p:cNvSpPr txBox="1"/>
+          <p:nvPr/>
+        </p:nvSpPr>
+        <p:spPr>
+          <a:xfrm>
+            <a:off x="3530600" y="3119443"/>
+            <a:ext cx="241300" cy="261610"/>
+          </a:xfrm>
+          <a:prstGeom prst="rect">
+            <a:avLst/>
+          </a:prstGeom>
+          <a:noFill/>
+        </p:spPr>
+        <p:txBody>
+          <a:bodyPr wrap="square" rtlCol="0">
+            <a:spAutoFit/>
+          </a:bodyPr>
+          <a:lstStyle/>
+          <a:p>
+            <a:r>
+              <a:rPr lang="en-US" altLang="zh-CN" sz="1100" b="1" dirty="0"/>
+              <a:t>1</a:t>
+            </a:r>
+            <a:endParaRPr lang="zh-CN" altLang="en-US" sz="1100" b="1" dirty="0"/>
+          </a:p>
+        </p:txBody>
+      </p:sp>
+      <p:sp>
+        <p:nvSpPr>
+          <p:cNvPr id="53" name="文本框 52"/>
+          <p:cNvSpPr txBox="1"/>
+          <p:nvPr/>
+        </p:nvSpPr>
+        <p:spPr>
+          <a:xfrm>
+            <a:off x="3954780" y="3119443"/>
+            <a:ext cx="241300" cy="261610"/>
+          </a:xfrm>
+          <a:prstGeom prst="rect">
+            <a:avLst/>
+          </a:prstGeom>
+          <a:noFill/>
+        </p:spPr>
+        <p:txBody>
+          <a:bodyPr wrap="square" rtlCol="0">
+            <a:spAutoFit/>
+          </a:bodyPr>
+          <a:lstStyle/>
+          <a:p>
+            <a:r>
+              <a:rPr lang="en-US" altLang="zh-CN" sz="1100" b="1" dirty="0"/>
+              <a:t>1</a:t>
+            </a:r>
+            <a:endParaRPr lang="zh-CN" altLang="en-US" sz="1100" b="1" dirty="0"/>
+          </a:p>
+        </p:txBody>
+      </p:sp>
+      <p:sp>
+        <p:nvSpPr>
+          <p:cNvPr id="54" name="文本框 53"/>
+          <p:cNvSpPr txBox="1"/>
+          <p:nvPr/>
+        </p:nvSpPr>
+        <p:spPr>
+          <a:xfrm>
+            <a:off x="4378960" y="3119443"/>
+            <a:ext cx="241300" cy="261610"/>
+          </a:xfrm>
+          <a:prstGeom prst="rect">
+            <a:avLst/>
+          </a:prstGeom>
+          <a:noFill/>
+        </p:spPr>
+        <p:txBody>
+          <a:bodyPr wrap="square" rtlCol="0">
+            <a:spAutoFit/>
+          </a:bodyPr>
+          <a:lstStyle/>
+          <a:p>
+            <a:r>
+              <a:rPr lang="en-US" altLang="zh-CN" sz="1100" b="1" dirty="0"/>
+              <a:t>2</a:t>
+            </a:r>
+            <a:endParaRPr lang="zh-CN" altLang="en-US" sz="1100" b="1" dirty="0"/>
+          </a:p>
+        </p:txBody>
+      </p:sp>
+      <p:sp>
+        <p:nvSpPr>
+          <p:cNvPr id="55" name="文本框 54"/>
+          <p:cNvSpPr txBox="1"/>
+          <p:nvPr/>
+        </p:nvSpPr>
+        <p:spPr>
+          <a:xfrm>
+            <a:off x="1409700" y="3467106"/>
+            <a:ext cx="241300" cy="261610"/>
+          </a:xfrm>
+          <a:prstGeom prst="rect">
+            <a:avLst/>
+          </a:prstGeom>
+          <a:noFill/>
+        </p:spPr>
+        <p:txBody>
+          <a:bodyPr wrap="square" rtlCol="0">
+            <a:spAutoFit/>
+          </a:bodyPr>
+          <a:lstStyle/>
+          <a:p>
+            <a:r>
+              <a:rPr lang="en-US" altLang="zh-CN" sz="1100" b="1" dirty="0"/>
+              <a:t>0</a:t>
+            </a:r>
+            <a:endParaRPr lang="zh-CN" altLang="en-US" sz="1100" b="1" dirty="0"/>
+          </a:p>
+        </p:txBody>
+      </p:sp>
+      <p:sp>
+        <p:nvSpPr>
+          <p:cNvPr id="56" name="文本框 55"/>
+          <p:cNvSpPr txBox="1"/>
+          <p:nvPr/>
+        </p:nvSpPr>
+        <p:spPr>
+          <a:xfrm>
+            <a:off x="1833880" y="3469652"/>
+            <a:ext cx="241300" cy="261610"/>
+          </a:xfrm>
+          <a:prstGeom prst="rect">
+            <a:avLst/>
+          </a:prstGeom>
+          <a:noFill/>
+        </p:spPr>
+        <p:txBody>
+          <a:bodyPr wrap="square" rtlCol="0">
+            <a:spAutoFit/>
+          </a:bodyPr>
+          <a:lstStyle/>
+          <a:p>
+            <a:r>
+              <a:rPr lang="en-US" altLang="zh-CN" sz="1100" b="1" dirty="0" smtClean="0"/>
+              <a:t>2</a:t>
+            </a:r>
+            <a:endParaRPr lang="zh-CN" altLang="en-US" sz="1100" b="1" dirty="0"/>
+          </a:p>
+        </p:txBody>
+      </p:sp>
+      <p:sp>
+        <p:nvSpPr>
+          <p:cNvPr id="59" name="文本框 58"/>
+          <p:cNvSpPr txBox="1"/>
+          <p:nvPr/>
+        </p:nvSpPr>
+        <p:spPr>
+          <a:xfrm>
+            <a:off x="2258060" y="3467106"/>
+            <a:ext cx="241300" cy="261610"/>
+          </a:xfrm>
+          <a:prstGeom prst="rect">
+            <a:avLst/>
+          </a:prstGeom>
+          <a:noFill/>
+        </p:spPr>
+        <p:txBody>
+          <a:bodyPr wrap="square" rtlCol="0">
+            <a:spAutoFit/>
+          </a:bodyPr>
+          <a:lstStyle/>
+          <a:p>
+            <a:r>
+              <a:rPr lang="en-US" altLang="zh-CN" sz="1100" b="1" dirty="0"/>
+              <a:t>0</a:t>
+            </a:r>
+            <a:endParaRPr lang="zh-CN" altLang="en-US" sz="1100" b="1" dirty="0"/>
+          </a:p>
+        </p:txBody>
+      </p:sp>
+      <p:sp>
+        <p:nvSpPr>
+          <p:cNvPr id="60" name="文本框 59"/>
+          <p:cNvSpPr txBox="1"/>
+          <p:nvPr/>
+        </p:nvSpPr>
+        <p:spPr>
+          <a:xfrm>
+            <a:off x="2682240" y="3464560"/>
+            <a:ext cx="241300" cy="261610"/>
+          </a:xfrm>
+          <a:prstGeom prst="rect">
+            <a:avLst/>
+          </a:prstGeom>
+          <a:noFill/>
+        </p:spPr>
+        <p:txBody>
+          <a:bodyPr wrap="square" rtlCol="0">
+            <a:spAutoFit/>
+          </a:bodyPr>
+          <a:lstStyle/>
+          <a:p>
+            <a:r>
+              <a:rPr lang="en-US" altLang="zh-CN" sz="1100" b="1" dirty="0" smtClean="0"/>
+              <a:t>3</a:t>
+            </a:r>
+            <a:endParaRPr lang="zh-CN" altLang="en-US" sz="1100" b="1" dirty="0"/>
+          </a:p>
+        </p:txBody>
+      </p:sp>
+      <p:sp>
+        <p:nvSpPr>
+          <p:cNvPr id="61" name="文本框 60"/>
+          <p:cNvSpPr txBox="1"/>
+          <p:nvPr/>
+        </p:nvSpPr>
+        <p:spPr>
+          <a:xfrm>
+            <a:off x="3106420" y="3462014"/>
+            <a:ext cx="241300" cy="261610"/>
+          </a:xfrm>
+          <a:prstGeom prst="rect">
+            <a:avLst/>
+          </a:prstGeom>
+          <a:noFill/>
+        </p:spPr>
+        <p:txBody>
+          <a:bodyPr wrap="square" rtlCol="0">
+            <a:spAutoFit/>
+          </a:bodyPr>
+          <a:lstStyle/>
+          <a:p>
+            <a:r>
+              <a:rPr lang="en-US" altLang="zh-CN" sz="1100" b="1" dirty="0"/>
+              <a:t>0</a:t>
+            </a:r>
+            <a:endParaRPr lang="zh-CN" altLang="en-US" sz="1100" b="1" dirty="0"/>
+          </a:p>
+        </p:txBody>
+      </p:sp>
+      <p:sp>
+        <p:nvSpPr>
+          <p:cNvPr id="62" name="文本框 61"/>
+          <p:cNvSpPr txBox="1"/>
+          <p:nvPr/>
+        </p:nvSpPr>
+        <p:spPr>
+          <a:xfrm>
+            <a:off x="3530600" y="3459468"/>
+            <a:ext cx="241300" cy="261610"/>
+          </a:xfrm>
+          <a:prstGeom prst="rect">
+            <a:avLst/>
+          </a:prstGeom>
+          <a:noFill/>
+        </p:spPr>
+        <p:txBody>
+          <a:bodyPr wrap="square" rtlCol="0">
+            <a:spAutoFit/>
+          </a:bodyPr>
+          <a:lstStyle/>
+          <a:p>
+            <a:r>
+              <a:rPr lang="en-US" altLang="zh-CN" sz="1100" b="1" dirty="0" smtClean="0"/>
+              <a:t>2</a:t>
+            </a:r>
+            <a:endParaRPr lang="zh-CN" altLang="en-US" sz="1100" b="1" dirty="0"/>
+          </a:p>
+        </p:txBody>
+      </p:sp>
+      <p:sp>
+        <p:nvSpPr>
+          <p:cNvPr id="63" name="文本框 62"/>
+          <p:cNvSpPr txBox="1"/>
+          <p:nvPr/>
+        </p:nvSpPr>
+        <p:spPr>
+          <a:xfrm>
+            <a:off x="3878580" y="3454376"/>
+            <a:ext cx="241300" cy="261610"/>
+          </a:xfrm>
+          <a:prstGeom prst="rect">
+            <a:avLst/>
+          </a:prstGeom>
+          <a:noFill/>
+        </p:spPr>
+        <p:txBody>
+          <a:bodyPr wrap="square" rtlCol="0">
+            <a:spAutoFit/>
+          </a:bodyPr>
+          <a:lstStyle/>
+          <a:p>
+            <a:r>
+              <a:rPr lang="en-US" altLang="zh-CN" sz="1100" b="1" dirty="0" smtClean="0"/>
+              <a:t>1</a:t>
+            </a:r>
+            <a:endParaRPr lang="zh-CN" altLang="en-US" sz="1100" b="1" dirty="0"/>
+          </a:p>
+        </p:txBody>
+      </p:sp>
+      <p:sp>
+        <p:nvSpPr>
+          <p:cNvPr id="64" name="文本框 63"/>
+          <p:cNvSpPr txBox="1"/>
+          <p:nvPr/>
+        </p:nvSpPr>
+        <p:spPr>
+          <a:xfrm>
+            <a:off x="4378960" y="3454376"/>
+            <a:ext cx="241300" cy="261610"/>
+          </a:xfrm>
+          <a:prstGeom prst="rect">
+            <a:avLst/>
+          </a:prstGeom>
+          <a:noFill/>
+        </p:spPr>
+        <p:txBody>
+          <a:bodyPr wrap="square" rtlCol="0">
+            <a:spAutoFit/>
+          </a:bodyPr>
+          <a:lstStyle/>
+          <a:p>
+            <a:r>
+              <a:rPr lang="en-US" altLang="zh-CN" sz="1100" b="1" dirty="0" smtClean="0"/>
+              <a:t>1</a:t>
+            </a:r>
+            <a:endParaRPr lang="zh-CN" altLang="en-US" sz="1100" b="1" dirty="0"/>
+          </a:p>
+        </p:txBody>
+      </p:sp>
+      <p:sp>
+        <p:nvSpPr>
+          <p:cNvPr id="65" name="文本框 64"/>
+          <p:cNvSpPr txBox="1"/>
+          <p:nvPr/>
+        </p:nvSpPr>
+        <p:spPr>
+          <a:xfrm>
+            <a:off x="1343660" y="3957326"/>
+            <a:ext cx="241300" cy="261610"/>
+          </a:xfrm>
+          <a:prstGeom prst="rect">
+            <a:avLst/>
+          </a:prstGeom>
+          <a:noFill/>
+        </p:spPr>
+        <p:txBody>
+          <a:bodyPr wrap="square" rtlCol="0">
+            <a:spAutoFit/>
+          </a:bodyPr>
+          <a:lstStyle/>
+          <a:p>
+            <a:r>
+              <a:rPr lang="en-US" altLang="zh-CN" sz="1100" b="1" dirty="0" smtClean="0"/>
+              <a:t>1</a:t>
+            </a:r>
+            <a:endParaRPr lang="zh-CN" altLang="en-US" sz="1100" b="1" dirty="0"/>
+          </a:p>
+        </p:txBody>
+      </p:sp>
+      <p:sp>
+        <p:nvSpPr>
+          <p:cNvPr id="66" name="文本框 65"/>
+          <p:cNvSpPr txBox="1"/>
+          <p:nvPr/>
+        </p:nvSpPr>
+        <p:spPr>
+          <a:xfrm>
+            <a:off x="1715770" y="3957326"/>
+            <a:ext cx="241300" cy="261610"/>
+          </a:xfrm>
+          <a:prstGeom prst="rect">
+            <a:avLst/>
+          </a:prstGeom>
+          <a:noFill/>
+        </p:spPr>
+        <p:txBody>
+          <a:bodyPr wrap="square" rtlCol="0">
+            <a:spAutoFit/>
+          </a:bodyPr>
+          <a:lstStyle/>
+          <a:p>
+            <a:r>
+              <a:rPr lang="en-US" altLang="zh-CN" sz="1100" b="1" dirty="0" smtClean="0"/>
+              <a:t>1</a:t>
+            </a:r>
+            <a:endParaRPr lang="zh-CN" altLang="en-US" sz="1100" b="1" dirty="0"/>
+          </a:p>
+        </p:txBody>
+      </p:sp>
+      <p:sp>
+        <p:nvSpPr>
+          <p:cNvPr id="67" name="文本框 66"/>
+          <p:cNvSpPr txBox="1"/>
+          <p:nvPr/>
+        </p:nvSpPr>
+        <p:spPr>
+          <a:xfrm>
+            <a:off x="2137410" y="3957326"/>
+            <a:ext cx="241300" cy="261610"/>
+          </a:xfrm>
+          <a:prstGeom prst="rect">
+            <a:avLst/>
+          </a:prstGeom>
+          <a:noFill/>
+        </p:spPr>
+        <p:txBody>
+          <a:bodyPr wrap="square" rtlCol="0">
+            <a:spAutoFit/>
+          </a:bodyPr>
+          <a:lstStyle/>
+          <a:p>
+            <a:r>
+              <a:rPr lang="en-US" altLang="zh-CN" sz="1100" b="1" dirty="0"/>
+              <a:t>0</a:t>
+            </a:r>
+            <a:endParaRPr lang="zh-CN" altLang="en-US" sz="1100" b="1" dirty="0"/>
+          </a:p>
+        </p:txBody>
+      </p:sp>
+      <p:sp>
+        <p:nvSpPr>
+          <p:cNvPr id="68" name="文本框 67"/>
+          <p:cNvSpPr txBox="1"/>
+          <p:nvPr/>
+        </p:nvSpPr>
+        <p:spPr>
+          <a:xfrm>
+            <a:off x="2559050" y="3957326"/>
+            <a:ext cx="241300" cy="261610"/>
+          </a:xfrm>
+          <a:prstGeom prst="rect">
+            <a:avLst/>
+          </a:prstGeom>
+          <a:noFill/>
+        </p:spPr>
+        <p:txBody>
+          <a:bodyPr wrap="square" rtlCol="0">
+            <a:spAutoFit/>
+          </a:bodyPr>
+          <a:lstStyle/>
+          <a:p>
+            <a:r>
+              <a:rPr lang="en-US" altLang="zh-CN" sz="1100" b="1" dirty="0"/>
+              <a:t>0</a:t>
+            </a:r>
+            <a:endParaRPr lang="zh-CN" altLang="en-US" sz="1100" b="1" dirty="0"/>
+          </a:p>
+        </p:txBody>
+      </p:sp>
+      <p:sp>
+        <p:nvSpPr>
+          <p:cNvPr id="69" name="文本框 68"/>
+          <p:cNvSpPr txBox="1"/>
+          <p:nvPr/>
+        </p:nvSpPr>
+        <p:spPr>
+          <a:xfrm>
+            <a:off x="2980690" y="3957326"/>
+            <a:ext cx="241300" cy="261610"/>
+          </a:xfrm>
+          <a:prstGeom prst="rect">
+            <a:avLst/>
+          </a:prstGeom>
+          <a:noFill/>
+        </p:spPr>
+        <p:txBody>
+          <a:bodyPr wrap="square" rtlCol="0">
+            <a:spAutoFit/>
+          </a:bodyPr>
+          <a:lstStyle/>
+          <a:p>
+            <a:r>
+              <a:rPr lang="en-US" altLang="zh-CN" sz="1100" b="1" dirty="0" smtClean="0"/>
+              <a:t>2</a:t>
+            </a:r>
+            <a:endParaRPr lang="zh-CN" altLang="en-US" sz="1100" b="1" dirty="0"/>
+          </a:p>
+        </p:txBody>
+      </p:sp>
+      <p:sp>
+        <p:nvSpPr>
+          <p:cNvPr id="70" name="文本框 69"/>
+          <p:cNvSpPr txBox="1"/>
+          <p:nvPr/>
+        </p:nvSpPr>
+        <p:spPr>
+          <a:xfrm>
+            <a:off x="3402330" y="3957326"/>
+            <a:ext cx="241300" cy="261610"/>
+          </a:xfrm>
+          <a:prstGeom prst="rect">
+            <a:avLst/>
+          </a:prstGeom>
+          <a:noFill/>
+        </p:spPr>
+        <p:txBody>
+          <a:bodyPr wrap="square" rtlCol="0">
+            <a:spAutoFit/>
+          </a:bodyPr>
+          <a:lstStyle/>
+          <a:p>
+            <a:r>
+              <a:rPr lang="en-US" altLang="zh-CN" sz="1100" b="1" dirty="0"/>
+              <a:t>0</a:t>
+            </a:r>
+            <a:endParaRPr lang="zh-CN" altLang="en-US" sz="1100" b="1" dirty="0"/>
+          </a:p>
+        </p:txBody>
+      </p:sp>
+      <p:sp>
+        <p:nvSpPr>
+          <p:cNvPr id="72" name="文本框 71"/>
+          <p:cNvSpPr txBox="1"/>
+          <p:nvPr/>
+        </p:nvSpPr>
+        <p:spPr>
+          <a:xfrm>
+            <a:off x="3837940" y="3957326"/>
+            <a:ext cx="241300" cy="261610"/>
+          </a:xfrm>
+          <a:prstGeom prst="rect">
+            <a:avLst/>
+          </a:prstGeom>
+          <a:noFill/>
+        </p:spPr>
+        <p:txBody>
+          <a:bodyPr wrap="square" rtlCol="0">
+            <a:spAutoFit/>
+          </a:bodyPr>
+          <a:lstStyle/>
+          <a:p>
+            <a:r>
+              <a:rPr lang="en-US" altLang="zh-CN" sz="1100" b="1" dirty="0" smtClean="0"/>
+              <a:t>1</a:t>
+            </a:r>
+            <a:endParaRPr lang="zh-CN" altLang="en-US" sz="1100" b="1" dirty="0"/>
+          </a:p>
+        </p:txBody>
+      </p:sp>
+      <p:sp>
+        <p:nvSpPr>
+          <p:cNvPr id="73" name="文本框 72"/>
+          <p:cNvSpPr txBox="1"/>
+          <p:nvPr/>
+        </p:nvSpPr>
+        <p:spPr>
+          <a:xfrm>
+            <a:off x="4273550" y="3957326"/>
+            <a:ext cx="241300" cy="261610"/>
+          </a:xfrm>
+          <a:prstGeom prst="rect">
+            <a:avLst/>
+          </a:prstGeom>
+          <a:noFill/>
+        </p:spPr>
+        <p:txBody>
+          <a:bodyPr wrap="square" rtlCol="0">
+            <a:spAutoFit/>
+          </a:bodyPr>
+          <a:lstStyle/>
+          <a:p>
+            <a:r>
+              <a:rPr lang="en-US" altLang="zh-CN" sz="1100" b="1" dirty="0"/>
+              <a:t>3</a:t>
+            </a:r>
+            <a:endParaRPr lang="zh-CN" altLang="en-US" sz="1100" b="1" dirty="0"/>
+          </a:p>
+        </p:txBody>
+      </p:sp>
+      <p:sp>
+        <p:nvSpPr>
+          <p:cNvPr id="74" name="文本框 73"/>
+          <p:cNvSpPr txBox="1"/>
+          <p:nvPr/>
+        </p:nvSpPr>
+        <p:spPr>
+          <a:xfrm>
+            <a:off x="1343660" y="4316741"/>
+            <a:ext cx="241300" cy="261610"/>
+          </a:xfrm>
+          <a:prstGeom prst="rect">
+            <a:avLst/>
+          </a:prstGeom>
+          <a:noFill/>
+        </p:spPr>
+        <p:txBody>
+          <a:bodyPr wrap="square" rtlCol="0">
+            <a:spAutoFit/>
+          </a:bodyPr>
+          <a:lstStyle/>
+          <a:p>
+            <a:r>
+              <a:rPr lang="en-US" altLang="zh-CN" sz="1100" b="1" dirty="0"/>
+              <a:t>3</a:t>
+            </a:r>
+            <a:endParaRPr lang="zh-CN" altLang="en-US" sz="1100" b="1" dirty="0"/>
+          </a:p>
+        </p:txBody>
+      </p:sp>
+      <p:sp>
+        <p:nvSpPr>
+          <p:cNvPr id="75" name="文本框 74"/>
+          <p:cNvSpPr txBox="1"/>
+          <p:nvPr/>
+        </p:nvSpPr>
+        <p:spPr>
+          <a:xfrm>
+            <a:off x="1715770" y="4316741"/>
+            <a:ext cx="241300" cy="261610"/>
+          </a:xfrm>
+          <a:prstGeom prst="rect">
+            <a:avLst/>
+          </a:prstGeom>
+          <a:noFill/>
+        </p:spPr>
+        <p:txBody>
+          <a:bodyPr wrap="square" rtlCol="0">
+            <a:spAutoFit/>
+          </a:bodyPr>
+          <a:lstStyle/>
+          <a:p>
+            <a:r>
+              <a:rPr lang="en-US" altLang="zh-CN" sz="1100" b="1" dirty="0" smtClean="0"/>
+              <a:t>1</a:t>
+            </a:r>
+            <a:endParaRPr lang="zh-CN" altLang="en-US" sz="1100" b="1" dirty="0"/>
+          </a:p>
+        </p:txBody>
+      </p:sp>
+      <p:sp>
+        <p:nvSpPr>
+          <p:cNvPr id="76" name="文本框 75"/>
+          <p:cNvSpPr txBox="1"/>
+          <p:nvPr/>
+        </p:nvSpPr>
+        <p:spPr>
+          <a:xfrm>
+            <a:off x="2087880" y="4316741"/>
+            <a:ext cx="241300" cy="261610"/>
+          </a:xfrm>
+          <a:prstGeom prst="rect">
+            <a:avLst/>
+          </a:prstGeom>
+          <a:noFill/>
+        </p:spPr>
+        <p:txBody>
+          <a:bodyPr wrap="square" rtlCol="0">
+            <a:spAutoFit/>
+          </a:bodyPr>
+          <a:lstStyle/>
+          <a:p>
+            <a:r>
+              <a:rPr lang="en-US" altLang="zh-CN" sz="1100" b="1" dirty="0" smtClean="0"/>
+              <a:t>1</a:t>
+            </a:r>
+            <a:endParaRPr lang="zh-CN" altLang="en-US" sz="1100" b="1" dirty="0"/>
+          </a:p>
+        </p:txBody>
+      </p:sp>
+      <p:sp>
+        <p:nvSpPr>
+          <p:cNvPr id="77" name="文本框 76"/>
+          <p:cNvSpPr txBox="1"/>
+          <p:nvPr/>
+        </p:nvSpPr>
+        <p:spPr>
+          <a:xfrm>
+            <a:off x="2533650" y="4316741"/>
+            <a:ext cx="241300" cy="261610"/>
+          </a:xfrm>
+          <a:prstGeom prst="rect">
+            <a:avLst/>
+          </a:prstGeom>
+          <a:noFill/>
+        </p:spPr>
+        <p:txBody>
+          <a:bodyPr wrap="square" rtlCol="0">
+            <a:spAutoFit/>
+          </a:bodyPr>
+          <a:lstStyle/>
+          <a:p>
+            <a:r>
+              <a:rPr lang="en-US" altLang="zh-CN" sz="1100" b="1" dirty="0"/>
+              <a:t>0</a:t>
+            </a:r>
+            <a:endParaRPr lang="zh-CN" altLang="en-US" sz="1100" b="1" dirty="0"/>
+          </a:p>
+        </p:txBody>
+      </p:sp>
+      <p:sp>
+        <p:nvSpPr>
+          <p:cNvPr id="80" name="文本框 79"/>
+          <p:cNvSpPr txBox="1"/>
+          <p:nvPr/>
+        </p:nvSpPr>
+        <p:spPr>
+          <a:xfrm>
+            <a:off x="2974341" y="4316741"/>
+            <a:ext cx="241300" cy="261610"/>
+          </a:xfrm>
+          <a:prstGeom prst="rect">
+            <a:avLst/>
+          </a:prstGeom>
+          <a:noFill/>
+        </p:spPr>
+        <p:txBody>
+          <a:bodyPr wrap="square" rtlCol="0">
+            <a:spAutoFit/>
+          </a:bodyPr>
+          <a:lstStyle/>
+          <a:p>
+            <a:r>
+              <a:rPr lang="en-US" altLang="zh-CN" sz="1100" b="1" dirty="0"/>
+              <a:t>0</a:t>
+            </a:r>
+            <a:endParaRPr lang="zh-CN" altLang="en-US" sz="1100" b="1" dirty="0"/>
+          </a:p>
+        </p:txBody>
+      </p:sp>
+      <p:sp>
+        <p:nvSpPr>
+          <p:cNvPr id="81" name="文本框 80"/>
+          <p:cNvSpPr txBox="1"/>
+          <p:nvPr/>
+        </p:nvSpPr>
+        <p:spPr>
+          <a:xfrm>
+            <a:off x="3415032" y="4316741"/>
+            <a:ext cx="241300" cy="261610"/>
+          </a:xfrm>
+          <a:prstGeom prst="rect">
+            <a:avLst/>
+          </a:prstGeom>
+          <a:noFill/>
+        </p:spPr>
+        <p:txBody>
+          <a:bodyPr wrap="square" rtlCol="0">
+            <a:spAutoFit/>
+          </a:bodyPr>
+          <a:lstStyle/>
+          <a:p>
+            <a:r>
+              <a:rPr lang="en-US" altLang="zh-CN" sz="1100" b="1" dirty="0"/>
+              <a:t>0</a:t>
+            </a:r>
+            <a:endParaRPr lang="zh-CN" altLang="en-US" sz="1100" b="1" dirty="0"/>
+          </a:p>
+        </p:txBody>
+      </p:sp>
+      <p:sp>
+        <p:nvSpPr>
+          <p:cNvPr id="82" name="文本框 81"/>
+          <p:cNvSpPr txBox="1"/>
+          <p:nvPr/>
+        </p:nvSpPr>
+        <p:spPr>
+          <a:xfrm>
+            <a:off x="3855723" y="4316741"/>
+            <a:ext cx="241300" cy="261610"/>
+          </a:xfrm>
+          <a:prstGeom prst="rect">
+            <a:avLst/>
+          </a:prstGeom>
+          <a:noFill/>
+        </p:spPr>
+        <p:txBody>
+          <a:bodyPr wrap="square" rtlCol="0">
+            <a:spAutoFit/>
+          </a:bodyPr>
+          <a:lstStyle/>
+          <a:p>
+            <a:r>
+              <a:rPr lang="en-US" altLang="zh-CN" sz="1100" b="1" dirty="0"/>
+              <a:t>0</a:t>
+            </a:r>
+            <a:endParaRPr lang="zh-CN" altLang="en-US" sz="1100" b="1" dirty="0"/>
+          </a:p>
+        </p:txBody>
+      </p:sp>
+      <p:sp>
+        <p:nvSpPr>
+          <p:cNvPr id="83" name="文本框 82"/>
+          <p:cNvSpPr txBox="1"/>
+          <p:nvPr/>
+        </p:nvSpPr>
+        <p:spPr>
+          <a:xfrm>
+            <a:off x="4296414" y="4316741"/>
+            <a:ext cx="241300" cy="261610"/>
+          </a:xfrm>
+          <a:prstGeom prst="rect">
+            <a:avLst/>
+          </a:prstGeom>
+          <a:noFill/>
+        </p:spPr>
+        <p:txBody>
+          <a:bodyPr wrap="square" rtlCol="0">
+            <a:spAutoFit/>
+          </a:bodyPr>
+          <a:lstStyle/>
+          <a:p>
+            <a:r>
+              <a:rPr lang="en-US" altLang="zh-CN" sz="1100" b="1" dirty="0" smtClean="0"/>
+              <a:t>2</a:t>
+            </a:r>
+            <a:endParaRPr lang="zh-CN" altLang="en-US" sz="1100" b="1" dirty="0"/>
+          </a:p>
+        </p:txBody>
+      </p:sp>
+      <p:sp>
+        <p:nvSpPr>
+          <p:cNvPr id="84" name="文本框 83"/>
+          <p:cNvSpPr txBox="1"/>
+          <p:nvPr/>
+        </p:nvSpPr>
+        <p:spPr>
+          <a:xfrm>
+            <a:off x="1343660" y="4716940"/>
+            <a:ext cx="241300" cy="261610"/>
+          </a:xfrm>
+          <a:prstGeom prst="rect">
+            <a:avLst/>
+          </a:prstGeom>
+          <a:noFill/>
+        </p:spPr>
+        <p:txBody>
+          <a:bodyPr wrap="square" rtlCol="0">
+            <a:spAutoFit/>
+          </a:bodyPr>
+          <a:lstStyle/>
+          <a:p>
+            <a:r>
+              <a:rPr lang="en-US" altLang="zh-CN" sz="1100" b="1" dirty="0" smtClean="0"/>
+              <a:t>0</a:t>
+            </a:r>
+            <a:endParaRPr lang="zh-CN" altLang="en-US" sz="1100" b="1" dirty="0"/>
+          </a:p>
+        </p:txBody>
+      </p:sp>
+      <p:sp>
+        <p:nvSpPr>
+          <p:cNvPr id="85" name="文本框 84"/>
+          <p:cNvSpPr txBox="1"/>
+          <p:nvPr/>
+        </p:nvSpPr>
+        <p:spPr>
+          <a:xfrm>
+            <a:off x="1715770" y="4716940"/>
+            <a:ext cx="241300" cy="261610"/>
+          </a:xfrm>
+          <a:prstGeom prst="rect">
+            <a:avLst/>
+          </a:prstGeom>
+          <a:noFill/>
+        </p:spPr>
+        <p:txBody>
+          <a:bodyPr wrap="square" rtlCol="0">
+            <a:spAutoFit/>
+          </a:bodyPr>
+          <a:lstStyle/>
+          <a:p>
+            <a:r>
+              <a:rPr lang="en-US" altLang="zh-CN" sz="1100" b="1" dirty="0" smtClean="0"/>
+              <a:t>0</a:t>
+            </a:r>
+            <a:endParaRPr lang="zh-CN" altLang="en-US" sz="1100" b="1" dirty="0"/>
+          </a:p>
+        </p:txBody>
+      </p:sp>
+      <p:sp>
+        <p:nvSpPr>
+          <p:cNvPr id="86" name="文本框 85"/>
+          <p:cNvSpPr txBox="1"/>
+          <p:nvPr/>
+        </p:nvSpPr>
+        <p:spPr>
+          <a:xfrm>
+            <a:off x="2087880" y="4716940"/>
+            <a:ext cx="241300" cy="261610"/>
+          </a:xfrm>
+          <a:prstGeom prst="rect">
+            <a:avLst/>
+          </a:prstGeom>
+          <a:noFill/>
+        </p:spPr>
+        <p:txBody>
+          <a:bodyPr wrap="square" rtlCol="0">
+            <a:spAutoFit/>
+          </a:bodyPr>
+          <a:lstStyle/>
+          <a:p>
+            <a:r>
+              <a:rPr lang="en-US" altLang="zh-CN" sz="1100" b="1" dirty="0"/>
+              <a:t>2</a:t>
+            </a:r>
+            <a:endParaRPr lang="zh-CN" altLang="en-US" sz="1100" b="1" dirty="0"/>
+          </a:p>
+        </p:txBody>
+      </p:sp>
+      <p:sp>
+        <p:nvSpPr>
+          <p:cNvPr id="87" name="文本框 86"/>
+          <p:cNvSpPr txBox="1"/>
+          <p:nvPr/>
+        </p:nvSpPr>
+        <p:spPr>
+          <a:xfrm>
+            <a:off x="2459990" y="4716940"/>
+            <a:ext cx="241300" cy="261610"/>
+          </a:xfrm>
+          <a:prstGeom prst="rect">
+            <a:avLst/>
+          </a:prstGeom>
+          <a:noFill/>
+        </p:spPr>
+        <p:txBody>
+          <a:bodyPr wrap="square" rtlCol="0">
+            <a:spAutoFit/>
+          </a:bodyPr>
+          <a:lstStyle/>
+          <a:p>
+            <a:r>
+              <a:rPr lang="en-US" altLang="zh-CN" sz="1100" b="1" dirty="0" smtClean="0"/>
+              <a:t>1</a:t>
+            </a:r>
+            <a:endParaRPr lang="zh-CN" altLang="en-US" sz="1100" b="1" dirty="0"/>
+          </a:p>
+        </p:txBody>
+      </p:sp>
+      <p:sp>
+        <p:nvSpPr>
+          <p:cNvPr id="88" name="文本框 87"/>
+          <p:cNvSpPr txBox="1"/>
+          <p:nvPr/>
+        </p:nvSpPr>
+        <p:spPr>
+          <a:xfrm>
+            <a:off x="2985770" y="4711848"/>
+            <a:ext cx="241300" cy="261610"/>
+          </a:xfrm>
+          <a:prstGeom prst="rect">
+            <a:avLst/>
+          </a:prstGeom>
+          <a:noFill/>
+        </p:spPr>
+        <p:txBody>
+          <a:bodyPr wrap="square" rtlCol="0">
+            <a:spAutoFit/>
+          </a:bodyPr>
+          <a:lstStyle/>
+          <a:p>
+            <a:r>
+              <a:rPr lang="en-US" altLang="zh-CN" sz="1100" b="1" dirty="0" smtClean="0"/>
+              <a:t>1</a:t>
+            </a:r>
+            <a:endParaRPr lang="zh-CN" altLang="en-US" sz="1100" b="1" dirty="0"/>
+          </a:p>
+        </p:txBody>
+      </p:sp>
+      <p:sp>
+        <p:nvSpPr>
+          <p:cNvPr id="89" name="文本框 88"/>
+          <p:cNvSpPr txBox="1"/>
+          <p:nvPr/>
+        </p:nvSpPr>
+        <p:spPr>
+          <a:xfrm>
+            <a:off x="3415032" y="4711848"/>
+            <a:ext cx="241300" cy="261610"/>
+          </a:xfrm>
+          <a:prstGeom prst="rect">
+            <a:avLst/>
+          </a:prstGeom>
+          <a:noFill/>
+        </p:spPr>
+        <p:txBody>
+          <a:bodyPr wrap="square" rtlCol="0">
+            <a:spAutoFit/>
+          </a:bodyPr>
+          <a:lstStyle/>
+          <a:p>
+            <a:r>
+              <a:rPr lang="en-US" altLang="zh-CN" sz="1100" b="1" dirty="0"/>
+              <a:t>0</a:t>
+            </a:r>
+            <a:endParaRPr lang="zh-CN" altLang="en-US" sz="1100" b="1" dirty="0"/>
+          </a:p>
+        </p:txBody>
+      </p:sp>
+      <p:sp>
+        <p:nvSpPr>
+          <p:cNvPr id="90" name="文本框 89"/>
+          <p:cNvSpPr txBox="1"/>
+          <p:nvPr/>
+        </p:nvSpPr>
+        <p:spPr>
+          <a:xfrm>
+            <a:off x="3844294" y="4711848"/>
+            <a:ext cx="241300" cy="261610"/>
+          </a:xfrm>
+          <a:prstGeom prst="rect">
+            <a:avLst/>
+          </a:prstGeom>
+          <a:noFill/>
+        </p:spPr>
+        <p:txBody>
+          <a:bodyPr wrap="square" rtlCol="0">
+            <a:spAutoFit/>
+          </a:bodyPr>
+          <a:lstStyle/>
+          <a:p>
+            <a:r>
+              <a:rPr lang="en-US" altLang="zh-CN" sz="1100" b="1" dirty="0"/>
+              <a:t>0</a:t>
+            </a:r>
+            <a:endParaRPr lang="zh-CN" altLang="en-US" sz="1100" b="1" dirty="0"/>
+          </a:p>
+        </p:txBody>
+      </p:sp>
+      <p:sp>
+        <p:nvSpPr>
+          <p:cNvPr id="91" name="文本框 90"/>
+          <p:cNvSpPr txBox="1"/>
+          <p:nvPr/>
+        </p:nvSpPr>
+        <p:spPr>
+          <a:xfrm>
+            <a:off x="4273556" y="4711848"/>
+            <a:ext cx="241300" cy="261610"/>
+          </a:xfrm>
+          <a:prstGeom prst="rect">
+            <a:avLst/>
+          </a:prstGeom>
+          <a:noFill/>
+        </p:spPr>
+        <p:txBody>
+          <a:bodyPr wrap="square" rtlCol="0">
+            <a:spAutoFit/>
+          </a:bodyPr>
+          <a:lstStyle/>
+          <a:p>
+            <a:r>
+              <a:rPr lang="en-US" altLang="zh-CN" sz="1100" b="1" dirty="0"/>
+              <a:t>0</a:t>
+            </a:r>
+            <a:endParaRPr lang="zh-CN" altLang="en-US" sz="1100" b="1" dirty="0"/>
+          </a:p>
+        </p:txBody>
+      </p:sp>
+      <p:sp>
+        <p:nvSpPr>
+          <p:cNvPr id="92" name="乘号 91"/>
+          <p:cNvSpPr/>
+          <p:nvPr/>
+        </p:nvSpPr>
+        <p:spPr>
+          <a:xfrm>
+            <a:off x="-140970" y="5046970"/>
+            <a:ext cx="5684520" cy="637362"/>
+          </a:xfrm>
+          <a:prstGeom prst="mathMultiply">
+            <a:avLst/>
+          </a:prstGeom>
+          <a:solidFill>
+            <a:srgbClr val="5B9BD5">
+              <a:alpha val="58039"/>
+            </a:srgbClr>
+          </a:solidFill>
+        </p:spPr>
+        <p:style>
+          <a:lnRef idx="2">
+            <a:schemeClr val="accent1">
+              <a:shade val="50000"/>
+            </a:schemeClr>
+          </a:lnRef>
+          <a:fillRef idx="1">
+            <a:schemeClr val="accent1"/>
+          </a:fillRef>
+          <a:effectRef idx="0">
+            <a:schemeClr val="accent1"/>
+          </a:effectRef>
+          <a:fontRef idx="minor">
+            <a:schemeClr val="lt1"/>
+          </a:fontRef>
+        </p:style>
+        <p:txBody>
+          <a:bodyPr rtlCol="0" anchor="ctr"/>
+          <a:lstStyle/>
+          <a:p>
+            <a:pPr algn="ctr"/>
+            <a:endParaRPr lang="zh-CN" altLang="en-US"/>
+          </a:p>
+        </p:txBody>
+      </p:sp>
+    </p:spTree>
+    <p:extLst>
+      <p:ext uri="{BB962C8B-B14F-4D97-AF65-F5344CB8AC3E}">
+        <p14:creationId xmlns:p14="http://schemas.microsoft.com/office/powerpoint/2010/main" val="347399491"/>
+      </p:ext>
+    </p:extLst>
+  </p:cSld>
+  <p:clrMapOvr>
+    <a:masterClrMapping/>
+  </p:clrMapOvr>
+</p:sld>
+</file>
+
+<file path=ppt/slides/slide8.xml><?xml version="1.0" encoding="utf-8"?>
+<p:sld xmlns:a="http://schemas.openxmlformats.org/drawingml/2006/main" xmlns:r="http://schemas.openxmlformats.org/officeDocument/2006/relationships" xmlns:p="http://schemas.openxmlformats.org/presentationml/2006/main">
+  <p:cSld>
+    <p:spTree>
+      <p:nvGrpSpPr>
+        <p:cNvPr id="1" name=""/>
+        <p:cNvGrpSpPr/>
+        <p:nvPr/>
+      </p:nvGrpSpPr>
+      <p:grpSpPr>
+        <a:xfrm>
+          <a:off x="0" y="0"/>
+          <a:ext cx="0" cy="0"/>
+          <a:chOff x="0" y="0"/>
+          <a:chExt cx="0" cy="0"/>
+        </a:xfrm>
+      </p:grpSpPr>
+      <p:pic>
+        <p:nvPicPr>
+          <p:cNvPr id="4" name="图片 3"/>
+          <p:cNvPicPr>
+            <a:picLocks noChangeAspect="1"/>
+          </p:cNvPicPr>
+          <p:nvPr/>
+        </p:nvPicPr>
+        <p:blipFill>
+          <a:blip r:embed="rId2" cstate="print">
+            <a:extLst>
+              <a:ext uri="{28A0092B-C50C-407E-A947-70E740481C1C}">
+                <a14:useLocalDpi xmlns:a14="http://schemas.microsoft.com/office/drawing/2010/main" val="0"/>
+              </a:ext>
+            </a:extLst>
+          </a:blip>
+          <a:stretch>
+            <a:fillRect/>
+          </a:stretch>
+        </p:blipFill>
+        <p:spPr>
+          <a:xfrm>
+            <a:off x="387321" y="0"/>
+            <a:ext cx="5138478" cy="6858000"/>
+          </a:xfrm>
+          <a:prstGeom prst="rect">
+            <a:avLst/>
+          </a:prstGeom>
+        </p:spPr>
+      </p:pic>
+      <p:sp>
+        <p:nvSpPr>
+          <p:cNvPr id="5" name="文本框 4"/>
+          <p:cNvSpPr txBox="1"/>
+          <p:nvPr/>
+        </p:nvSpPr>
+        <p:spPr>
+          <a:xfrm>
+            <a:off x="1741170" y="930910"/>
+            <a:ext cx="241300" cy="261610"/>
+          </a:xfrm>
+          <a:prstGeom prst="rect">
+            <a:avLst/>
+          </a:prstGeom>
+          <a:noFill/>
+        </p:spPr>
+        <p:txBody>
+          <a:bodyPr wrap="square" rtlCol="0">
+            <a:spAutoFit/>
+          </a:bodyPr>
+          <a:lstStyle/>
+          <a:p>
+            <a:r>
+              <a:rPr lang="en-US" altLang="zh-CN" sz="1100" b="1" dirty="0"/>
+              <a:t>1</a:t>
+            </a:r>
+            <a:endParaRPr lang="zh-CN" altLang="en-US" sz="1100" b="1" dirty="0"/>
+          </a:p>
+        </p:txBody>
+      </p:sp>
+      <p:sp>
+        <p:nvSpPr>
+          <p:cNvPr id="6" name="文本框 5"/>
+          <p:cNvSpPr txBox="1"/>
+          <p:nvPr/>
+        </p:nvSpPr>
+        <p:spPr>
+          <a:xfrm>
+            <a:off x="2186940" y="930910"/>
+            <a:ext cx="241300" cy="261610"/>
+          </a:xfrm>
+          <a:prstGeom prst="rect">
+            <a:avLst/>
+          </a:prstGeom>
+          <a:noFill/>
+        </p:spPr>
+        <p:txBody>
+          <a:bodyPr wrap="square" rtlCol="0">
+            <a:spAutoFit/>
+          </a:bodyPr>
+          <a:lstStyle/>
+          <a:p>
+            <a:r>
+              <a:rPr lang="en-US" altLang="zh-CN" sz="1100" b="1" dirty="0" smtClean="0"/>
+              <a:t>0</a:t>
+            </a:r>
+            <a:endParaRPr lang="zh-CN" altLang="en-US" sz="1100" b="1" dirty="0"/>
+          </a:p>
+        </p:txBody>
+      </p:sp>
+      <p:sp>
+        <p:nvSpPr>
+          <p:cNvPr id="7" name="文本框 6"/>
+          <p:cNvSpPr txBox="1"/>
+          <p:nvPr/>
+        </p:nvSpPr>
+        <p:spPr>
+          <a:xfrm>
+            <a:off x="2632710" y="930910"/>
+            <a:ext cx="241300" cy="261610"/>
+          </a:xfrm>
+          <a:prstGeom prst="rect">
+            <a:avLst/>
+          </a:prstGeom>
+          <a:noFill/>
+        </p:spPr>
+        <p:txBody>
+          <a:bodyPr wrap="square" rtlCol="0">
+            <a:spAutoFit/>
+          </a:bodyPr>
+          <a:lstStyle/>
+          <a:p>
+            <a:r>
+              <a:rPr lang="en-US" altLang="zh-CN" sz="1100" b="1" dirty="0"/>
+              <a:t>2</a:t>
+            </a:r>
+            <a:endParaRPr lang="zh-CN" altLang="en-US" sz="1100" b="1" dirty="0"/>
+          </a:p>
+        </p:txBody>
+      </p:sp>
+      <p:sp>
+        <p:nvSpPr>
+          <p:cNvPr id="8" name="文本框 7"/>
+          <p:cNvSpPr txBox="1"/>
+          <p:nvPr/>
+        </p:nvSpPr>
+        <p:spPr>
+          <a:xfrm>
+            <a:off x="3006090" y="930910"/>
+            <a:ext cx="241300" cy="261610"/>
+          </a:xfrm>
+          <a:prstGeom prst="rect">
+            <a:avLst/>
+          </a:prstGeom>
+          <a:noFill/>
+        </p:spPr>
+        <p:txBody>
+          <a:bodyPr wrap="square" rtlCol="0">
+            <a:spAutoFit/>
+          </a:bodyPr>
+          <a:lstStyle/>
+          <a:p>
+            <a:r>
+              <a:rPr lang="en-US" altLang="zh-CN" sz="1100" b="1" dirty="0" smtClean="0"/>
+              <a:t>0</a:t>
+            </a:r>
+            <a:endParaRPr lang="zh-CN" altLang="en-US" sz="1100" b="1" dirty="0"/>
+          </a:p>
+        </p:txBody>
+      </p:sp>
+      <p:sp>
+        <p:nvSpPr>
+          <p:cNvPr id="9" name="文本框 8"/>
+          <p:cNvSpPr txBox="1"/>
+          <p:nvPr/>
+        </p:nvSpPr>
+        <p:spPr>
+          <a:xfrm>
+            <a:off x="3493770" y="930910"/>
+            <a:ext cx="241300" cy="261610"/>
+          </a:xfrm>
+          <a:prstGeom prst="rect">
+            <a:avLst/>
+          </a:prstGeom>
+          <a:noFill/>
+        </p:spPr>
+        <p:txBody>
+          <a:bodyPr wrap="square" rtlCol="0">
+            <a:spAutoFit/>
+          </a:bodyPr>
+          <a:lstStyle/>
+          <a:p>
+            <a:r>
+              <a:rPr lang="en-US" altLang="zh-CN" sz="1100" b="1" dirty="0"/>
+              <a:t>1</a:t>
+            </a:r>
+            <a:endParaRPr lang="zh-CN" altLang="en-US" sz="1100" b="1" dirty="0"/>
+          </a:p>
+        </p:txBody>
+      </p:sp>
+      <p:sp>
+        <p:nvSpPr>
+          <p:cNvPr id="10" name="文本框 9"/>
+          <p:cNvSpPr txBox="1"/>
+          <p:nvPr/>
+        </p:nvSpPr>
+        <p:spPr>
+          <a:xfrm>
+            <a:off x="3981450" y="930910"/>
+            <a:ext cx="241300" cy="261610"/>
+          </a:xfrm>
+          <a:prstGeom prst="rect">
+            <a:avLst/>
+          </a:prstGeom>
+          <a:noFill/>
+        </p:spPr>
+        <p:txBody>
+          <a:bodyPr wrap="square" rtlCol="0">
+            <a:spAutoFit/>
+          </a:bodyPr>
+          <a:lstStyle/>
+          <a:p>
+            <a:r>
+              <a:rPr lang="en-US" altLang="zh-CN" sz="1100" b="1" dirty="0" smtClean="0"/>
+              <a:t>0</a:t>
+            </a:r>
+            <a:endParaRPr lang="zh-CN" altLang="en-US" sz="1100" b="1" dirty="0"/>
+          </a:p>
+        </p:txBody>
+      </p:sp>
+      <p:sp>
+        <p:nvSpPr>
+          <p:cNvPr id="11" name="文本框 10"/>
+          <p:cNvSpPr txBox="1"/>
+          <p:nvPr/>
+        </p:nvSpPr>
+        <p:spPr>
+          <a:xfrm>
+            <a:off x="4348480" y="930910"/>
+            <a:ext cx="241300" cy="261610"/>
+          </a:xfrm>
+          <a:prstGeom prst="rect">
+            <a:avLst/>
+          </a:prstGeom>
+          <a:noFill/>
+        </p:spPr>
+        <p:txBody>
+          <a:bodyPr wrap="square" rtlCol="0">
+            <a:spAutoFit/>
+          </a:bodyPr>
+          <a:lstStyle/>
+          <a:p>
+            <a:r>
+              <a:rPr lang="en-US" altLang="zh-CN" sz="1100" b="1" dirty="0"/>
+              <a:t>0</a:t>
+            </a:r>
+            <a:endParaRPr lang="zh-CN" altLang="en-US" sz="1100" b="1" dirty="0"/>
+          </a:p>
+        </p:txBody>
+      </p:sp>
+      <p:sp>
+        <p:nvSpPr>
+          <p:cNvPr id="12" name="文本框 11"/>
+          <p:cNvSpPr txBox="1"/>
+          <p:nvPr/>
+        </p:nvSpPr>
+        <p:spPr>
+          <a:xfrm>
+            <a:off x="4715510" y="930910"/>
+            <a:ext cx="241300" cy="261610"/>
+          </a:xfrm>
+          <a:prstGeom prst="rect">
+            <a:avLst/>
+          </a:prstGeom>
+          <a:noFill/>
+        </p:spPr>
+        <p:txBody>
+          <a:bodyPr wrap="square" rtlCol="0">
+            <a:spAutoFit/>
+          </a:bodyPr>
+          <a:lstStyle/>
+          <a:p>
+            <a:r>
+              <a:rPr lang="en-US" altLang="zh-CN" sz="1100" b="1" dirty="0" smtClean="0"/>
+              <a:t>1</a:t>
+            </a:r>
+            <a:endParaRPr lang="zh-CN" altLang="en-US" sz="1100" b="1" dirty="0"/>
+          </a:p>
+        </p:txBody>
+      </p:sp>
+      <p:sp>
+        <p:nvSpPr>
+          <p:cNvPr id="13" name="文本框 12"/>
+          <p:cNvSpPr txBox="1"/>
+          <p:nvPr/>
+        </p:nvSpPr>
+        <p:spPr>
+          <a:xfrm>
+            <a:off x="1741170" y="1334770"/>
+            <a:ext cx="241300" cy="261610"/>
+          </a:xfrm>
+          <a:prstGeom prst="rect">
+            <a:avLst/>
+          </a:prstGeom>
+          <a:noFill/>
+        </p:spPr>
+        <p:txBody>
+          <a:bodyPr wrap="square" rtlCol="0">
+            <a:spAutoFit/>
+          </a:bodyPr>
+          <a:lstStyle/>
+          <a:p>
+            <a:r>
+              <a:rPr lang="en-US" altLang="zh-CN" sz="1100" b="1" dirty="0" smtClean="0"/>
+              <a:t>0</a:t>
+            </a:r>
+            <a:endParaRPr lang="zh-CN" altLang="en-US" sz="1100" b="1" dirty="0"/>
+          </a:p>
+        </p:txBody>
+      </p:sp>
+      <p:sp>
+        <p:nvSpPr>
+          <p:cNvPr id="14" name="文本框 13"/>
+          <p:cNvSpPr txBox="1"/>
+          <p:nvPr/>
+        </p:nvSpPr>
+        <p:spPr>
+          <a:xfrm>
+            <a:off x="2186940" y="1334770"/>
+            <a:ext cx="241300" cy="261610"/>
+          </a:xfrm>
+          <a:prstGeom prst="rect">
+            <a:avLst/>
+          </a:prstGeom>
+          <a:noFill/>
+        </p:spPr>
+        <p:txBody>
+          <a:bodyPr wrap="square" rtlCol="0">
+            <a:spAutoFit/>
+          </a:bodyPr>
+          <a:lstStyle/>
+          <a:p>
+            <a:r>
+              <a:rPr lang="en-US" altLang="zh-CN" sz="1100" b="1" dirty="0" smtClean="0"/>
+              <a:t>2</a:t>
+            </a:r>
+            <a:endParaRPr lang="zh-CN" altLang="en-US" sz="1100" b="1" dirty="0"/>
+          </a:p>
+        </p:txBody>
+      </p:sp>
+      <p:sp>
+        <p:nvSpPr>
+          <p:cNvPr id="15" name="文本框 14"/>
+          <p:cNvSpPr txBox="1"/>
+          <p:nvPr/>
+        </p:nvSpPr>
+        <p:spPr>
+          <a:xfrm>
+            <a:off x="2632710" y="1334770"/>
+            <a:ext cx="241300" cy="261610"/>
+          </a:xfrm>
+          <a:prstGeom prst="rect">
+            <a:avLst/>
+          </a:prstGeom>
+          <a:noFill/>
+        </p:spPr>
+        <p:txBody>
+          <a:bodyPr wrap="square" rtlCol="0">
+            <a:spAutoFit/>
+          </a:bodyPr>
+          <a:lstStyle/>
+          <a:p>
+            <a:r>
+              <a:rPr lang="en-US" altLang="zh-CN" sz="1100" b="1" dirty="0"/>
+              <a:t>0</a:t>
+            </a:r>
+            <a:endParaRPr lang="zh-CN" altLang="en-US" sz="1100" b="1" dirty="0"/>
+          </a:p>
+        </p:txBody>
+      </p:sp>
+      <p:sp>
+        <p:nvSpPr>
+          <p:cNvPr id="16" name="文本框 15"/>
+          <p:cNvSpPr txBox="1"/>
+          <p:nvPr/>
+        </p:nvSpPr>
+        <p:spPr>
+          <a:xfrm>
+            <a:off x="3006090" y="1334770"/>
+            <a:ext cx="241300" cy="261610"/>
+          </a:xfrm>
+          <a:prstGeom prst="rect">
+            <a:avLst/>
+          </a:prstGeom>
+          <a:noFill/>
+        </p:spPr>
+        <p:txBody>
+          <a:bodyPr wrap="square" rtlCol="0">
+            <a:spAutoFit/>
+          </a:bodyPr>
+          <a:lstStyle/>
+          <a:p>
+            <a:r>
+              <a:rPr lang="en-US" altLang="zh-CN" sz="1100" b="1" dirty="0"/>
+              <a:t>0</a:t>
+            </a:r>
+            <a:endParaRPr lang="zh-CN" altLang="en-US" sz="1100" b="1" dirty="0"/>
+          </a:p>
+        </p:txBody>
+      </p:sp>
+      <p:sp>
+        <p:nvSpPr>
+          <p:cNvPr id="17" name="文本框 16"/>
+          <p:cNvSpPr txBox="1"/>
+          <p:nvPr/>
+        </p:nvSpPr>
+        <p:spPr>
+          <a:xfrm>
+            <a:off x="3493770" y="1320800"/>
+            <a:ext cx="241300" cy="261610"/>
+          </a:xfrm>
+          <a:prstGeom prst="rect">
+            <a:avLst/>
+          </a:prstGeom>
+          <a:noFill/>
+        </p:spPr>
+        <p:txBody>
+          <a:bodyPr wrap="square" rtlCol="0">
+            <a:spAutoFit/>
+          </a:bodyPr>
+          <a:lstStyle/>
+          <a:p>
+            <a:r>
+              <a:rPr lang="en-US" altLang="zh-CN" sz="1100" b="1" dirty="0"/>
+              <a:t>0</a:t>
+            </a:r>
+            <a:endParaRPr lang="zh-CN" altLang="en-US" sz="1100" b="1" dirty="0"/>
+          </a:p>
+        </p:txBody>
+      </p:sp>
+      <p:sp>
+        <p:nvSpPr>
+          <p:cNvPr id="18" name="文本框 17"/>
+          <p:cNvSpPr txBox="1"/>
+          <p:nvPr/>
+        </p:nvSpPr>
+        <p:spPr>
+          <a:xfrm>
+            <a:off x="3981450" y="1306830"/>
+            <a:ext cx="241300" cy="261610"/>
+          </a:xfrm>
+          <a:prstGeom prst="rect">
+            <a:avLst/>
+          </a:prstGeom>
+          <a:noFill/>
+        </p:spPr>
+        <p:txBody>
+          <a:bodyPr wrap="square" rtlCol="0">
+            <a:spAutoFit/>
+          </a:bodyPr>
+          <a:lstStyle/>
+          <a:p>
+            <a:r>
+              <a:rPr lang="en-US" altLang="zh-CN" sz="1100" b="1" dirty="0"/>
+              <a:t>0</a:t>
+            </a:r>
+            <a:endParaRPr lang="zh-CN" altLang="en-US" sz="1100" b="1" dirty="0"/>
+          </a:p>
+        </p:txBody>
+      </p:sp>
+      <p:sp>
+        <p:nvSpPr>
+          <p:cNvPr id="19" name="文本框 18"/>
+          <p:cNvSpPr txBox="1"/>
+          <p:nvPr/>
+        </p:nvSpPr>
+        <p:spPr>
+          <a:xfrm>
+            <a:off x="4348480" y="1320800"/>
+            <a:ext cx="241300" cy="261610"/>
+          </a:xfrm>
+          <a:prstGeom prst="rect">
+            <a:avLst/>
+          </a:prstGeom>
+          <a:noFill/>
+        </p:spPr>
+        <p:txBody>
+          <a:bodyPr wrap="square" rtlCol="0">
+            <a:spAutoFit/>
+          </a:bodyPr>
+          <a:lstStyle/>
+          <a:p>
+            <a:r>
+              <a:rPr lang="en-US" altLang="zh-CN" sz="1100" b="1" dirty="0"/>
+              <a:t>0</a:t>
+            </a:r>
+            <a:endParaRPr lang="zh-CN" altLang="en-US" sz="1100" b="1" dirty="0"/>
+          </a:p>
+        </p:txBody>
+      </p:sp>
+      <p:sp>
+        <p:nvSpPr>
+          <p:cNvPr id="20" name="文本框 19"/>
+          <p:cNvSpPr txBox="1"/>
+          <p:nvPr/>
+        </p:nvSpPr>
+        <p:spPr>
+          <a:xfrm>
+            <a:off x="4800600" y="1339850"/>
+            <a:ext cx="241300" cy="261610"/>
+          </a:xfrm>
+          <a:prstGeom prst="rect">
+            <a:avLst/>
+          </a:prstGeom>
+          <a:noFill/>
+        </p:spPr>
+        <p:txBody>
+          <a:bodyPr wrap="square" rtlCol="0">
+            <a:spAutoFit/>
+          </a:bodyPr>
+          <a:lstStyle/>
+          <a:p>
+            <a:r>
+              <a:rPr lang="en-US" altLang="zh-CN" sz="1100" b="1" dirty="0" smtClean="0"/>
+              <a:t>1</a:t>
+            </a:r>
+            <a:endParaRPr lang="zh-CN" altLang="en-US" sz="1100" b="1" dirty="0"/>
+          </a:p>
+        </p:txBody>
+      </p:sp>
+      <p:sp>
+        <p:nvSpPr>
+          <p:cNvPr id="21" name="文本框 20"/>
+          <p:cNvSpPr txBox="1"/>
+          <p:nvPr/>
+        </p:nvSpPr>
+        <p:spPr>
+          <a:xfrm>
+            <a:off x="1741170" y="1861820"/>
+            <a:ext cx="241300" cy="261610"/>
+          </a:xfrm>
+          <a:prstGeom prst="rect">
+            <a:avLst/>
+          </a:prstGeom>
+          <a:noFill/>
+        </p:spPr>
+        <p:txBody>
+          <a:bodyPr wrap="square" rtlCol="0">
+            <a:spAutoFit/>
+          </a:bodyPr>
+          <a:lstStyle/>
+          <a:p>
+            <a:r>
+              <a:rPr lang="en-US" altLang="zh-CN" sz="1100" b="1" dirty="0" smtClean="0"/>
+              <a:t>2</a:t>
+            </a:r>
+            <a:endParaRPr lang="zh-CN" altLang="en-US" sz="1100" b="1" dirty="0"/>
+          </a:p>
+        </p:txBody>
+      </p:sp>
+      <p:sp>
+        <p:nvSpPr>
+          <p:cNvPr id="22" name="文本框 21"/>
+          <p:cNvSpPr txBox="1"/>
+          <p:nvPr/>
+        </p:nvSpPr>
+        <p:spPr>
+          <a:xfrm>
+            <a:off x="2186940" y="1861820"/>
+            <a:ext cx="241300" cy="261610"/>
+          </a:xfrm>
+          <a:prstGeom prst="rect">
+            <a:avLst/>
+          </a:prstGeom>
+          <a:noFill/>
+        </p:spPr>
+        <p:txBody>
+          <a:bodyPr wrap="square" rtlCol="0">
+            <a:spAutoFit/>
+          </a:bodyPr>
+          <a:lstStyle/>
+          <a:p>
+            <a:r>
+              <a:rPr lang="en-US" altLang="zh-CN" sz="1100" b="1" dirty="0" smtClean="0"/>
+              <a:t>2</a:t>
+            </a:r>
+            <a:endParaRPr lang="zh-CN" altLang="en-US" sz="1100" b="1" dirty="0"/>
+          </a:p>
+        </p:txBody>
+      </p:sp>
+      <p:sp>
+        <p:nvSpPr>
+          <p:cNvPr id="23" name="文本框 22"/>
+          <p:cNvSpPr txBox="1"/>
+          <p:nvPr/>
+        </p:nvSpPr>
+        <p:spPr>
+          <a:xfrm>
+            <a:off x="2632710" y="1861820"/>
+            <a:ext cx="241300" cy="261610"/>
+          </a:xfrm>
+          <a:prstGeom prst="rect">
+            <a:avLst/>
+          </a:prstGeom>
+          <a:noFill/>
+        </p:spPr>
+        <p:txBody>
+          <a:bodyPr wrap="square" rtlCol="0">
+            <a:spAutoFit/>
+          </a:bodyPr>
+          <a:lstStyle/>
+          <a:p>
+            <a:r>
+              <a:rPr lang="en-US" altLang="zh-CN" sz="1100" b="1" dirty="0"/>
+              <a:t>0</a:t>
+            </a:r>
+            <a:endParaRPr lang="zh-CN" altLang="en-US" sz="1100" b="1" dirty="0"/>
+          </a:p>
+        </p:txBody>
+      </p:sp>
+      <p:sp>
+        <p:nvSpPr>
+          <p:cNvPr id="24" name="文本框 23"/>
+          <p:cNvSpPr txBox="1"/>
+          <p:nvPr/>
+        </p:nvSpPr>
+        <p:spPr>
+          <a:xfrm>
+            <a:off x="3006090" y="1861820"/>
+            <a:ext cx="241300" cy="261610"/>
+          </a:xfrm>
+          <a:prstGeom prst="rect">
+            <a:avLst/>
+          </a:prstGeom>
+          <a:noFill/>
+        </p:spPr>
+        <p:txBody>
+          <a:bodyPr wrap="square" rtlCol="0">
+            <a:spAutoFit/>
+          </a:bodyPr>
+          <a:lstStyle/>
+          <a:p>
+            <a:r>
+              <a:rPr lang="en-US" altLang="zh-CN" sz="1100" b="1" dirty="0" smtClean="0"/>
+              <a:t>1</a:t>
+            </a:r>
+            <a:endParaRPr lang="zh-CN" altLang="en-US" sz="1100" b="1" dirty="0"/>
+          </a:p>
+        </p:txBody>
+      </p:sp>
+      <p:sp>
+        <p:nvSpPr>
+          <p:cNvPr id="25" name="文本框 24"/>
+          <p:cNvSpPr txBox="1"/>
+          <p:nvPr/>
+        </p:nvSpPr>
+        <p:spPr>
+          <a:xfrm>
+            <a:off x="3493770" y="1861820"/>
+            <a:ext cx="241300" cy="261610"/>
+          </a:xfrm>
+          <a:prstGeom prst="rect">
+            <a:avLst/>
+          </a:prstGeom>
+          <a:noFill/>
+        </p:spPr>
+        <p:txBody>
+          <a:bodyPr wrap="square" rtlCol="0">
+            <a:spAutoFit/>
+          </a:bodyPr>
+          <a:lstStyle/>
+          <a:p>
+            <a:r>
+              <a:rPr lang="en-US" altLang="zh-CN" sz="1100" b="1" dirty="0"/>
+              <a:t>0</a:t>
+            </a:r>
+            <a:endParaRPr lang="zh-CN" altLang="en-US" sz="1100" b="1" dirty="0"/>
+          </a:p>
+        </p:txBody>
+      </p:sp>
+      <p:sp>
+        <p:nvSpPr>
+          <p:cNvPr id="26" name="文本框 25"/>
+          <p:cNvSpPr txBox="1"/>
+          <p:nvPr/>
+        </p:nvSpPr>
+        <p:spPr>
+          <a:xfrm>
+            <a:off x="3981450" y="1861820"/>
+            <a:ext cx="241300" cy="261610"/>
+          </a:xfrm>
+          <a:prstGeom prst="rect">
+            <a:avLst/>
+          </a:prstGeom>
+          <a:noFill/>
+        </p:spPr>
+        <p:txBody>
+          <a:bodyPr wrap="square" rtlCol="0">
+            <a:spAutoFit/>
+          </a:bodyPr>
+          <a:lstStyle/>
+          <a:p>
+            <a:r>
+              <a:rPr lang="en-US" altLang="zh-CN" sz="1100" b="1" dirty="0" smtClean="0"/>
+              <a:t>1</a:t>
+            </a:r>
+            <a:endParaRPr lang="zh-CN" altLang="en-US" sz="1100" b="1" dirty="0"/>
+          </a:p>
+        </p:txBody>
+      </p:sp>
+      <p:sp>
+        <p:nvSpPr>
+          <p:cNvPr id="27" name="文本框 26"/>
+          <p:cNvSpPr txBox="1"/>
+          <p:nvPr/>
+        </p:nvSpPr>
+        <p:spPr>
+          <a:xfrm>
+            <a:off x="4348480" y="1864360"/>
+            <a:ext cx="241300" cy="261610"/>
+          </a:xfrm>
+          <a:prstGeom prst="rect">
+            <a:avLst/>
+          </a:prstGeom>
+          <a:noFill/>
+        </p:spPr>
+        <p:txBody>
+          <a:bodyPr wrap="square" rtlCol="0">
+            <a:spAutoFit/>
+          </a:bodyPr>
+          <a:lstStyle/>
+          <a:p>
+            <a:r>
+              <a:rPr lang="en-US" altLang="zh-CN" sz="1100" b="1" dirty="0" smtClean="0"/>
+              <a:t>0</a:t>
+            </a:r>
+            <a:endParaRPr lang="zh-CN" altLang="en-US" sz="1100" b="1" dirty="0"/>
+          </a:p>
+        </p:txBody>
+      </p:sp>
+      <p:sp>
+        <p:nvSpPr>
+          <p:cNvPr id="28" name="文本框 27"/>
+          <p:cNvSpPr txBox="1"/>
+          <p:nvPr/>
+        </p:nvSpPr>
+        <p:spPr>
+          <a:xfrm>
+            <a:off x="4800600" y="1861820"/>
+            <a:ext cx="241300" cy="261610"/>
+          </a:xfrm>
+          <a:prstGeom prst="rect">
+            <a:avLst/>
+          </a:prstGeom>
+          <a:noFill/>
+        </p:spPr>
+        <p:txBody>
+          <a:bodyPr wrap="square" rtlCol="0">
+            <a:spAutoFit/>
+          </a:bodyPr>
+          <a:lstStyle/>
+          <a:p>
+            <a:r>
+              <a:rPr lang="en-US" altLang="zh-CN" sz="1100" b="1" dirty="0" smtClean="0"/>
+              <a:t>0</a:t>
+            </a:r>
+            <a:endParaRPr lang="zh-CN" altLang="en-US" sz="1100" b="1" dirty="0"/>
+          </a:p>
+        </p:txBody>
+      </p:sp>
+      <p:sp>
+        <p:nvSpPr>
+          <p:cNvPr id="30" name="文本框 29"/>
+          <p:cNvSpPr txBox="1"/>
+          <p:nvPr/>
+        </p:nvSpPr>
+        <p:spPr>
+          <a:xfrm>
+            <a:off x="1738630" y="2471420"/>
+            <a:ext cx="241300" cy="261610"/>
+          </a:xfrm>
+          <a:prstGeom prst="rect">
+            <a:avLst/>
+          </a:prstGeom>
+          <a:noFill/>
+        </p:spPr>
+        <p:txBody>
+          <a:bodyPr wrap="square" rtlCol="0">
+            <a:spAutoFit/>
+          </a:bodyPr>
+          <a:lstStyle/>
+          <a:p>
+            <a:r>
+              <a:rPr lang="en-US" altLang="zh-CN" sz="1100" b="1" dirty="0" smtClean="0"/>
+              <a:t>2</a:t>
+            </a:r>
+            <a:endParaRPr lang="zh-CN" altLang="en-US" sz="1100" b="1" dirty="0"/>
+          </a:p>
+        </p:txBody>
+      </p:sp>
+      <p:sp>
+        <p:nvSpPr>
+          <p:cNvPr id="31" name="文本框 30"/>
+          <p:cNvSpPr txBox="1"/>
+          <p:nvPr/>
+        </p:nvSpPr>
+        <p:spPr>
+          <a:xfrm>
+            <a:off x="3981450" y="2416810"/>
+            <a:ext cx="241300" cy="261610"/>
+          </a:xfrm>
+          <a:prstGeom prst="rect">
+            <a:avLst/>
+          </a:prstGeom>
+          <a:noFill/>
+        </p:spPr>
+        <p:txBody>
+          <a:bodyPr wrap="square" rtlCol="0">
+            <a:spAutoFit/>
+          </a:bodyPr>
+          <a:lstStyle/>
+          <a:p>
+            <a:r>
+              <a:rPr lang="en-US" altLang="zh-CN" sz="1100" b="1" dirty="0" smtClean="0"/>
+              <a:t>2</a:t>
+            </a:r>
+            <a:endParaRPr lang="zh-CN" altLang="en-US" sz="1100" b="1" dirty="0"/>
+          </a:p>
+        </p:txBody>
+      </p:sp>
+      <p:sp>
+        <p:nvSpPr>
+          <p:cNvPr id="32" name="文本框 31"/>
+          <p:cNvSpPr txBox="1"/>
+          <p:nvPr/>
+        </p:nvSpPr>
+        <p:spPr>
+          <a:xfrm>
+            <a:off x="2632710" y="2416810"/>
+            <a:ext cx="241300" cy="261610"/>
+          </a:xfrm>
+          <a:prstGeom prst="rect">
+            <a:avLst/>
+          </a:prstGeom>
+          <a:noFill/>
+        </p:spPr>
+        <p:txBody>
+          <a:bodyPr wrap="square" rtlCol="0">
+            <a:spAutoFit/>
+          </a:bodyPr>
+          <a:lstStyle/>
+          <a:p>
+            <a:r>
+              <a:rPr lang="en-US" altLang="zh-CN" sz="1100" b="1" dirty="0"/>
+              <a:t>0</a:t>
+            </a:r>
+            <a:endParaRPr lang="zh-CN" altLang="en-US" sz="1100" b="1" dirty="0"/>
+          </a:p>
+        </p:txBody>
+      </p:sp>
+      <p:sp>
+        <p:nvSpPr>
+          <p:cNvPr id="33" name="文本框 32"/>
+          <p:cNvSpPr txBox="1"/>
+          <p:nvPr/>
+        </p:nvSpPr>
+        <p:spPr>
+          <a:xfrm>
+            <a:off x="2632710" y="2971800"/>
+            <a:ext cx="241300" cy="261610"/>
+          </a:xfrm>
+          <a:prstGeom prst="rect">
+            <a:avLst/>
+          </a:prstGeom>
+          <a:noFill/>
+        </p:spPr>
+        <p:txBody>
+          <a:bodyPr wrap="square" rtlCol="0">
+            <a:spAutoFit/>
+          </a:bodyPr>
+          <a:lstStyle/>
+          <a:p>
+            <a:r>
+              <a:rPr lang="en-US" altLang="zh-CN" sz="1100" b="1" dirty="0"/>
+              <a:t>0</a:t>
+            </a:r>
+            <a:endParaRPr lang="zh-CN" altLang="en-US" sz="1100" b="1" dirty="0"/>
+          </a:p>
+        </p:txBody>
+      </p:sp>
+      <p:sp>
+        <p:nvSpPr>
+          <p:cNvPr id="34" name="文本框 33"/>
+          <p:cNvSpPr txBox="1"/>
+          <p:nvPr/>
+        </p:nvSpPr>
+        <p:spPr>
+          <a:xfrm>
+            <a:off x="3493770" y="2449825"/>
+            <a:ext cx="241300" cy="261610"/>
+          </a:xfrm>
+          <a:prstGeom prst="rect">
+            <a:avLst/>
+          </a:prstGeom>
+          <a:noFill/>
+        </p:spPr>
+        <p:txBody>
+          <a:bodyPr wrap="square" rtlCol="0">
+            <a:spAutoFit/>
+          </a:bodyPr>
+          <a:lstStyle/>
+          <a:p>
+            <a:r>
+              <a:rPr lang="en-US" altLang="zh-CN" sz="1100" b="1" dirty="0"/>
+              <a:t>0</a:t>
+            </a:r>
+            <a:endParaRPr lang="zh-CN" altLang="en-US" sz="1100" b="1" dirty="0"/>
+          </a:p>
+        </p:txBody>
+      </p:sp>
+      <p:sp>
+        <p:nvSpPr>
+          <p:cNvPr id="35" name="文本框 34"/>
+          <p:cNvSpPr txBox="1"/>
+          <p:nvPr/>
+        </p:nvSpPr>
+        <p:spPr>
+          <a:xfrm>
+            <a:off x="2185670" y="2449825"/>
+            <a:ext cx="241300" cy="261610"/>
+          </a:xfrm>
+          <a:prstGeom prst="rect">
+            <a:avLst/>
+          </a:prstGeom>
+          <a:noFill/>
+        </p:spPr>
+        <p:txBody>
+          <a:bodyPr wrap="square" rtlCol="0">
+            <a:spAutoFit/>
+          </a:bodyPr>
+          <a:lstStyle/>
+          <a:p>
+            <a:r>
+              <a:rPr lang="en-US" altLang="zh-CN" sz="1100" b="1" dirty="0" smtClean="0"/>
+              <a:t>1</a:t>
+            </a:r>
+            <a:endParaRPr lang="zh-CN" altLang="en-US" sz="1100" b="1" dirty="0"/>
+          </a:p>
+        </p:txBody>
+      </p:sp>
+      <p:sp>
+        <p:nvSpPr>
+          <p:cNvPr id="36" name="文本框 35"/>
+          <p:cNvSpPr txBox="1"/>
+          <p:nvPr/>
+        </p:nvSpPr>
+        <p:spPr>
+          <a:xfrm>
+            <a:off x="3006090" y="2449825"/>
+            <a:ext cx="241300" cy="261610"/>
+          </a:xfrm>
+          <a:prstGeom prst="rect">
+            <a:avLst/>
+          </a:prstGeom>
+          <a:noFill/>
+        </p:spPr>
+        <p:txBody>
+          <a:bodyPr wrap="square" rtlCol="0">
+            <a:spAutoFit/>
+          </a:bodyPr>
+          <a:lstStyle/>
+          <a:p>
+            <a:r>
+              <a:rPr lang="en-US" altLang="zh-CN" sz="1100" b="1" dirty="0"/>
+              <a:t>3</a:t>
+            </a:r>
+            <a:endParaRPr lang="zh-CN" altLang="en-US" sz="1100" b="1" dirty="0"/>
+          </a:p>
+        </p:txBody>
+      </p:sp>
+      <p:sp>
+        <p:nvSpPr>
+          <p:cNvPr id="37" name="文本框 36"/>
+          <p:cNvSpPr txBox="1"/>
+          <p:nvPr/>
+        </p:nvSpPr>
+        <p:spPr>
+          <a:xfrm>
+            <a:off x="4354830" y="2416810"/>
+            <a:ext cx="241300" cy="261610"/>
+          </a:xfrm>
+          <a:prstGeom prst="rect">
+            <a:avLst/>
+          </a:prstGeom>
+          <a:noFill/>
+        </p:spPr>
+        <p:txBody>
+          <a:bodyPr wrap="square" rtlCol="0">
+            <a:spAutoFit/>
+          </a:bodyPr>
+          <a:lstStyle/>
+          <a:p>
+            <a:r>
+              <a:rPr lang="en-US" altLang="zh-CN" sz="1100" b="1" dirty="0" smtClean="0"/>
+              <a:t>1</a:t>
+            </a:r>
+            <a:endParaRPr lang="zh-CN" altLang="en-US" sz="1100" b="1" dirty="0"/>
+          </a:p>
+        </p:txBody>
+      </p:sp>
+      <p:sp>
+        <p:nvSpPr>
+          <p:cNvPr id="38" name="文本框 37"/>
+          <p:cNvSpPr txBox="1"/>
+          <p:nvPr/>
+        </p:nvSpPr>
+        <p:spPr>
+          <a:xfrm>
+            <a:off x="4785389" y="2416810"/>
+            <a:ext cx="241300" cy="261610"/>
+          </a:xfrm>
+          <a:prstGeom prst="rect">
+            <a:avLst/>
+          </a:prstGeom>
+          <a:noFill/>
+        </p:spPr>
+        <p:txBody>
+          <a:bodyPr wrap="square" rtlCol="0">
+            <a:spAutoFit/>
+          </a:bodyPr>
+          <a:lstStyle/>
+          <a:p>
+            <a:r>
+              <a:rPr lang="en-US" altLang="zh-CN" sz="1100" b="1" dirty="0" smtClean="0"/>
+              <a:t>1</a:t>
+            </a:r>
+            <a:endParaRPr lang="zh-CN" altLang="en-US" sz="1100" b="1" dirty="0"/>
+          </a:p>
+        </p:txBody>
+      </p:sp>
+      <p:sp>
+        <p:nvSpPr>
+          <p:cNvPr id="39" name="文本框 38"/>
+          <p:cNvSpPr txBox="1"/>
+          <p:nvPr/>
+        </p:nvSpPr>
+        <p:spPr>
+          <a:xfrm>
+            <a:off x="1743710" y="2986407"/>
+            <a:ext cx="241300" cy="261610"/>
+          </a:xfrm>
+          <a:prstGeom prst="rect">
+            <a:avLst/>
+          </a:prstGeom>
+          <a:noFill/>
+        </p:spPr>
+        <p:txBody>
+          <a:bodyPr wrap="square" rtlCol="0">
+            <a:spAutoFit/>
+          </a:bodyPr>
+          <a:lstStyle/>
+          <a:p>
+            <a:r>
+              <a:rPr lang="en-US" altLang="zh-CN" sz="1100" b="1" dirty="0"/>
+              <a:t>0</a:t>
+            </a:r>
+            <a:endParaRPr lang="zh-CN" altLang="en-US" sz="1100" b="1" dirty="0"/>
+          </a:p>
+        </p:txBody>
+      </p:sp>
+      <p:sp>
+        <p:nvSpPr>
+          <p:cNvPr id="40" name="文本框 39"/>
+          <p:cNvSpPr txBox="1"/>
+          <p:nvPr/>
+        </p:nvSpPr>
+        <p:spPr>
+          <a:xfrm>
+            <a:off x="2185670" y="2986407"/>
+            <a:ext cx="241300" cy="261610"/>
+          </a:xfrm>
+          <a:prstGeom prst="rect">
+            <a:avLst/>
+          </a:prstGeom>
+          <a:noFill/>
+        </p:spPr>
+        <p:txBody>
+          <a:bodyPr wrap="square" rtlCol="0">
+            <a:spAutoFit/>
+          </a:bodyPr>
+          <a:lstStyle/>
+          <a:p>
+            <a:r>
+              <a:rPr lang="en-US" altLang="zh-CN" sz="1100" b="1" dirty="0"/>
+              <a:t>0</a:t>
+            </a:r>
+            <a:endParaRPr lang="zh-CN" altLang="en-US" sz="1100" b="1" dirty="0"/>
+          </a:p>
+        </p:txBody>
+      </p:sp>
+      <p:sp>
+        <p:nvSpPr>
+          <p:cNvPr id="41" name="文本框 40"/>
+          <p:cNvSpPr txBox="1"/>
+          <p:nvPr/>
+        </p:nvSpPr>
+        <p:spPr>
+          <a:xfrm>
+            <a:off x="3006090" y="2971800"/>
+            <a:ext cx="241300" cy="261610"/>
+          </a:xfrm>
+          <a:prstGeom prst="rect">
+            <a:avLst/>
+          </a:prstGeom>
+          <a:noFill/>
+        </p:spPr>
+        <p:txBody>
+          <a:bodyPr wrap="square" rtlCol="0">
+            <a:spAutoFit/>
+          </a:bodyPr>
+          <a:lstStyle/>
+          <a:p>
+            <a:r>
+              <a:rPr lang="en-US" altLang="zh-CN" sz="1100" b="1" dirty="0"/>
+              <a:t>0</a:t>
+            </a:r>
+            <a:endParaRPr lang="zh-CN" altLang="en-US" sz="1100" b="1" dirty="0"/>
+          </a:p>
+        </p:txBody>
+      </p:sp>
+      <p:sp>
+        <p:nvSpPr>
+          <p:cNvPr id="42" name="文本框 41"/>
+          <p:cNvSpPr txBox="1"/>
+          <p:nvPr/>
+        </p:nvSpPr>
+        <p:spPr>
+          <a:xfrm>
+            <a:off x="3444254" y="2971800"/>
+            <a:ext cx="241300" cy="261610"/>
+          </a:xfrm>
+          <a:prstGeom prst="rect">
+            <a:avLst/>
+          </a:prstGeom>
+          <a:noFill/>
+        </p:spPr>
+        <p:txBody>
+          <a:bodyPr wrap="square" rtlCol="0">
+            <a:spAutoFit/>
+          </a:bodyPr>
+          <a:lstStyle/>
+          <a:p>
+            <a:r>
+              <a:rPr lang="en-US" altLang="zh-CN" sz="1100" b="1" dirty="0" smtClean="0"/>
+              <a:t>1</a:t>
+            </a:r>
+            <a:endParaRPr lang="zh-CN" altLang="en-US" sz="1100" b="1" dirty="0"/>
+          </a:p>
+        </p:txBody>
+      </p:sp>
+      <p:sp>
+        <p:nvSpPr>
+          <p:cNvPr id="43" name="文本框 42"/>
+          <p:cNvSpPr txBox="1"/>
+          <p:nvPr/>
+        </p:nvSpPr>
+        <p:spPr>
+          <a:xfrm>
+            <a:off x="3841735" y="2971800"/>
+            <a:ext cx="241300" cy="261610"/>
+          </a:xfrm>
+          <a:prstGeom prst="rect">
+            <a:avLst/>
+          </a:prstGeom>
+          <a:noFill/>
+        </p:spPr>
+        <p:txBody>
+          <a:bodyPr wrap="square" rtlCol="0">
+            <a:spAutoFit/>
+          </a:bodyPr>
+          <a:lstStyle/>
+          <a:p>
+            <a:r>
+              <a:rPr lang="en-US" altLang="zh-CN" sz="1100" b="1" dirty="0" smtClean="0"/>
+              <a:t>1</a:t>
+            </a:r>
+            <a:endParaRPr lang="zh-CN" altLang="en-US" sz="1100" b="1" dirty="0"/>
+          </a:p>
+        </p:txBody>
+      </p:sp>
+      <p:sp>
+        <p:nvSpPr>
+          <p:cNvPr id="44" name="文本框 43"/>
+          <p:cNvSpPr txBox="1"/>
+          <p:nvPr/>
+        </p:nvSpPr>
+        <p:spPr>
+          <a:xfrm>
+            <a:off x="4664739" y="2971800"/>
+            <a:ext cx="241300" cy="261610"/>
+          </a:xfrm>
+          <a:prstGeom prst="rect">
+            <a:avLst/>
+          </a:prstGeom>
+          <a:noFill/>
+        </p:spPr>
+        <p:txBody>
+          <a:bodyPr wrap="square" rtlCol="0">
+            <a:spAutoFit/>
+          </a:bodyPr>
+          <a:lstStyle/>
+          <a:p>
+            <a:r>
+              <a:rPr lang="en-US" altLang="zh-CN" sz="1100" b="1" dirty="0" smtClean="0"/>
+              <a:t>1</a:t>
+            </a:r>
+            <a:endParaRPr lang="zh-CN" altLang="en-US" sz="1100" b="1" dirty="0"/>
+          </a:p>
+        </p:txBody>
+      </p:sp>
+      <p:sp>
+        <p:nvSpPr>
+          <p:cNvPr id="45" name="文本框 44"/>
+          <p:cNvSpPr txBox="1"/>
+          <p:nvPr/>
+        </p:nvSpPr>
+        <p:spPr>
+          <a:xfrm>
+            <a:off x="4132587" y="2986407"/>
+            <a:ext cx="241300" cy="261610"/>
+          </a:xfrm>
+          <a:prstGeom prst="rect">
+            <a:avLst/>
+          </a:prstGeom>
+          <a:noFill/>
+        </p:spPr>
+        <p:txBody>
+          <a:bodyPr wrap="square" rtlCol="0">
+            <a:spAutoFit/>
+          </a:bodyPr>
+          <a:lstStyle/>
+          <a:p>
+            <a:r>
+              <a:rPr lang="en-US" altLang="zh-CN" sz="1100" b="1" dirty="0"/>
+              <a:t>4</a:t>
+            </a:r>
+            <a:endParaRPr lang="zh-CN" altLang="en-US" sz="1100" b="1" dirty="0"/>
+          </a:p>
+        </p:txBody>
+      </p:sp>
+      <p:sp>
+        <p:nvSpPr>
+          <p:cNvPr id="46" name="文本框 45"/>
+          <p:cNvSpPr txBox="1"/>
+          <p:nvPr/>
+        </p:nvSpPr>
+        <p:spPr>
+          <a:xfrm>
+            <a:off x="1738630" y="3596007"/>
+            <a:ext cx="241300" cy="261610"/>
+          </a:xfrm>
+          <a:prstGeom prst="rect">
+            <a:avLst/>
+          </a:prstGeom>
+          <a:noFill/>
+        </p:spPr>
+        <p:txBody>
+          <a:bodyPr wrap="square" rtlCol="0">
+            <a:spAutoFit/>
+          </a:bodyPr>
+          <a:lstStyle/>
+          <a:p>
+            <a:r>
+              <a:rPr lang="en-US" altLang="zh-CN" sz="1100" b="1" dirty="0" smtClean="0"/>
+              <a:t>2</a:t>
+            </a:r>
+            <a:endParaRPr lang="zh-CN" altLang="en-US" sz="1100" b="1" dirty="0"/>
+          </a:p>
+        </p:txBody>
+      </p:sp>
+      <p:sp>
+        <p:nvSpPr>
+          <p:cNvPr id="47" name="文本框 46"/>
+          <p:cNvSpPr txBox="1"/>
+          <p:nvPr/>
+        </p:nvSpPr>
+        <p:spPr>
+          <a:xfrm>
+            <a:off x="3006090" y="3596007"/>
+            <a:ext cx="241300" cy="261610"/>
+          </a:xfrm>
+          <a:prstGeom prst="rect">
+            <a:avLst/>
+          </a:prstGeom>
+          <a:noFill/>
+        </p:spPr>
+        <p:txBody>
+          <a:bodyPr wrap="square" rtlCol="0">
+            <a:spAutoFit/>
+          </a:bodyPr>
+          <a:lstStyle/>
+          <a:p>
+            <a:r>
+              <a:rPr lang="en-US" altLang="zh-CN" sz="1100" b="1" dirty="0"/>
+              <a:t>0</a:t>
+            </a:r>
+            <a:endParaRPr lang="zh-CN" altLang="en-US" sz="1100" b="1" dirty="0"/>
+          </a:p>
+        </p:txBody>
+      </p:sp>
+      <p:sp>
+        <p:nvSpPr>
+          <p:cNvPr id="48" name="文本框 47"/>
+          <p:cNvSpPr txBox="1"/>
+          <p:nvPr/>
+        </p:nvSpPr>
+        <p:spPr>
+          <a:xfrm>
+            <a:off x="3444254" y="3596007"/>
+            <a:ext cx="241300" cy="261610"/>
+          </a:xfrm>
+          <a:prstGeom prst="rect">
+            <a:avLst/>
+          </a:prstGeom>
+          <a:noFill/>
+        </p:spPr>
+        <p:txBody>
+          <a:bodyPr wrap="square" rtlCol="0">
+            <a:spAutoFit/>
+          </a:bodyPr>
+          <a:lstStyle/>
+          <a:p>
+            <a:r>
+              <a:rPr lang="en-US" altLang="zh-CN" sz="1100" b="1" dirty="0" smtClean="0"/>
+              <a:t>1</a:t>
+            </a:r>
+            <a:endParaRPr lang="zh-CN" altLang="en-US" sz="1100" b="1" dirty="0"/>
+          </a:p>
+        </p:txBody>
+      </p:sp>
+      <p:sp>
+        <p:nvSpPr>
+          <p:cNvPr id="49" name="文本框 48"/>
+          <p:cNvSpPr txBox="1"/>
+          <p:nvPr/>
+        </p:nvSpPr>
+        <p:spPr>
+          <a:xfrm>
+            <a:off x="3882418" y="3596007"/>
+            <a:ext cx="241300" cy="261610"/>
+          </a:xfrm>
+          <a:prstGeom prst="rect">
+            <a:avLst/>
+          </a:prstGeom>
+          <a:noFill/>
+        </p:spPr>
+        <p:txBody>
+          <a:bodyPr wrap="square" rtlCol="0">
+            <a:spAutoFit/>
+          </a:bodyPr>
+          <a:lstStyle/>
+          <a:p>
+            <a:r>
+              <a:rPr lang="en-US" altLang="zh-CN" sz="1100" b="1" dirty="0" smtClean="0"/>
+              <a:t>1</a:t>
+            </a:r>
+            <a:endParaRPr lang="zh-CN" altLang="en-US" sz="1100" b="1" dirty="0"/>
+          </a:p>
+        </p:txBody>
+      </p:sp>
+      <p:sp>
+        <p:nvSpPr>
+          <p:cNvPr id="50" name="文本框 49"/>
+          <p:cNvSpPr txBox="1"/>
+          <p:nvPr/>
+        </p:nvSpPr>
+        <p:spPr>
+          <a:xfrm>
+            <a:off x="4320582" y="3596007"/>
+            <a:ext cx="241300" cy="261610"/>
+          </a:xfrm>
+          <a:prstGeom prst="rect">
+            <a:avLst/>
+          </a:prstGeom>
+          <a:noFill/>
+        </p:spPr>
+        <p:txBody>
+          <a:bodyPr wrap="square" rtlCol="0">
+            <a:spAutoFit/>
+          </a:bodyPr>
+          <a:lstStyle/>
+          <a:p>
+            <a:r>
+              <a:rPr lang="en-US" altLang="zh-CN" sz="1100" b="1" dirty="0" smtClean="0"/>
+              <a:t>1</a:t>
+            </a:r>
+            <a:endParaRPr lang="zh-CN" altLang="en-US" sz="1100" b="1" dirty="0"/>
+          </a:p>
+        </p:txBody>
+      </p:sp>
+      <p:sp>
+        <p:nvSpPr>
+          <p:cNvPr id="51" name="文本框 50"/>
+          <p:cNvSpPr txBox="1"/>
+          <p:nvPr/>
+        </p:nvSpPr>
+        <p:spPr>
+          <a:xfrm>
+            <a:off x="4758746" y="3596007"/>
+            <a:ext cx="241300" cy="261610"/>
+          </a:xfrm>
+          <a:prstGeom prst="rect">
+            <a:avLst/>
+          </a:prstGeom>
+          <a:noFill/>
+        </p:spPr>
+        <p:txBody>
+          <a:bodyPr wrap="square" rtlCol="0">
+            <a:spAutoFit/>
+          </a:bodyPr>
+          <a:lstStyle/>
+          <a:p>
+            <a:r>
+              <a:rPr lang="en-US" altLang="zh-CN" sz="1100" b="1" dirty="0"/>
+              <a:t>3</a:t>
+            </a:r>
+            <a:endParaRPr lang="zh-CN" altLang="en-US" sz="1100" b="1" dirty="0"/>
+          </a:p>
+        </p:txBody>
+      </p:sp>
+      <p:sp>
+        <p:nvSpPr>
+          <p:cNvPr id="52" name="文本框 51"/>
+          <p:cNvSpPr txBox="1"/>
+          <p:nvPr/>
+        </p:nvSpPr>
+        <p:spPr>
+          <a:xfrm>
+            <a:off x="3715377" y="4020192"/>
+            <a:ext cx="241300" cy="261610"/>
+          </a:xfrm>
+          <a:prstGeom prst="rect">
+            <a:avLst/>
+          </a:prstGeom>
+          <a:noFill/>
+        </p:spPr>
+        <p:txBody>
+          <a:bodyPr wrap="square" rtlCol="0">
+            <a:spAutoFit/>
+          </a:bodyPr>
+          <a:lstStyle/>
+          <a:p>
+            <a:r>
+              <a:rPr lang="en-US" altLang="zh-CN" sz="1100" b="1" dirty="0"/>
+              <a:t>0</a:t>
+            </a:r>
+            <a:endParaRPr lang="zh-CN" altLang="en-US" sz="1100" b="1" dirty="0"/>
+          </a:p>
+        </p:txBody>
+      </p:sp>
+      <p:sp>
+        <p:nvSpPr>
+          <p:cNvPr id="53" name="文本框 52"/>
+          <p:cNvSpPr txBox="1"/>
+          <p:nvPr/>
+        </p:nvSpPr>
+        <p:spPr>
+          <a:xfrm>
+            <a:off x="4132587" y="4034799"/>
+            <a:ext cx="241300" cy="261610"/>
+          </a:xfrm>
+          <a:prstGeom prst="rect">
+            <a:avLst/>
+          </a:prstGeom>
+          <a:noFill/>
+        </p:spPr>
+        <p:txBody>
+          <a:bodyPr wrap="square" rtlCol="0">
+            <a:spAutoFit/>
+          </a:bodyPr>
+          <a:lstStyle/>
+          <a:p>
+            <a:r>
+              <a:rPr lang="en-US" altLang="zh-CN" sz="1100" b="1" dirty="0"/>
+              <a:t>0</a:t>
+            </a:r>
+            <a:endParaRPr lang="zh-CN" altLang="en-US" sz="1100" b="1" dirty="0"/>
+          </a:p>
+        </p:txBody>
+      </p:sp>
+      <p:sp>
+        <p:nvSpPr>
+          <p:cNvPr id="54" name="文本框 53"/>
+          <p:cNvSpPr txBox="1"/>
+          <p:nvPr/>
+        </p:nvSpPr>
+        <p:spPr>
+          <a:xfrm>
+            <a:off x="4380565" y="4034799"/>
+            <a:ext cx="241300" cy="261610"/>
+          </a:xfrm>
+          <a:prstGeom prst="rect">
+            <a:avLst/>
+          </a:prstGeom>
+          <a:noFill/>
+        </p:spPr>
+        <p:txBody>
+          <a:bodyPr wrap="square" rtlCol="0">
+            <a:spAutoFit/>
+          </a:bodyPr>
+          <a:lstStyle/>
+          <a:p>
+            <a:r>
+              <a:rPr lang="en-US" altLang="zh-CN" sz="1100" b="1" dirty="0" smtClean="0"/>
+              <a:t>4</a:t>
+            </a:r>
+            <a:endParaRPr lang="zh-CN" altLang="en-US" sz="1100" b="1" dirty="0"/>
+          </a:p>
+        </p:txBody>
+      </p:sp>
+      <p:sp>
+        <p:nvSpPr>
+          <p:cNvPr id="56" name="文本框 55"/>
+          <p:cNvSpPr txBox="1"/>
+          <p:nvPr/>
+        </p:nvSpPr>
+        <p:spPr>
+          <a:xfrm>
+            <a:off x="3277559" y="4017649"/>
+            <a:ext cx="241300" cy="261610"/>
+          </a:xfrm>
+          <a:prstGeom prst="rect">
+            <a:avLst/>
+          </a:prstGeom>
+          <a:noFill/>
+        </p:spPr>
+        <p:txBody>
+          <a:bodyPr wrap="square" rtlCol="0">
+            <a:spAutoFit/>
+          </a:bodyPr>
+          <a:lstStyle/>
+          <a:p>
+            <a:r>
+              <a:rPr lang="en-US" altLang="zh-CN" sz="1100" b="1" dirty="0"/>
+              <a:t>2</a:t>
+            </a:r>
+            <a:endParaRPr lang="zh-CN" altLang="en-US" sz="1100" b="1" dirty="0"/>
+          </a:p>
+        </p:txBody>
+      </p:sp>
+      <p:sp>
+        <p:nvSpPr>
+          <p:cNvPr id="57" name="文本框 56"/>
+          <p:cNvSpPr txBox="1"/>
+          <p:nvPr/>
+        </p:nvSpPr>
+        <p:spPr>
+          <a:xfrm>
+            <a:off x="2860349" y="4017649"/>
+            <a:ext cx="241300" cy="261610"/>
+          </a:xfrm>
+          <a:prstGeom prst="rect">
+            <a:avLst/>
+          </a:prstGeom>
+          <a:noFill/>
+        </p:spPr>
+        <p:txBody>
+          <a:bodyPr wrap="square" rtlCol="0">
+            <a:spAutoFit/>
+          </a:bodyPr>
+          <a:lstStyle/>
+          <a:p>
+            <a:r>
+              <a:rPr lang="en-US" altLang="zh-CN" sz="1100" b="1" dirty="0"/>
+              <a:t>0</a:t>
+            </a:r>
+            <a:endParaRPr lang="zh-CN" altLang="en-US" sz="1100" b="1" dirty="0"/>
+          </a:p>
+        </p:txBody>
+      </p:sp>
+      <p:sp>
+        <p:nvSpPr>
+          <p:cNvPr id="58" name="文本框 57"/>
+          <p:cNvSpPr txBox="1"/>
+          <p:nvPr/>
+        </p:nvSpPr>
+        <p:spPr>
+          <a:xfrm>
+            <a:off x="1601444" y="4011930"/>
+            <a:ext cx="241300" cy="261610"/>
+          </a:xfrm>
+          <a:prstGeom prst="rect">
+            <a:avLst/>
+          </a:prstGeom>
+          <a:noFill/>
+        </p:spPr>
+        <p:txBody>
+          <a:bodyPr wrap="square" rtlCol="0">
+            <a:spAutoFit/>
+          </a:bodyPr>
+          <a:lstStyle/>
+          <a:p>
+            <a:r>
+              <a:rPr lang="en-US" altLang="zh-CN" sz="1100" b="1" dirty="0"/>
+              <a:t>0</a:t>
+            </a:r>
+            <a:endParaRPr lang="zh-CN" altLang="en-US" sz="1100" b="1" dirty="0"/>
+          </a:p>
+        </p:txBody>
+      </p:sp>
+      <p:sp>
+        <p:nvSpPr>
+          <p:cNvPr id="59" name="文本框 58"/>
+          <p:cNvSpPr txBox="1"/>
+          <p:nvPr/>
+        </p:nvSpPr>
+        <p:spPr>
+          <a:xfrm>
+            <a:off x="2065020" y="4046205"/>
+            <a:ext cx="241300" cy="261610"/>
+          </a:xfrm>
+          <a:prstGeom prst="rect">
+            <a:avLst/>
+          </a:prstGeom>
+          <a:noFill/>
+        </p:spPr>
+        <p:txBody>
+          <a:bodyPr wrap="square" rtlCol="0">
+            <a:spAutoFit/>
+          </a:bodyPr>
+          <a:lstStyle/>
+          <a:p>
+            <a:r>
+              <a:rPr lang="en-US" altLang="zh-CN" sz="1100" b="1" dirty="0" smtClean="0"/>
+              <a:t>4</a:t>
+            </a:r>
+            <a:endParaRPr lang="zh-CN" altLang="en-US" sz="1100" b="1" dirty="0"/>
+          </a:p>
+        </p:txBody>
+      </p:sp>
+      <p:sp>
+        <p:nvSpPr>
+          <p:cNvPr id="60" name="文本框 59"/>
+          <p:cNvSpPr txBox="1"/>
+          <p:nvPr/>
+        </p:nvSpPr>
+        <p:spPr>
+          <a:xfrm>
+            <a:off x="2482230" y="4034799"/>
+            <a:ext cx="241300" cy="261610"/>
+          </a:xfrm>
+          <a:prstGeom prst="rect">
+            <a:avLst/>
+          </a:prstGeom>
+          <a:noFill/>
+        </p:spPr>
+        <p:txBody>
+          <a:bodyPr wrap="square" rtlCol="0">
+            <a:spAutoFit/>
+          </a:bodyPr>
+          <a:lstStyle/>
+          <a:p>
+            <a:r>
+              <a:rPr lang="en-US" altLang="zh-CN" sz="1100" b="1" dirty="0"/>
+              <a:t>2</a:t>
+            </a:r>
+            <a:endParaRPr lang="zh-CN" altLang="en-US" sz="1100" b="1" dirty="0"/>
+          </a:p>
+        </p:txBody>
+      </p:sp>
+      <p:sp>
+        <p:nvSpPr>
+          <p:cNvPr id="62" name="文本框 61"/>
+          <p:cNvSpPr txBox="1"/>
+          <p:nvPr/>
+        </p:nvSpPr>
+        <p:spPr>
+          <a:xfrm>
+            <a:off x="1608444" y="4681230"/>
+            <a:ext cx="241300" cy="261610"/>
+          </a:xfrm>
+          <a:prstGeom prst="rect">
+            <a:avLst/>
+          </a:prstGeom>
+          <a:noFill/>
+        </p:spPr>
+        <p:txBody>
+          <a:bodyPr wrap="square" rtlCol="0">
+            <a:spAutoFit/>
+          </a:bodyPr>
+          <a:lstStyle/>
+          <a:p>
+            <a:r>
+              <a:rPr lang="en-US" altLang="zh-CN" sz="1100" b="1" dirty="0" smtClean="0"/>
+              <a:t>1</a:t>
+            </a:r>
+            <a:endParaRPr lang="zh-CN" altLang="en-US" sz="1100" b="1" dirty="0"/>
+          </a:p>
+        </p:txBody>
+      </p:sp>
+      <p:sp>
+        <p:nvSpPr>
+          <p:cNvPr id="63" name="文本框 62"/>
+          <p:cNvSpPr txBox="1"/>
+          <p:nvPr/>
+        </p:nvSpPr>
+        <p:spPr>
+          <a:xfrm>
+            <a:off x="3387064" y="5338449"/>
+            <a:ext cx="241300" cy="261610"/>
+          </a:xfrm>
+          <a:prstGeom prst="rect">
+            <a:avLst/>
+          </a:prstGeom>
+          <a:noFill/>
+        </p:spPr>
+        <p:txBody>
+          <a:bodyPr wrap="square" rtlCol="0">
+            <a:spAutoFit/>
+          </a:bodyPr>
+          <a:lstStyle/>
+          <a:p>
+            <a:r>
+              <a:rPr lang="en-US" altLang="zh-CN" sz="1100" b="1" dirty="0"/>
+              <a:t>3</a:t>
+            </a:r>
+            <a:endParaRPr lang="zh-CN" altLang="en-US" sz="1100" b="1" dirty="0"/>
+          </a:p>
+        </p:txBody>
+      </p:sp>
+      <p:sp>
+        <p:nvSpPr>
+          <p:cNvPr id="64" name="文本框 63"/>
+          <p:cNvSpPr txBox="1"/>
+          <p:nvPr/>
+        </p:nvSpPr>
+        <p:spPr>
+          <a:xfrm>
+            <a:off x="2511723" y="5338449"/>
+            <a:ext cx="241300" cy="261610"/>
+          </a:xfrm>
+          <a:prstGeom prst="rect">
+            <a:avLst/>
+          </a:prstGeom>
+          <a:noFill/>
+        </p:spPr>
+        <p:txBody>
+          <a:bodyPr wrap="square" rtlCol="0">
+            <a:spAutoFit/>
+          </a:bodyPr>
+          <a:lstStyle/>
+          <a:p>
+            <a:r>
+              <a:rPr lang="en-US" altLang="zh-CN" sz="1100" b="1" dirty="0"/>
+              <a:t>2</a:t>
+            </a:r>
+            <a:endParaRPr lang="zh-CN" altLang="en-US" sz="1100" b="1" dirty="0"/>
+          </a:p>
+        </p:txBody>
+      </p:sp>
+      <p:sp>
+        <p:nvSpPr>
+          <p:cNvPr id="65" name="文本框 64"/>
+          <p:cNvSpPr txBox="1"/>
+          <p:nvPr/>
+        </p:nvSpPr>
+        <p:spPr>
+          <a:xfrm>
+            <a:off x="2065020" y="4681230"/>
+            <a:ext cx="241300" cy="261610"/>
+          </a:xfrm>
+          <a:prstGeom prst="rect">
+            <a:avLst/>
+          </a:prstGeom>
+          <a:noFill/>
+        </p:spPr>
+        <p:txBody>
+          <a:bodyPr wrap="square" rtlCol="0">
+            <a:spAutoFit/>
+          </a:bodyPr>
+          <a:lstStyle/>
+          <a:p>
+            <a:r>
+              <a:rPr lang="en-US" altLang="zh-CN" sz="1100" b="1" dirty="0"/>
+              <a:t>0</a:t>
+            </a:r>
+            <a:endParaRPr lang="zh-CN" altLang="en-US" sz="1100" b="1" dirty="0"/>
+          </a:p>
+        </p:txBody>
+      </p:sp>
+      <p:sp>
+        <p:nvSpPr>
+          <p:cNvPr id="66" name="文本框 65"/>
+          <p:cNvSpPr txBox="1"/>
+          <p:nvPr/>
+        </p:nvSpPr>
+        <p:spPr>
+          <a:xfrm>
+            <a:off x="2065020" y="5338449"/>
+            <a:ext cx="241300" cy="261610"/>
+          </a:xfrm>
+          <a:prstGeom prst="rect">
+            <a:avLst/>
+          </a:prstGeom>
+          <a:noFill/>
+        </p:spPr>
+        <p:txBody>
+          <a:bodyPr wrap="square" rtlCol="0">
+            <a:spAutoFit/>
+          </a:bodyPr>
+          <a:lstStyle/>
+          <a:p>
+            <a:r>
+              <a:rPr lang="en-US" altLang="zh-CN" sz="1100" b="1" dirty="0"/>
+              <a:t>0</a:t>
+            </a:r>
+            <a:endParaRPr lang="zh-CN" altLang="en-US" sz="1100" b="1" dirty="0"/>
+          </a:p>
+        </p:txBody>
+      </p:sp>
+      <p:sp>
+        <p:nvSpPr>
+          <p:cNvPr id="67" name="文本框 66"/>
+          <p:cNvSpPr txBox="1"/>
+          <p:nvPr/>
+        </p:nvSpPr>
+        <p:spPr>
+          <a:xfrm>
+            <a:off x="1608444" y="5338449"/>
+            <a:ext cx="241300" cy="261610"/>
+          </a:xfrm>
+          <a:prstGeom prst="rect">
+            <a:avLst/>
+          </a:prstGeom>
+          <a:noFill/>
+        </p:spPr>
+        <p:txBody>
+          <a:bodyPr wrap="square" rtlCol="0">
+            <a:spAutoFit/>
+          </a:bodyPr>
+          <a:lstStyle/>
+          <a:p>
+            <a:r>
+              <a:rPr lang="en-US" altLang="zh-CN" sz="1100" b="1" dirty="0"/>
+              <a:t>0</a:t>
+            </a:r>
+            <a:endParaRPr lang="zh-CN" altLang="en-US" sz="1100" b="1" dirty="0"/>
+          </a:p>
+        </p:txBody>
+      </p:sp>
+      <p:sp>
+        <p:nvSpPr>
+          <p:cNvPr id="68" name="文本框 67"/>
+          <p:cNvSpPr txBox="1"/>
+          <p:nvPr/>
+        </p:nvSpPr>
+        <p:spPr>
+          <a:xfrm>
+            <a:off x="2885440" y="5338449"/>
+            <a:ext cx="241300" cy="261610"/>
+          </a:xfrm>
+          <a:prstGeom prst="rect">
+            <a:avLst/>
+          </a:prstGeom>
+          <a:noFill/>
+        </p:spPr>
+        <p:txBody>
+          <a:bodyPr wrap="square" rtlCol="0">
+            <a:spAutoFit/>
+          </a:bodyPr>
+          <a:lstStyle/>
+          <a:p>
+            <a:r>
+              <a:rPr lang="en-US" altLang="zh-CN" sz="1100" b="1" dirty="0"/>
+              <a:t>0</a:t>
+            </a:r>
+            <a:endParaRPr lang="zh-CN" altLang="en-US" sz="1100" b="1" dirty="0"/>
+          </a:p>
+        </p:txBody>
+      </p:sp>
+      <p:sp>
+        <p:nvSpPr>
+          <p:cNvPr id="69" name="文本框 68"/>
+          <p:cNvSpPr txBox="1"/>
+          <p:nvPr/>
+        </p:nvSpPr>
+        <p:spPr>
+          <a:xfrm>
+            <a:off x="4162436" y="5338449"/>
+            <a:ext cx="241300" cy="261610"/>
+          </a:xfrm>
+          <a:prstGeom prst="rect">
+            <a:avLst/>
+          </a:prstGeom>
+          <a:noFill/>
+        </p:spPr>
+        <p:txBody>
+          <a:bodyPr wrap="square" rtlCol="0">
+            <a:spAutoFit/>
+          </a:bodyPr>
+          <a:lstStyle/>
+          <a:p>
+            <a:r>
+              <a:rPr lang="en-US" altLang="zh-CN" sz="1100" b="1" dirty="0"/>
+              <a:t>0</a:t>
+            </a:r>
+            <a:endParaRPr lang="zh-CN" altLang="en-US" sz="1100" b="1" dirty="0"/>
+          </a:p>
+        </p:txBody>
+      </p:sp>
+      <p:sp>
+        <p:nvSpPr>
+          <p:cNvPr id="70" name="文本框 69"/>
+          <p:cNvSpPr txBox="1"/>
+          <p:nvPr/>
+        </p:nvSpPr>
+        <p:spPr>
+          <a:xfrm>
+            <a:off x="3755588" y="5338449"/>
+            <a:ext cx="241300" cy="261610"/>
+          </a:xfrm>
+          <a:prstGeom prst="rect">
+            <a:avLst/>
+          </a:prstGeom>
+          <a:noFill/>
+        </p:spPr>
+        <p:txBody>
+          <a:bodyPr wrap="square" rtlCol="0">
+            <a:spAutoFit/>
+          </a:bodyPr>
+          <a:lstStyle/>
+          <a:p>
+            <a:r>
+              <a:rPr lang="en-US" altLang="zh-CN" sz="1100" b="1" dirty="0"/>
+              <a:t>0</a:t>
+            </a:r>
+            <a:endParaRPr lang="zh-CN" altLang="en-US" sz="1100" b="1" dirty="0"/>
+          </a:p>
+        </p:txBody>
+      </p:sp>
+      <p:sp>
+        <p:nvSpPr>
+          <p:cNvPr id="71" name="文本框 70"/>
+          <p:cNvSpPr txBox="1"/>
+          <p:nvPr/>
+        </p:nvSpPr>
+        <p:spPr>
+          <a:xfrm>
+            <a:off x="4541299" y="5315594"/>
+            <a:ext cx="241300" cy="261610"/>
+          </a:xfrm>
+          <a:prstGeom prst="rect">
+            <a:avLst/>
+          </a:prstGeom>
+          <a:noFill/>
+        </p:spPr>
+        <p:txBody>
+          <a:bodyPr wrap="square" rtlCol="0">
+            <a:spAutoFit/>
+          </a:bodyPr>
+          <a:lstStyle/>
+          <a:p>
+            <a:r>
+              <a:rPr lang="en-US" altLang="zh-CN" sz="1100" b="1" dirty="0"/>
+              <a:t>0</a:t>
+            </a:r>
+            <a:endParaRPr lang="zh-CN" altLang="en-US" sz="1100" b="1" dirty="0"/>
+          </a:p>
+        </p:txBody>
+      </p:sp>
+      <p:sp>
+        <p:nvSpPr>
+          <p:cNvPr id="72" name="文本框 71"/>
+          <p:cNvSpPr txBox="1"/>
+          <p:nvPr/>
+        </p:nvSpPr>
+        <p:spPr>
+          <a:xfrm>
+            <a:off x="3338833" y="4751080"/>
+            <a:ext cx="241300" cy="261610"/>
+          </a:xfrm>
+          <a:prstGeom prst="rect">
+            <a:avLst/>
+          </a:prstGeom>
+          <a:noFill/>
+        </p:spPr>
+        <p:txBody>
+          <a:bodyPr wrap="square" rtlCol="0">
+            <a:spAutoFit/>
+          </a:bodyPr>
+          <a:lstStyle/>
+          <a:p>
+            <a:r>
+              <a:rPr lang="en-US" altLang="zh-CN" sz="1100" b="1" dirty="0" smtClean="0"/>
+              <a:t>6</a:t>
+            </a:r>
+            <a:endParaRPr lang="zh-CN" altLang="en-US" sz="1100" b="1" dirty="0"/>
+          </a:p>
+        </p:txBody>
+      </p:sp>
+      <p:sp>
+        <p:nvSpPr>
+          <p:cNvPr id="73" name="文本框 72"/>
+          <p:cNvSpPr txBox="1"/>
+          <p:nvPr/>
+        </p:nvSpPr>
+        <p:spPr>
+          <a:xfrm>
+            <a:off x="3795409" y="4751080"/>
+            <a:ext cx="241300" cy="261610"/>
+          </a:xfrm>
+          <a:prstGeom prst="rect">
+            <a:avLst/>
+          </a:prstGeom>
+          <a:noFill/>
+        </p:spPr>
+        <p:txBody>
+          <a:bodyPr wrap="square" rtlCol="0">
+            <a:spAutoFit/>
+          </a:bodyPr>
+          <a:lstStyle/>
+          <a:p>
+            <a:r>
+              <a:rPr lang="en-US" altLang="zh-CN" sz="1100" b="1" dirty="0"/>
+              <a:t>1</a:t>
+            </a:r>
+            <a:endParaRPr lang="zh-CN" altLang="en-US" sz="1100" b="1" dirty="0"/>
+          </a:p>
+        </p:txBody>
+      </p:sp>
+      <p:sp>
+        <p:nvSpPr>
+          <p:cNvPr id="74" name="文本框 73"/>
+          <p:cNvSpPr txBox="1"/>
+          <p:nvPr/>
+        </p:nvSpPr>
+        <p:spPr>
+          <a:xfrm>
+            <a:off x="4162436" y="4741549"/>
+            <a:ext cx="241300" cy="261610"/>
+          </a:xfrm>
+          <a:prstGeom prst="rect">
+            <a:avLst/>
+          </a:prstGeom>
+          <a:noFill/>
+        </p:spPr>
+        <p:txBody>
+          <a:bodyPr wrap="square" rtlCol="0">
+            <a:spAutoFit/>
+          </a:bodyPr>
+          <a:lstStyle/>
+          <a:p>
+            <a:r>
+              <a:rPr lang="en-US" altLang="zh-CN" sz="1100" b="1" dirty="0" smtClean="0"/>
+              <a:t>1</a:t>
+            </a:r>
+            <a:endParaRPr lang="zh-CN" altLang="en-US" sz="1100" b="1" dirty="0"/>
+          </a:p>
+        </p:txBody>
+      </p:sp>
+      <p:sp>
+        <p:nvSpPr>
+          <p:cNvPr id="75" name="文本框 74"/>
+          <p:cNvSpPr txBox="1"/>
+          <p:nvPr/>
+        </p:nvSpPr>
+        <p:spPr>
+          <a:xfrm>
+            <a:off x="4529463" y="4732018"/>
+            <a:ext cx="241300" cy="261610"/>
+          </a:xfrm>
+          <a:prstGeom prst="rect">
+            <a:avLst/>
+          </a:prstGeom>
+          <a:noFill/>
+        </p:spPr>
+        <p:txBody>
+          <a:bodyPr wrap="square" rtlCol="0">
+            <a:spAutoFit/>
+          </a:bodyPr>
+          <a:lstStyle/>
+          <a:p>
+            <a:r>
+              <a:rPr lang="en-US" altLang="zh-CN" sz="1100" b="1" dirty="0" smtClean="0"/>
+              <a:t>1</a:t>
+            </a:r>
+            <a:endParaRPr lang="zh-CN" altLang="en-US" sz="1100" b="1" dirty="0"/>
+          </a:p>
+        </p:txBody>
+      </p:sp>
+    </p:spTree>
+    <p:extLst>
+      <p:ext uri="{BB962C8B-B14F-4D97-AF65-F5344CB8AC3E}">
+        <p14:creationId xmlns:p14="http://schemas.microsoft.com/office/powerpoint/2010/main" val="9140906"/>
       </p:ext>
     </p:extLst>
   </p:cSld>
@@ -7917,4 +13178,265 @@
     </a:ext>
   </a:extLst>
 </a:theme>
+</file>
+
+<file path=ppt/theme/theme2.xml><?xml version="1.0" encoding="utf-8"?>
+<a:theme xmlns:a="http://schemas.openxmlformats.org/drawingml/2006/main" name="Office 主题​​">
+  <a:themeElements>
+    <a:clrScheme name="Office">
+      <a:dk1>
+        <a:sysClr val="windowText" lastClr="000000"/>
+      </a:dk1>
+      <a:lt1>
+        <a:sysClr val="window" lastClr="FFFFFF"/>
+      </a:lt1>
+      <a:dk2>
+        <a:srgbClr val="44546A"/>
+      </a:dk2>
+      <a:lt2>
+        <a:srgbClr val="E7E6E6"/>
+      </a:lt2>
+      <a:accent1>
+        <a:srgbClr val="5B9BD5"/>
+      </a:accent1>
+      <a:accent2>
+        <a:srgbClr val="ED7D31"/>
+      </a:accent2>
+      <a:accent3>
+        <a:srgbClr val="A5A5A5"/>
+      </a:accent3>
+      <a:accent4>
+        <a:srgbClr val="FFC000"/>
+      </a:accent4>
+      <a:accent5>
+        <a:srgbClr val="4472C4"/>
+      </a:accent5>
+      <a:accent6>
+        <a:srgbClr val="70AD47"/>
+      </a:accent6>
+      <a:hlink>
+        <a:srgbClr val="0563C1"/>
+      </a:hlink>
+      <a:folHlink>
+        <a:srgbClr val="954F72"/>
+      </a:folHlink>
+    </a:clrScheme>
+    <a:fontScheme name="Office">
+      <a:majorFont>
+        <a:latin typeface="等线 Light" panose="020F0302020204030204"/>
+        <a:ea typeface=""/>
+        <a:cs typeface=""/>
+        <a:font script="Jpan" typeface="游ゴシック Light"/>
+        <a:font script="Hang" typeface="맑은 고딕"/>
+        <a:font script="Hans" typeface="等线 Light"/>
+        <a:font script="Hant" typeface="新細明體"/>
+        <a:font script="Arab" typeface="Times New Roman"/>
+        <a:font script="Hebr" typeface="Times New Roman"/>
+        <a:font script="Thai" typeface="Angsana New"/>
+        <a:font script="Ethi" typeface="Nyala"/>
+        <a:font script="Beng" typeface="Vrinda"/>
+        <a:font script="Gujr" typeface="Shruti"/>
+        <a:font script="Khmr" typeface="MoolBoran"/>
+        <a:font script="Knda" typeface="Tunga"/>
+        <a:font script="Guru" typeface="Raavi"/>
+        <a:font script="Cans" typeface="Euphemia"/>
+        <a:font script="Cher" typeface="Plantagenet Cherokee"/>
+        <a:font script="Yiii" typeface="Microsoft Yi Baiti"/>
+        <a:font script="Tibt" typeface="Microsoft Himalaya"/>
+        <a:font script="Thaa" typeface="MV Boli"/>
+        <a:font script="Deva" typeface="Mangal"/>
+        <a:font script="Telu" typeface="Gautami"/>
+        <a:font script="Taml" typeface="Latha"/>
+        <a:font script="Syrc" typeface="Estrangelo Edessa"/>
+        <a:font script="Orya" typeface="Kalinga"/>
+        <a:font script="Mlym" typeface="Kartika"/>
+        <a:font script="Laoo" typeface="DokChampa"/>
+        <a:font script="Sinh" typeface="Iskoola Pota"/>
+        <a:font script="Mong" typeface="Mongolian Baiti"/>
+        <a:font script="Viet" typeface="Times New Roman"/>
+        <a:font script="Uigh" typeface="Microsoft Uighur"/>
+        <a:font script="Geor" typeface="Sylfaen"/>
+      </a:majorFont>
+      <a:minorFont>
+        <a:latin typeface="等线" panose="020F0502020204030204"/>
+        <a:ea typeface=""/>
+        <a:cs typeface=""/>
+        <a:font script="Jpan" typeface="游ゴシック"/>
+        <a:font script="Hang" typeface="맑은 고딕"/>
+        <a:font script="Hans" typeface="等线"/>
+        <a:font script="Hant" typeface="新細明體"/>
+        <a:font script="Arab" typeface="Arial"/>
+        <a:font script="Hebr" typeface="Arial"/>
+        <a:font script="Thai" typeface="Cordia New"/>
+        <a:font script="Ethi" typeface="Nyala"/>
+        <a:font script="Beng" typeface="Vrinda"/>
+        <a:font script="Gujr" typeface="Shruti"/>
+        <a:font script="Khmr" typeface="DaunPenh"/>
+        <a:font script="Knda" typeface="Tunga"/>
+        <a:font script="Guru" typeface="Raavi"/>
+        <a:font script="Cans" typeface="Euphemia"/>
+        <a:font script="Cher" typeface="Plantagenet Cherokee"/>
+        <a:font script="Yiii" typeface="Microsoft Yi Baiti"/>
+        <a:font script="Tibt" typeface="Microsoft Himalaya"/>
+        <a:font script="Thaa" typeface="MV Boli"/>
+        <a:font script="Deva" typeface="Mangal"/>
+        <a:font script="Telu" typeface="Gautami"/>
+        <a:font script="Taml" typeface="Latha"/>
+        <a:font script="Syrc" typeface="Estrangelo Edessa"/>
+        <a:font script="Orya" typeface="Kalinga"/>
+        <a:font script="Mlym" typeface="Kartika"/>
+        <a:font script="Laoo" typeface="DokChampa"/>
+        <a:font script="Sinh" typeface="Iskoola Pota"/>
+        <a:font script="Mong" typeface="Mongolian Baiti"/>
+        <a:font script="Viet" typeface="Arial"/>
+        <a:font script="Uigh" typeface="Microsoft Uighur"/>
+        <a:font script="Geor" typeface="Sylfaen"/>
+      </a:minorFont>
+    </a:fontScheme>
+    <a:fmtScheme name="Office">
+      <a:fillStyleLst>
+        <a:solidFill>
+          <a:schemeClr val="phClr"/>
+        </a:solidFill>
+        <a:gradFill rotWithShape="1">
+          <a:gsLst>
+            <a:gs pos="0">
+              <a:schemeClr val="phClr">
+                <a:lumMod val="110000"/>
+                <a:satMod val="105000"/>
+                <a:tint val="67000"/>
+              </a:schemeClr>
+            </a:gs>
+            <a:gs pos="50000">
+              <a:schemeClr val="phClr">
+                <a:lumMod val="105000"/>
+                <a:satMod val="103000"/>
+                <a:tint val="73000"/>
+              </a:schemeClr>
+            </a:gs>
+            <a:gs pos="100000">
+              <a:schemeClr val="phClr">
+                <a:lumMod val="105000"/>
+                <a:satMod val="109000"/>
+                <a:tint val="81000"/>
+              </a:schemeClr>
+            </a:gs>
+          </a:gsLst>
+          <a:lin ang="5400000" scaled="0"/>
+        </a:gradFill>
+        <a:gradFill rotWithShape="1">
+          <a:gsLst>
+            <a:gs pos="0">
+              <a:schemeClr val="phClr">
+                <a:satMod val="103000"/>
+                <a:lumMod val="102000"/>
+                <a:tint val="94000"/>
+              </a:schemeClr>
+            </a:gs>
+            <a:gs pos="50000">
+              <a:schemeClr val="phClr">
+                <a:satMod val="110000"/>
+                <a:lumMod val="100000"/>
+                <a:shade val="100000"/>
+              </a:schemeClr>
+            </a:gs>
+            <a:gs pos="100000">
+              <a:schemeClr val="phClr">
+                <a:lumMod val="99000"/>
+                <a:satMod val="120000"/>
+                <a:shade val="78000"/>
+              </a:schemeClr>
+            </a:gs>
+          </a:gsLst>
+          <a:lin ang="5400000" scaled="0"/>
+        </a:gradFill>
+      </a:fillStyleLst>
+      <a:lnStyleLst>
+        <a:ln w="6350" cap="flat" cmpd="sng" algn="ctr">
+          <a:solidFill>
+            <a:schemeClr val="phClr"/>
+          </a:solidFill>
+          <a:prstDash val="solid"/>
+          <a:miter lim="800000"/>
+        </a:ln>
+        <a:ln w="12700" cap="flat" cmpd="sng" algn="ctr">
+          <a:solidFill>
+            <a:schemeClr val="phClr"/>
+          </a:solidFill>
+          <a:prstDash val="solid"/>
+          <a:miter lim="800000"/>
+        </a:ln>
+        <a:ln w="19050" cap="flat" cmpd="sng" algn="ctr">
+          <a:solidFill>
+            <a:schemeClr val="phClr"/>
+          </a:solidFill>
+          <a:prstDash val="solid"/>
+          <a:miter lim="800000"/>
+        </a:ln>
+      </a:lnStyleLst>
+      <a:effectStyleLst>
+        <a:effectStyle>
+          <a:effectLst/>
+        </a:effectStyle>
+        <a:effectStyle>
+          <a:effectLst/>
+        </a:effectStyle>
+        <a:effectStyle>
+          <a:effectLst>
+            <a:outerShdw blurRad="57150" dist="19050" dir="5400000" algn="ctr" rotWithShape="0">
+              <a:srgbClr val="000000">
+                <a:alpha val="63000"/>
+              </a:srgbClr>
+            </a:outerShdw>
+          </a:effectLst>
+        </a:effectStyle>
+      </a:effectStyleLst>
+      <a:bgFillStyleLst>
+        <a:solidFill>
+          <a:schemeClr val="phClr"/>
+        </a:solidFill>
+        <a:solidFill>
+          <a:schemeClr val="phClr">
+            <a:tint val="95000"/>
+            <a:satMod val="170000"/>
+          </a:schemeClr>
+        </a:solidFill>
+        <a:gradFill rotWithShape="1">
+          <a:gsLst>
+            <a:gs pos="0">
+              <a:schemeClr val="phClr">
+                <a:tint val="93000"/>
+                <a:satMod val="150000"/>
+                <a:shade val="98000"/>
+                <a:lumMod val="102000"/>
+              </a:schemeClr>
+            </a:gs>
+            <a:gs pos="50000">
+              <a:schemeClr val="phClr">
+                <a:tint val="98000"/>
+                <a:satMod val="130000"/>
+                <a:shade val="90000"/>
+                <a:lumMod val="103000"/>
+              </a:schemeClr>
+            </a:gs>
+            <a:gs pos="100000">
+              <a:schemeClr val="phClr">
+                <a:shade val="63000"/>
+                <a:satMod val="120000"/>
+              </a:schemeClr>
+            </a:gs>
+          </a:gsLst>
+          <a:lin ang="5400000" scaled="0"/>
+        </a:gradFill>
+      </a:bgFillStyleLst>
+    </a:fmtScheme>
+  </a:themeElements>
+  <a:objectDefaults/>
+  <a:extraClrSchemeLst/>
+  <a:extLst>
+    <a:ext uri="{05A4C25C-085E-4340-85A3-A5531E510DB2}">
+      <thm15:themeFamily xmlns:thm15="http://schemas.microsoft.com/office/thememl/2012/main" name="Office Theme" id="{62F939B6-93AF-4DB8-9C6B-D6C7DFDC589F}" vid="{4A3C46E8-61CC-4603-A589-7422A47A8E4A}"/>
+    </a:ext>
+  </a:extLst>
+</a:theme>
 </file>